--- a/0-PRESENTATION_POWERPOINT/presentation_splunk.pptx
+++ b/0-PRESENTATION_POWERPOINT/presentation_splunk.pptx
@@ -5,16 +5,22 @@
     <p:sldMasterId id="2147483923" r:id="rId1"/>
   </p:sldMasterIdLst>
   <p:notesMasterIdLst>
-    <p:notesMasterId r:id="rId9"/>
+    <p:notesMasterId r:id="rId15"/>
   </p:notesMasterIdLst>
   <p:sldIdLst>
     <p:sldId id="256" r:id="rId2"/>
     <p:sldId id="257" r:id="rId3"/>
     <p:sldId id="284" r:id="rId4"/>
-    <p:sldId id="285" r:id="rId5"/>
-    <p:sldId id="319" r:id="rId6"/>
-    <p:sldId id="309" r:id="rId7"/>
-    <p:sldId id="310" r:id="rId8"/>
+    <p:sldId id="331" r:id="rId5"/>
+    <p:sldId id="320" r:id="rId6"/>
+    <p:sldId id="321" r:id="rId7"/>
+    <p:sldId id="322" r:id="rId8"/>
+    <p:sldId id="323" r:id="rId9"/>
+    <p:sldId id="285" r:id="rId10"/>
+    <p:sldId id="326" r:id="rId11"/>
+    <p:sldId id="319" r:id="rId12"/>
+    <p:sldId id="309" r:id="rId13"/>
+    <p:sldId id="310" r:id="rId14"/>
   </p:sldIdLst>
   <p:sldSz cx="12192000" cy="6858000"/>
   <p:notesSz cx="6858000" cy="9144000"/>
@@ -1070,7 +1076,7 @@
               <a:latin typeface="Arial" panose="020B0604020202020204" pitchFamily="34" charset="0"/>
               <a:cs typeface="Arial" panose="020B0604020202020204" pitchFamily="34" charset="0"/>
             </a:rPr>
-            <a:t>Question</a:t>
+            <a:t>Questions</a:t>
           </a:r>
           <a:endParaRPr lang="fr-FR" dirty="0"/>
         </a:p>
@@ -1098,6 +1104,29 @@
         </a:p>
       </dgm:t>
     </dgm:pt>
+    <dgm:pt modelId="{574B2D8E-62F9-4D03-B916-0306C86B6D46}">
+      <dgm:prSet phldrT="[Texte]"/>
+      <dgm:spPr/>
+      <dgm:t>
+        <a:bodyPr/>
+        <a:lstStyle/>
+        <a:p>
+          <a:r>
+            <a:rPr lang="fr-FR"/>
+            <a:t>Bilan / Recommandations</a:t>
+          </a:r>
+          <a:endParaRPr lang="fr-FR" dirty="0"/>
+        </a:p>
+      </dgm:t>
+    </dgm:pt>
+    <dgm:pt modelId="{29580141-CEE8-499B-8F51-ECB1CD90EF04}" type="parTrans" cxnId="{3135B807-A82D-4324-B36C-6959901AD1B9}">
+      <dgm:prSet/>
+      <dgm:spPr/>
+    </dgm:pt>
+    <dgm:pt modelId="{F69EFE1A-844A-4AAB-ABFB-6D5E57DE5B18}" type="sibTrans" cxnId="{3135B807-A82D-4324-B36C-6959901AD1B9}">
+      <dgm:prSet/>
+      <dgm:spPr/>
+    </dgm:pt>
     <dgm:pt modelId="{62D2C340-0C92-49E5-965B-5997A69F75DA}" type="pres">
       <dgm:prSet presAssocID="{CAF58717-2CA2-4946-96FA-E6F594FD428A}" presName="Name0" presStyleCnt="0">
         <dgm:presLayoutVars>
@@ -1117,7 +1146,7 @@
       <dgm:spPr/>
     </dgm:pt>
     <dgm:pt modelId="{9377D85C-1950-4E52-857E-36DDC919B3C3}" type="pres">
-      <dgm:prSet presAssocID="{CAF58717-2CA2-4946-96FA-E6F594FD428A}" presName="srcNode" presStyleLbl="node1" presStyleIdx="0" presStyleCnt="5"/>
+      <dgm:prSet presAssocID="{CAF58717-2CA2-4946-96FA-E6F594FD428A}" presName="srcNode" presStyleLbl="node1" presStyleIdx="0" presStyleCnt="6"/>
       <dgm:spPr/>
     </dgm:pt>
     <dgm:pt modelId="{55BDC51A-ADDA-4CF5-B880-4FF9929CBE77}" type="pres">
@@ -1125,15 +1154,15 @@
       <dgm:spPr/>
     </dgm:pt>
     <dgm:pt modelId="{50B90D1B-F7D9-4FC9-927C-8C08301F561E}" type="pres">
-      <dgm:prSet presAssocID="{CAF58717-2CA2-4946-96FA-E6F594FD428A}" presName="extraNode" presStyleLbl="node1" presStyleIdx="0" presStyleCnt="5"/>
+      <dgm:prSet presAssocID="{CAF58717-2CA2-4946-96FA-E6F594FD428A}" presName="extraNode" presStyleLbl="node1" presStyleIdx="0" presStyleCnt="6"/>
       <dgm:spPr/>
     </dgm:pt>
     <dgm:pt modelId="{BA713EF7-C5CD-4E77-A7DF-95D3BB7C732B}" type="pres">
-      <dgm:prSet presAssocID="{CAF58717-2CA2-4946-96FA-E6F594FD428A}" presName="dstNode" presStyleLbl="node1" presStyleIdx="0" presStyleCnt="5"/>
+      <dgm:prSet presAssocID="{CAF58717-2CA2-4946-96FA-E6F594FD428A}" presName="dstNode" presStyleLbl="node1" presStyleIdx="0" presStyleCnt="6"/>
       <dgm:spPr/>
     </dgm:pt>
     <dgm:pt modelId="{E093BE16-1D22-479B-8037-0A5ED29AB5C3}" type="pres">
-      <dgm:prSet presAssocID="{0F402DF0-6E05-4A40-8507-1E4684EA8C93}" presName="text_1" presStyleLbl="node1" presStyleIdx="0" presStyleCnt="5">
+      <dgm:prSet presAssocID="{0F402DF0-6E05-4A40-8507-1E4684EA8C93}" presName="text_1" presStyleLbl="node1" presStyleIdx="0" presStyleCnt="6">
         <dgm:presLayoutVars>
           <dgm:bulletEnabled val="1"/>
         </dgm:presLayoutVars>
@@ -1145,87 +1174,105 @@
       <dgm:spPr/>
     </dgm:pt>
     <dgm:pt modelId="{53FB057A-5CFB-4F7C-B81F-6C59DEAFF1B8}" type="pres">
-      <dgm:prSet presAssocID="{0F402DF0-6E05-4A40-8507-1E4684EA8C93}" presName="accentRepeatNode" presStyleLbl="solidFgAcc1" presStyleIdx="0" presStyleCnt="5"/>
+      <dgm:prSet presAssocID="{0F402DF0-6E05-4A40-8507-1E4684EA8C93}" presName="accentRepeatNode" presStyleLbl="solidFgAcc1" presStyleIdx="0" presStyleCnt="6"/>
       <dgm:spPr/>
     </dgm:pt>
-    <dgm:pt modelId="{207F21DA-3CF9-447A-94BC-F18EC1B2E79F}" type="pres">
-      <dgm:prSet presAssocID="{E94ADFC6-24F5-496A-9D00-728511D24714}" presName="text_2" presStyleLbl="node1" presStyleIdx="1" presStyleCnt="5">
+    <dgm:pt modelId="{5CC804D0-309C-450C-A17A-6D493802CC2A}" type="pres">
+      <dgm:prSet presAssocID="{574B2D8E-62F9-4D03-B916-0306C86B6D46}" presName="text_2" presStyleLbl="node1" presStyleIdx="1" presStyleCnt="6">
         <dgm:presLayoutVars>
           <dgm:bulletEnabled val="1"/>
         </dgm:presLayoutVars>
       </dgm:prSet>
       <dgm:spPr/>
     </dgm:pt>
-    <dgm:pt modelId="{B03DE790-061E-4376-9219-ECEF56D4FE21}" type="pres">
-      <dgm:prSet presAssocID="{E94ADFC6-24F5-496A-9D00-728511D24714}" presName="accent_2" presStyleCnt="0"/>
+    <dgm:pt modelId="{A4A06ACF-19F9-43A4-AC58-73B7C27E8ACF}" type="pres">
+      <dgm:prSet presAssocID="{574B2D8E-62F9-4D03-B916-0306C86B6D46}" presName="accent_2" presStyleCnt="0"/>
       <dgm:spPr/>
     </dgm:pt>
-    <dgm:pt modelId="{880304A3-6645-4649-9ABF-AADA5F7D5FE8}" type="pres">
-      <dgm:prSet presAssocID="{E94ADFC6-24F5-496A-9D00-728511D24714}" presName="accentRepeatNode" presStyleLbl="solidFgAcc1" presStyleIdx="1" presStyleCnt="5"/>
+    <dgm:pt modelId="{F8F069C1-9645-4833-8743-347D1C543769}" type="pres">
+      <dgm:prSet presAssocID="{574B2D8E-62F9-4D03-B916-0306C86B6D46}" presName="accentRepeatNode" presStyleLbl="solidFgAcc1" presStyleIdx="1" presStyleCnt="6"/>
       <dgm:spPr/>
     </dgm:pt>
-    <dgm:pt modelId="{A4A3854E-CA93-4EEF-A655-5E7789573705}" type="pres">
-      <dgm:prSet presAssocID="{9A6C50A2-E466-4631-9273-704CA0DC0A71}" presName="text_3" presStyleLbl="node1" presStyleIdx="2" presStyleCnt="5" custLinFactNeighborX="40" custLinFactNeighborY="-858">
+    <dgm:pt modelId="{FF1B63BB-292F-404F-8A70-9961DFDEA820}" type="pres">
+      <dgm:prSet presAssocID="{E94ADFC6-24F5-496A-9D00-728511D24714}" presName="text_3" presStyleLbl="node1" presStyleIdx="2" presStyleCnt="6">
         <dgm:presLayoutVars>
           <dgm:bulletEnabled val="1"/>
         </dgm:presLayoutVars>
       </dgm:prSet>
       <dgm:spPr/>
     </dgm:pt>
-    <dgm:pt modelId="{DEECD47D-EFFE-4511-9193-D2577DFD816F}" type="pres">
-      <dgm:prSet presAssocID="{9A6C50A2-E466-4631-9273-704CA0DC0A71}" presName="accent_3" presStyleCnt="0"/>
+    <dgm:pt modelId="{A0BAE13B-776F-4BD8-9FB0-183469486A2A}" type="pres">
+      <dgm:prSet presAssocID="{E94ADFC6-24F5-496A-9D00-728511D24714}" presName="accent_3" presStyleCnt="0"/>
       <dgm:spPr/>
     </dgm:pt>
-    <dgm:pt modelId="{E769AB44-8BA8-4694-9B86-BD37730473DF}" type="pres">
-      <dgm:prSet presAssocID="{9A6C50A2-E466-4631-9273-704CA0DC0A71}" presName="accentRepeatNode" presStyleLbl="solidFgAcc1" presStyleIdx="2" presStyleCnt="5"/>
+    <dgm:pt modelId="{880304A3-6645-4649-9ABF-AADA5F7D5FE8}" type="pres">
+      <dgm:prSet presAssocID="{E94ADFC6-24F5-496A-9D00-728511D24714}" presName="accentRepeatNode" presStyleLbl="solidFgAcc1" presStyleIdx="2" presStyleCnt="6"/>
       <dgm:spPr/>
     </dgm:pt>
-    <dgm:pt modelId="{3D5BE587-7128-435E-B0CC-7A187B01C111}" type="pres">
-      <dgm:prSet presAssocID="{7F009EA4-B1C9-4A03-8D5A-95706CA1ACCA}" presName="text_4" presStyleLbl="node1" presStyleIdx="3" presStyleCnt="5">
+    <dgm:pt modelId="{CBDD1FB5-0A40-430D-BEB0-F7EED382143F}" type="pres">
+      <dgm:prSet presAssocID="{9A6C50A2-E466-4631-9273-704CA0DC0A71}" presName="text_4" presStyleLbl="node1" presStyleIdx="3" presStyleCnt="6">
         <dgm:presLayoutVars>
           <dgm:bulletEnabled val="1"/>
         </dgm:presLayoutVars>
       </dgm:prSet>
       <dgm:spPr/>
     </dgm:pt>
-    <dgm:pt modelId="{72E40F51-3BB6-4DD3-A1B8-8E3F8EEF7D2C}" type="pres">
-      <dgm:prSet presAssocID="{7F009EA4-B1C9-4A03-8D5A-95706CA1ACCA}" presName="accent_4" presStyleCnt="0"/>
+    <dgm:pt modelId="{F20E871E-2B42-446C-936B-1D054018DF5C}" type="pres">
+      <dgm:prSet presAssocID="{9A6C50A2-E466-4631-9273-704CA0DC0A71}" presName="accent_4" presStyleCnt="0"/>
       <dgm:spPr/>
     </dgm:pt>
-    <dgm:pt modelId="{DB0A1E19-0F50-4825-AE05-5274795BA579}" type="pres">
-      <dgm:prSet presAssocID="{7F009EA4-B1C9-4A03-8D5A-95706CA1ACCA}" presName="accentRepeatNode" presStyleLbl="solidFgAcc1" presStyleIdx="3" presStyleCnt="5"/>
+    <dgm:pt modelId="{E769AB44-8BA8-4694-9B86-BD37730473DF}" type="pres">
+      <dgm:prSet presAssocID="{9A6C50A2-E466-4631-9273-704CA0DC0A71}" presName="accentRepeatNode" presStyleLbl="solidFgAcc1" presStyleIdx="3" presStyleCnt="6"/>
       <dgm:spPr/>
     </dgm:pt>
-    <dgm:pt modelId="{966999D7-DD6B-4B01-9B45-802FE1A3E336}" type="pres">
-      <dgm:prSet presAssocID="{81819CFE-BBD3-40ED-834D-DEE8AAA61C06}" presName="text_5" presStyleLbl="node1" presStyleIdx="4" presStyleCnt="5">
+    <dgm:pt modelId="{D2AB782D-5307-49BB-9966-3F6C1D1FCC19}" type="pres">
+      <dgm:prSet presAssocID="{7F009EA4-B1C9-4A03-8D5A-95706CA1ACCA}" presName="text_5" presStyleLbl="node1" presStyleIdx="4" presStyleCnt="6">
         <dgm:presLayoutVars>
           <dgm:bulletEnabled val="1"/>
         </dgm:presLayoutVars>
       </dgm:prSet>
       <dgm:spPr/>
     </dgm:pt>
-    <dgm:pt modelId="{7C49E097-19FE-4752-B569-E95F7BF3B7D8}" type="pres">
-      <dgm:prSet presAssocID="{81819CFE-BBD3-40ED-834D-DEE8AAA61C06}" presName="accent_5" presStyleCnt="0"/>
+    <dgm:pt modelId="{3568D048-F9EE-42E0-B363-EB2E1900991A}" type="pres">
+      <dgm:prSet presAssocID="{7F009EA4-B1C9-4A03-8D5A-95706CA1ACCA}" presName="accent_5" presStyleCnt="0"/>
+      <dgm:spPr/>
+    </dgm:pt>
+    <dgm:pt modelId="{DB0A1E19-0F50-4825-AE05-5274795BA579}" type="pres">
+      <dgm:prSet presAssocID="{7F009EA4-B1C9-4A03-8D5A-95706CA1ACCA}" presName="accentRepeatNode" presStyleLbl="solidFgAcc1" presStyleIdx="4" presStyleCnt="6"/>
+      <dgm:spPr/>
+    </dgm:pt>
+    <dgm:pt modelId="{76DEF4BD-9935-4BE1-ADF6-B70438FA7984}" type="pres">
+      <dgm:prSet presAssocID="{81819CFE-BBD3-40ED-834D-DEE8AAA61C06}" presName="text_6" presStyleLbl="node1" presStyleIdx="5" presStyleCnt="6">
+        <dgm:presLayoutVars>
+          <dgm:bulletEnabled val="1"/>
+        </dgm:presLayoutVars>
+      </dgm:prSet>
+      <dgm:spPr/>
+    </dgm:pt>
+    <dgm:pt modelId="{CCB6B7CC-E74C-40C6-9CD9-BD4FD8C3A74C}" type="pres">
+      <dgm:prSet presAssocID="{81819CFE-BBD3-40ED-834D-DEE8AAA61C06}" presName="accent_6" presStyleCnt="0"/>
       <dgm:spPr/>
     </dgm:pt>
     <dgm:pt modelId="{FD86333B-4FFF-43B4-8174-3BEB42F31D87}" type="pres">
-      <dgm:prSet presAssocID="{81819CFE-BBD3-40ED-834D-DEE8AAA61C06}" presName="accentRepeatNode" presStyleLbl="solidFgAcc1" presStyleIdx="4" presStyleCnt="5"/>
+      <dgm:prSet presAssocID="{81819CFE-BBD3-40ED-834D-DEE8AAA61C06}" presName="accentRepeatNode" presStyleLbl="solidFgAcc1" presStyleIdx="5" presStyleCnt="6"/>
       <dgm:spPr/>
     </dgm:pt>
   </dgm:ptLst>
   <dgm:cxnLst>
+    <dgm:cxn modelId="{3135B807-A82D-4324-B36C-6959901AD1B9}" srcId="{CAF58717-2CA2-4946-96FA-E6F594FD428A}" destId="{574B2D8E-62F9-4D03-B916-0306C86B6D46}" srcOrd="1" destOrd="0" parTransId="{29580141-CEE8-499B-8F51-ECB1CD90EF04}" sibTransId="{F69EFE1A-844A-4AAB-ABFB-6D5E57DE5B18}"/>
+    <dgm:cxn modelId="{BD5E8A0B-328C-4DEE-AF29-0AEE15B98059}" type="presOf" srcId="{81819CFE-BBD3-40ED-834D-DEE8AAA61C06}" destId="{76DEF4BD-9935-4BE1-ADF6-B70438FA7984}" srcOrd="0" destOrd="0" presId="urn:microsoft.com/office/officeart/2008/layout/VerticalCurvedList"/>
     <dgm:cxn modelId="{F4464A20-5480-4123-BA5C-36F77B08F12F}" type="presOf" srcId="{CAF58717-2CA2-4946-96FA-E6F594FD428A}" destId="{62D2C340-0C92-49E5-965B-5997A69F75DA}" srcOrd="0" destOrd="0" presId="urn:microsoft.com/office/officeart/2008/layout/VerticalCurvedList"/>
-    <dgm:cxn modelId="{16757C22-C525-4CDF-A48D-C8FCA7B4CD44}" srcId="{CAF58717-2CA2-4946-96FA-E6F594FD428A}" destId="{7F009EA4-B1C9-4A03-8D5A-95706CA1ACCA}" srcOrd="3" destOrd="0" parTransId="{DAA62F6A-0D4D-4FA4-A39C-86A386313982}" sibTransId="{9BF82615-7507-420C-8FC9-8224A5EF905D}"/>
+    <dgm:cxn modelId="{16757C22-C525-4CDF-A48D-C8FCA7B4CD44}" srcId="{CAF58717-2CA2-4946-96FA-E6F594FD428A}" destId="{7F009EA4-B1C9-4A03-8D5A-95706CA1ACCA}" srcOrd="4" destOrd="0" parTransId="{DAA62F6A-0D4D-4FA4-A39C-86A386313982}" sibTransId="{9BF82615-7507-420C-8FC9-8224A5EF905D}"/>
     <dgm:cxn modelId="{DB1F7661-21C6-4654-A28D-BFA73518E0E5}" type="presOf" srcId="{BA6BBDE9-5B85-440E-B745-26A22107782E}" destId="{55BDC51A-ADDA-4CF5-B880-4FF9929CBE77}" srcOrd="0" destOrd="0" presId="urn:microsoft.com/office/officeart/2008/layout/VerticalCurvedList"/>
-    <dgm:cxn modelId="{37700470-8F4B-4D73-B272-3147084BED00}" type="presOf" srcId="{81819CFE-BBD3-40ED-834D-DEE8AAA61C06}" destId="{966999D7-DD6B-4B01-9B45-802FE1A3E336}" srcOrd="0" destOrd="0" presId="urn:microsoft.com/office/officeart/2008/layout/VerticalCurvedList"/>
-    <dgm:cxn modelId="{2C437453-1AA9-4DA6-9155-74F139BFBA32}" srcId="{CAF58717-2CA2-4946-96FA-E6F594FD428A}" destId="{9A6C50A2-E466-4631-9273-704CA0DC0A71}" srcOrd="2" destOrd="0" parTransId="{4A7AAADF-E91D-4F8E-8B9E-5E170C8D3F7D}" sibTransId="{ECE3D972-9AD4-4E9B-B9E4-0DEB0B5AE92C}"/>
-    <dgm:cxn modelId="{4EA4EB80-4FC1-42BA-9FD3-90E8D828F536}" type="presOf" srcId="{E94ADFC6-24F5-496A-9D00-728511D24714}" destId="{207F21DA-3CF9-447A-94BC-F18EC1B2E79F}" srcOrd="0" destOrd="0" presId="urn:microsoft.com/office/officeart/2008/layout/VerticalCurvedList"/>
-    <dgm:cxn modelId="{98A26992-B641-470A-A8CE-C9E54B11ED09}" srcId="{CAF58717-2CA2-4946-96FA-E6F594FD428A}" destId="{E94ADFC6-24F5-496A-9D00-728511D24714}" srcOrd="1" destOrd="0" parTransId="{D74DE341-E2FB-41CE-877F-2484BD77B968}" sibTransId="{3899DC3C-5B45-466A-A854-7DE45A4D9362}"/>
+    <dgm:cxn modelId="{2C437453-1AA9-4DA6-9155-74F139BFBA32}" srcId="{CAF58717-2CA2-4946-96FA-E6F594FD428A}" destId="{9A6C50A2-E466-4631-9273-704CA0DC0A71}" srcOrd="3" destOrd="0" parTransId="{4A7AAADF-E91D-4F8E-8B9E-5E170C8D3F7D}" sibTransId="{ECE3D972-9AD4-4E9B-B9E4-0DEB0B5AE92C}"/>
+    <dgm:cxn modelId="{98A26992-B641-470A-A8CE-C9E54B11ED09}" srcId="{CAF58717-2CA2-4946-96FA-E6F594FD428A}" destId="{E94ADFC6-24F5-496A-9D00-728511D24714}" srcOrd="2" destOrd="0" parTransId="{D74DE341-E2FB-41CE-877F-2484BD77B968}" sibTransId="{3899DC3C-5B45-466A-A854-7DE45A4D9362}"/>
+    <dgm:cxn modelId="{A1CE3DAD-97A9-4B1D-A8F2-FBC48CB297D0}" type="presOf" srcId="{9A6C50A2-E466-4631-9273-704CA0DC0A71}" destId="{CBDD1FB5-0A40-430D-BEB0-F7EED382143F}" srcOrd="0" destOrd="0" presId="urn:microsoft.com/office/officeart/2008/layout/VerticalCurvedList"/>
     <dgm:cxn modelId="{8FE0A7BC-9638-42ED-B22D-EA3FBA18CC1B}" type="presOf" srcId="{0F402DF0-6E05-4A40-8507-1E4684EA8C93}" destId="{E093BE16-1D22-479B-8037-0A5ED29AB5C3}" srcOrd="0" destOrd="0" presId="urn:microsoft.com/office/officeart/2008/layout/VerticalCurvedList"/>
-    <dgm:cxn modelId="{7BAA6FC1-073C-4E46-BC05-9F7D6CB5AA69}" type="presOf" srcId="{9A6C50A2-E466-4631-9273-704CA0DC0A71}" destId="{A4A3854E-CA93-4EEF-A655-5E7789573705}" srcOrd="0" destOrd="0" presId="urn:microsoft.com/office/officeart/2008/layout/VerticalCurvedList"/>
-    <dgm:cxn modelId="{3E8851E4-BC4C-4AA3-A72F-320BD7A6C488}" srcId="{CAF58717-2CA2-4946-96FA-E6F594FD428A}" destId="{81819CFE-BBD3-40ED-834D-DEE8AAA61C06}" srcOrd="4" destOrd="0" parTransId="{F0071653-9273-471C-BFAD-695EEE650064}" sibTransId="{32AAFDAF-1B09-423F-98D6-D761DCA817A6}"/>
+    <dgm:cxn modelId="{63F202DF-8BF7-47FF-B02E-3D3EF3EC7126}" type="presOf" srcId="{E94ADFC6-24F5-496A-9D00-728511D24714}" destId="{FF1B63BB-292F-404F-8A70-9961DFDEA820}" srcOrd="0" destOrd="0" presId="urn:microsoft.com/office/officeart/2008/layout/VerticalCurvedList"/>
+    <dgm:cxn modelId="{3E8851E4-BC4C-4AA3-A72F-320BD7A6C488}" srcId="{CAF58717-2CA2-4946-96FA-E6F594FD428A}" destId="{81819CFE-BBD3-40ED-834D-DEE8AAA61C06}" srcOrd="5" destOrd="0" parTransId="{F0071653-9273-471C-BFAD-695EEE650064}" sibTransId="{32AAFDAF-1B09-423F-98D6-D761DCA817A6}"/>
+    <dgm:cxn modelId="{698C96EA-FFC0-4E4B-8F72-56899FDB7E44}" type="presOf" srcId="{574B2D8E-62F9-4D03-B916-0306C86B6D46}" destId="{5CC804D0-309C-450C-A17A-6D493802CC2A}" srcOrd="0" destOrd="0" presId="urn:microsoft.com/office/officeart/2008/layout/VerticalCurvedList"/>
     <dgm:cxn modelId="{6DF823EE-A884-4E35-81B1-0C308B205026}" srcId="{CAF58717-2CA2-4946-96FA-E6F594FD428A}" destId="{0F402DF0-6E05-4A40-8507-1E4684EA8C93}" srcOrd="0" destOrd="0" parTransId="{D5EB46A1-6F4E-4A20-B076-1DC56A6E1577}" sibTransId="{BA6BBDE9-5B85-440E-B745-26A22107782E}"/>
-    <dgm:cxn modelId="{7ECE11F5-BDEC-456D-86C7-473EFC862EF6}" type="presOf" srcId="{7F009EA4-B1C9-4A03-8D5A-95706CA1ACCA}" destId="{3D5BE587-7128-435E-B0CC-7A187B01C111}" srcOrd="0" destOrd="0" presId="urn:microsoft.com/office/officeart/2008/layout/VerticalCurvedList"/>
+    <dgm:cxn modelId="{414302F6-86B8-4EFE-BB93-62E31CDE84DF}" type="presOf" srcId="{7F009EA4-B1C9-4A03-8D5A-95706CA1ACCA}" destId="{D2AB782D-5307-49BB-9966-3F6C1D1FCC19}" srcOrd="0" destOrd="0" presId="urn:microsoft.com/office/officeart/2008/layout/VerticalCurvedList"/>
     <dgm:cxn modelId="{6622FB32-3287-4619-9822-80403A39169A}" type="presParOf" srcId="{62D2C340-0C92-49E5-965B-5997A69F75DA}" destId="{00E2524D-362F-4E7E-9CAA-ECF79B7D84BA}" srcOrd="0" destOrd="0" presId="urn:microsoft.com/office/officeart/2008/layout/VerticalCurvedList"/>
     <dgm:cxn modelId="{D0D483A6-A06C-4C7A-A82F-6F5298C068AF}" type="presParOf" srcId="{00E2524D-362F-4E7E-9CAA-ECF79B7D84BA}" destId="{247BCBED-C14F-49A8-B6F1-58648EC8E6B3}" srcOrd="0" destOrd="0" presId="urn:microsoft.com/office/officeart/2008/layout/VerticalCurvedList"/>
     <dgm:cxn modelId="{032A7562-7ECE-48DC-85F6-3AAE3597F6C4}" type="presParOf" srcId="{247BCBED-C14F-49A8-B6F1-58648EC8E6B3}" destId="{9377D85C-1950-4E52-857E-36DDC919B3C3}" srcOrd="0" destOrd="0" presId="urn:microsoft.com/office/officeart/2008/layout/VerticalCurvedList"/>
@@ -1235,18 +1282,21 @@
     <dgm:cxn modelId="{C5683BE0-2B22-4E3A-A5C3-B9DA99611AB9}" type="presParOf" srcId="{00E2524D-362F-4E7E-9CAA-ECF79B7D84BA}" destId="{E093BE16-1D22-479B-8037-0A5ED29AB5C3}" srcOrd="1" destOrd="0" presId="urn:microsoft.com/office/officeart/2008/layout/VerticalCurvedList"/>
     <dgm:cxn modelId="{E001FBBB-012C-4374-8726-6F9C41A6B3DA}" type="presParOf" srcId="{00E2524D-362F-4E7E-9CAA-ECF79B7D84BA}" destId="{29FE2EAB-202D-4122-905B-7A288BAAB1A5}" srcOrd="2" destOrd="0" presId="urn:microsoft.com/office/officeart/2008/layout/VerticalCurvedList"/>
     <dgm:cxn modelId="{588E6694-1E00-4F41-A41C-6FA88178BAF4}" type="presParOf" srcId="{29FE2EAB-202D-4122-905B-7A288BAAB1A5}" destId="{53FB057A-5CFB-4F7C-B81F-6C59DEAFF1B8}" srcOrd="0" destOrd="0" presId="urn:microsoft.com/office/officeart/2008/layout/VerticalCurvedList"/>
-    <dgm:cxn modelId="{5DE8CD4E-17E8-4502-8F04-62102A9C867A}" type="presParOf" srcId="{00E2524D-362F-4E7E-9CAA-ECF79B7D84BA}" destId="{207F21DA-3CF9-447A-94BC-F18EC1B2E79F}" srcOrd="3" destOrd="0" presId="urn:microsoft.com/office/officeart/2008/layout/VerticalCurvedList"/>
-    <dgm:cxn modelId="{A3AE3620-4271-4DF2-A5F5-EEC705BC8723}" type="presParOf" srcId="{00E2524D-362F-4E7E-9CAA-ECF79B7D84BA}" destId="{B03DE790-061E-4376-9219-ECEF56D4FE21}" srcOrd="4" destOrd="0" presId="urn:microsoft.com/office/officeart/2008/layout/VerticalCurvedList"/>
-    <dgm:cxn modelId="{EC4AACD9-68D7-418C-99C1-883EBCE25A1C}" type="presParOf" srcId="{B03DE790-061E-4376-9219-ECEF56D4FE21}" destId="{880304A3-6645-4649-9ABF-AADA5F7D5FE8}" srcOrd="0" destOrd="0" presId="urn:microsoft.com/office/officeart/2008/layout/VerticalCurvedList"/>
-    <dgm:cxn modelId="{95316AF8-689B-41F4-AEBA-0CDC53EBE1F9}" type="presParOf" srcId="{00E2524D-362F-4E7E-9CAA-ECF79B7D84BA}" destId="{A4A3854E-CA93-4EEF-A655-5E7789573705}" srcOrd="5" destOrd="0" presId="urn:microsoft.com/office/officeart/2008/layout/VerticalCurvedList"/>
-    <dgm:cxn modelId="{7ED258DE-A86C-40A6-90AE-8F925D0B477A}" type="presParOf" srcId="{00E2524D-362F-4E7E-9CAA-ECF79B7D84BA}" destId="{DEECD47D-EFFE-4511-9193-D2577DFD816F}" srcOrd="6" destOrd="0" presId="urn:microsoft.com/office/officeart/2008/layout/VerticalCurvedList"/>
-    <dgm:cxn modelId="{EC50C5BC-816D-4050-A76D-1268C2B71F6E}" type="presParOf" srcId="{DEECD47D-EFFE-4511-9193-D2577DFD816F}" destId="{E769AB44-8BA8-4694-9B86-BD37730473DF}" srcOrd="0" destOrd="0" presId="urn:microsoft.com/office/officeart/2008/layout/VerticalCurvedList"/>
-    <dgm:cxn modelId="{F57810E8-4896-4F91-8728-2332DCFACB6B}" type="presParOf" srcId="{00E2524D-362F-4E7E-9CAA-ECF79B7D84BA}" destId="{3D5BE587-7128-435E-B0CC-7A187B01C111}" srcOrd="7" destOrd="0" presId="urn:microsoft.com/office/officeart/2008/layout/VerticalCurvedList"/>
-    <dgm:cxn modelId="{4352EDD1-7066-4171-871C-CEC83A49A271}" type="presParOf" srcId="{00E2524D-362F-4E7E-9CAA-ECF79B7D84BA}" destId="{72E40F51-3BB6-4DD3-A1B8-8E3F8EEF7D2C}" srcOrd="8" destOrd="0" presId="urn:microsoft.com/office/officeart/2008/layout/VerticalCurvedList"/>
-    <dgm:cxn modelId="{C00D51C4-005D-4FA2-8F39-6CF502E97F9F}" type="presParOf" srcId="{72E40F51-3BB6-4DD3-A1B8-8E3F8EEF7D2C}" destId="{DB0A1E19-0F50-4825-AE05-5274795BA579}" srcOrd="0" destOrd="0" presId="urn:microsoft.com/office/officeart/2008/layout/VerticalCurvedList"/>
-    <dgm:cxn modelId="{EB0EF82F-D0F3-4ACF-BDBC-179FCD34CCD3}" type="presParOf" srcId="{00E2524D-362F-4E7E-9CAA-ECF79B7D84BA}" destId="{966999D7-DD6B-4B01-9B45-802FE1A3E336}" srcOrd="9" destOrd="0" presId="urn:microsoft.com/office/officeart/2008/layout/VerticalCurvedList"/>
-    <dgm:cxn modelId="{57FACCA7-DF1E-4F04-AB5F-E89C989D4D61}" type="presParOf" srcId="{00E2524D-362F-4E7E-9CAA-ECF79B7D84BA}" destId="{7C49E097-19FE-4752-B569-E95F7BF3B7D8}" srcOrd="10" destOrd="0" presId="urn:microsoft.com/office/officeart/2008/layout/VerticalCurvedList"/>
-    <dgm:cxn modelId="{064D5103-D904-4CF7-A8EB-07E0B7DCDE92}" type="presParOf" srcId="{7C49E097-19FE-4752-B569-E95F7BF3B7D8}" destId="{FD86333B-4FFF-43B4-8174-3BEB42F31D87}" srcOrd="0" destOrd="0" presId="urn:microsoft.com/office/officeart/2008/layout/VerticalCurvedList"/>
+    <dgm:cxn modelId="{81E595CB-D11F-4EF3-809B-D34401AD06F3}" type="presParOf" srcId="{00E2524D-362F-4E7E-9CAA-ECF79B7D84BA}" destId="{5CC804D0-309C-450C-A17A-6D493802CC2A}" srcOrd="3" destOrd="0" presId="urn:microsoft.com/office/officeart/2008/layout/VerticalCurvedList"/>
+    <dgm:cxn modelId="{785199D1-D202-41C0-AD2E-1837C6F8743A}" type="presParOf" srcId="{00E2524D-362F-4E7E-9CAA-ECF79B7D84BA}" destId="{A4A06ACF-19F9-43A4-AC58-73B7C27E8ACF}" srcOrd="4" destOrd="0" presId="urn:microsoft.com/office/officeart/2008/layout/VerticalCurvedList"/>
+    <dgm:cxn modelId="{85124CB1-20FB-4DD8-BFE1-777AD607E9C0}" type="presParOf" srcId="{A4A06ACF-19F9-43A4-AC58-73B7C27E8ACF}" destId="{F8F069C1-9645-4833-8743-347D1C543769}" srcOrd="0" destOrd="0" presId="urn:microsoft.com/office/officeart/2008/layout/VerticalCurvedList"/>
+    <dgm:cxn modelId="{D5AC59CE-3E2D-4EE7-904E-B7C5E352C94D}" type="presParOf" srcId="{00E2524D-362F-4E7E-9CAA-ECF79B7D84BA}" destId="{FF1B63BB-292F-404F-8A70-9961DFDEA820}" srcOrd="5" destOrd="0" presId="urn:microsoft.com/office/officeart/2008/layout/VerticalCurvedList"/>
+    <dgm:cxn modelId="{58A58DA0-C53B-41AA-B171-FD4056E3D4AC}" type="presParOf" srcId="{00E2524D-362F-4E7E-9CAA-ECF79B7D84BA}" destId="{A0BAE13B-776F-4BD8-9FB0-183469486A2A}" srcOrd="6" destOrd="0" presId="urn:microsoft.com/office/officeart/2008/layout/VerticalCurvedList"/>
+    <dgm:cxn modelId="{B7C72F3E-3408-43B5-B8E1-0DB82F42CC26}" type="presParOf" srcId="{A0BAE13B-776F-4BD8-9FB0-183469486A2A}" destId="{880304A3-6645-4649-9ABF-AADA5F7D5FE8}" srcOrd="0" destOrd="0" presId="urn:microsoft.com/office/officeart/2008/layout/VerticalCurvedList"/>
+    <dgm:cxn modelId="{002C7EF2-2060-4830-A261-A182175F4F7C}" type="presParOf" srcId="{00E2524D-362F-4E7E-9CAA-ECF79B7D84BA}" destId="{CBDD1FB5-0A40-430D-BEB0-F7EED382143F}" srcOrd="7" destOrd="0" presId="urn:microsoft.com/office/officeart/2008/layout/VerticalCurvedList"/>
+    <dgm:cxn modelId="{491073F2-31D7-4930-90F5-899CA45ACEBD}" type="presParOf" srcId="{00E2524D-362F-4E7E-9CAA-ECF79B7D84BA}" destId="{F20E871E-2B42-446C-936B-1D054018DF5C}" srcOrd="8" destOrd="0" presId="urn:microsoft.com/office/officeart/2008/layout/VerticalCurvedList"/>
+    <dgm:cxn modelId="{A4BED9D0-5974-409E-8492-D3DB88CA1FDD}" type="presParOf" srcId="{F20E871E-2B42-446C-936B-1D054018DF5C}" destId="{E769AB44-8BA8-4694-9B86-BD37730473DF}" srcOrd="0" destOrd="0" presId="urn:microsoft.com/office/officeart/2008/layout/VerticalCurvedList"/>
+    <dgm:cxn modelId="{9EE36D4D-CA4F-4F37-A706-DB2E5D60BDE3}" type="presParOf" srcId="{00E2524D-362F-4E7E-9CAA-ECF79B7D84BA}" destId="{D2AB782D-5307-49BB-9966-3F6C1D1FCC19}" srcOrd="9" destOrd="0" presId="urn:microsoft.com/office/officeart/2008/layout/VerticalCurvedList"/>
+    <dgm:cxn modelId="{21123B4F-F101-413C-BD1B-742358B3237E}" type="presParOf" srcId="{00E2524D-362F-4E7E-9CAA-ECF79B7D84BA}" destId="{3568D048-F9EE-42E0-B363-EB2E1900991A}" srcOrd="10" destOrd="0" presId="urn:microsoft.com/office/officeart/2008/layout/VerticalCurvedList"/>
+    <dgm:cxn modelId="{397402F3-60E5-4612-B70E-32F7F8D32D58}" type="presParOf" srcId="{3568D048-F9EE-42E0-B363-EB2E1900991A}" destId="{DB0A1E19-0F50-4825-AE05-5274795BA579}" srcOrd="0" destOrd="0" presId="urn:microsoft.com/office/officeart/2008/layout/VerticalCurvedList"/>
+    <dgm:cxn modelId="{91D4000E-6BED-4CBB-ACE3-37BCEF075261}" type="presParOf" srcId="{00E2524D-362F-4E7E-9CAA-ECF79B7D84BA}" destId="{76DEF4BD-9935-4BE1-ADF6-B70438FA7984}" srcOrd="11" destOrd="0" presId="urn:microsoft.com/office/officeart/2008/layout/VerticalCurvedList"/>
+    <dgm:cxn modelId="{147B9CC8-D215-4C44-9A0B-FB101CEA575E}" type="presParOf" srcId="{00E2524D-362F-4E7E-9CAA-ECF79B7D84BA}" destId="{CCB6B7CC-E74C-40C6-9CD9-BD4FD8C3A74C}" srcOrd="12" destOrd="0" presId="urn:microsoft.com/office/officeart/2008/layout/VerticalCurvedList"/>
+    <dgm:cxn modelId="{06FBDF89-59D9-4D15-80FB-69BB5B4586C8}" type="presParOf" srcId="{CCB6B7CC-E74C-40C6-9CD9-BD4FD8C3A74C}" destId="{FD86333B-4FFF-43B4-8174-3BEB42F31D87}" srcOrd="0" destOrd="0" presId="urn:microsoft.com/office/officeart/2008/layout/VerticalCurvedList"/>
   </dgm:cxnLst>
   <dgm:bg/>
   <dgm:whole/>
@@ -1322,8 +1372,8 @@
       </dsp:nvSpPr>
       <dsp:spPr>
         <a:xfrm>
-          <a:off x="394275" y="260502"/>
-          <a:ext cx="6998889" cy="521338"/>
+          <a:off x="336321" y="219559"/>
+          <a:ext cx="7056844" cy="438951"/>
         </a:xfrm>
         <a:prstGeom prst="rect">
           <a:avLst/>
@@ -1392,12 +1442,12 @@
         </a:fontRef>
       </dsp:style>
       <dsp:txBody>
-        <a:bodyPr spcFirstLastPara="0" vert="horz" wrap="square" lIns="413812" tIns="68580" rIns="68580" bIns="68580" numCol="1" spcCol="1270" anchor="ctr" anchorCtr="0">
+        <a:bodyPr spcFirstLastPara="0" vert="horz" wrap="square" lIns="348418" tIns="58420" rIns="58420" bIns="58420" numCol="1" spcCol="1270" anchor="ctr" anchorCtr="0">
           <a:noAutofit/>
         </a:bodyPr>
         <a:lstStyle/>
         <a:p>
-          <a:pPr marL="0" lvl="0" indent="0" algn="l" defTabSz="1200150">
+          <a:pPr marL="0" lvl="0" indent="0" algn="l" defTabSz="1022350">
             <a:lnSpc>
               <a:spcPct val="90000"/>
             </a:lnSpc>
@@ -1410,18 +1460,18 @@
             <a:buNone/>
           </a:pPr>
           <a:r>
-            <a:rPr lang="fr-FR" sz="2700" kern="1200" dirty="0">
+            <a:rPr lang="fr-FR" sz="2300" kern="1200" dirty="0">
               <a:latin typeface="Arial" panose="020B0604020202020204" pitchFamily="34" charset="0"/>
               <a:cs typeface="Arial" panose="020B0604020202020204" pitchFamily="34" charset="0"/>
             </a:rPr>
             <a:t>Présentation de l’activité</a:t>
           </a:r>
-          <a:endParaRPr lang="fr-FR" sz="2700" kern="1200" dirty="0"/>
+          <a:endParaRPr lang="fr-FR" sz="2300" kern="1200" dirty="0"/>
         </a:p>
       </dsp:txBody>
       <dsp:txXfrm>
-        <a:off x="394275" y="260502"/>
-        <a:ext cx="6998889" cy="521338"/>
+        <a:off x="336321" y="219559"/>
+        <a:ext cx="7056844" cy="438951"/>
       </dsp:txXfrm>
     </dsp:sp>
     <dsp:sp modelId="{53FB057A-5CFB-4F7C-B81F-6C59DEAFF1B8}">
@@ -1431,8 +1481,8 @@
       </dsp:nvSpPr>
       <dsp:spPr>
         <a:xfrm>
-          <a:off x="68438" y="195335"/>
-          <a:ext cx="651672" cy="651672"/>
+          <a:off x="61976" y="164690"/>
+          <a:ext cx="548689" cy="548689"/>
         </a:xfrm>
         <a:prstGeom prst="ellipse">
           <a:avLst/>
@@ -1472,15 +1522,15 @@
         <a:fontRef idx="minor"/>
       </dsp:style>
     </dsp:sp>
-    <dsp:sp modelId="{207F21DA-3CF9-447A-94BC-F18EC1B2E79F}">
+    <dsp:sp modelId="{5CC804D0-309C-450C-A17A-6D493802CC2A}">
       <dsp:nvSpPr>
         <dsp:cNvPr id="0" name=""/>
         <dsp:cNvSpPr/>
       </dsp:nvSpPr>
       <dsp:spPr>
         <a:xfrm>
-          <a:off x="767851" y="1042259"/>
-          <a:ext cx="6625314" cy="521338"/>
+          <a:off x="697388" y="877903"/>
+          <a:ext cx="6695776" cy="438951"/>
         </a:xfrm>
         <a:prstGeom prst="rect">
           <a:avLst/>
@@ -1549,12 +1599,12 @@
         </a:fontRef>
       </dsp:style>
       <dsp:txBody>
-        <a:bodyPr spcFirstLastPara="0" vert="horz" wrap="square" lIns="413812" tIns="68580" rIns="68580" bIns="68580" numCol="1" spcCol="1270" anchor="ctr" anchorCtr="0">
+        <a:bodyPr spcFirstLastPara="0" vert="horz" wrap="square" lIns="348418" tIns="58420" rIns="58420" bIns="58420" numCol="1" spcCol="1270" anchor="ctr" anchorCtr="0">
           <a:noAutofit/>
         </a:bodyPr>
         <a:lstStyle/>
         <a:p>
-          <a:pPr marL="0" lvl="0" indent="0" algn="l" defTabSz="1200150">
+          <a:pPr marL="0" lvl="0" indent="0" algn="l" defTabSz="1022350">
             <a:lnSpc>
               <a:spcPct val="90000"/>
             </a:lnSpc>
@@ -1567,29 +1617,26 @@
             <a:buNone/>
           </a:pPr>
           <a:r>
-            <a:rPr lang="fr-FR" sz="2700" kern="1200" dirty="0">
-              <a:latin typeface="Arial" panose="020B0604020202020204" pitchFamily="34" charset="0"/>
-              <a:cs typeface="Arial" panose="020B0604020202020204" pitchFamily="34" charset="0"/>
-            </a:rPr>
-            <a:t>Tableau de criticité</a:t>
+            <a:rPr lang="fr-FR" sz="2300" kern="1200"/>
+            <a:t>Bilan / Recommandations</a:t>
           </a:r>
-          <a:endParaRPr lang="fr-FR" sz="2700" kern="1200" dirty="0"/>
+          <a:endParaRPr lang="fr-FR" sz="2300" kern="1200" dirty="0"/>
         </a:p>
       </dsp:txBody>
       <dsp:txXfrm>
-        <a:off x="767851" y="1042259"/>
-        <a:ext cx="6625314" cy="521338"/>
+        <a:off x="697388" y="877903"/>
+        <a:ext cx="6695776" cy="438951"/>
       </dsp:txXfrm>
     </dsp:sp>
-    <dsp:sp modelId="{880304A3-6645-4649-9ABF-AADA5F7D5FE8}">
+    <dsp:sp modelId="{F8F069C1-9645-4833-8743-347D1C543769}">
       <dsp:nvSpPr>
         <dsp:cNvPr id="0" name=""/>
         <dsp:cNvSpPr/>
       </dsp:nvSpPr>
       <dsp:spPr>
         <a:xfrm>
-          <a:off x="442014" y="977092"/>
-          <a:ext cx="651672" cy="651672"/>
+          <a:off x="423044" y="823034"/>
+          <a:ext cx="548689" cy="548689"/>
         </a:xfrm>
         <a:prstGeom prst="ellipse">
           <a:avLst/>
@@ -1629,15 +1676,15 @@
         <a:fontRef idx="minor"/>
       </dsp:style>
     </dsp:sp>
-    <dsp:sp modelId="{A4A3854E-CA93-4EEF-A655-5E7789573705}">
+    <dsp:sp modelId="{FF1B63BB-292F-404F-8A70-9961DFDEA820}">
       <dsp:nvSpPr>
         <dsp:cNvPr id="0" name=""/>
         <dsp:cNvSpPr/>
       </dsp:nvSpPr>
       <dsp:spPr>
         <a:xfrm>
-          <a:off x="885113" y="1819544"/>
-          <a:ext cx="6510656" cy="521338"/>
+          <a:off x="862495" y="1536247"/>
+          <a:ext cx="6530669" cy="438951"/>
         </a:xfrm>
         <a:prstGeom prst="rect">
           <a:avLst/>
@@ -1706,12 +1753,12 @@
         </a:fontRef>
       </dsp:style>
       <dsp:txBody>
-        <a:bodyPr spcFirstLastPara="0" vert="horz" wrap="square" lIns="413812" tIns="68580" rIns="68580" bIns="68580" numCol="1" spcCol="1270" anchor="ctr" anchorCtr="0">
+        <a:bodyPr spcFirstLastPara="0" vert="horz" wrap="square" lIns="348418" tIns="58420" rIns="58420" bIns="58420" numCol="1" spcCol="1270" anchor="ctr" anchorCtr="0">
           <a:noAutofit/>
         </a:bodyPr>
         <a:lstStyle/>
         <a:p>
-          <a:pPr marL="0" lvl="0" indent="0" algn="l" defTabSz="1200150">
+          <a:pPr marL="0" lvl="0" indent="0" algn="l" defTabSz="1022350">
             <a:lnSpc>
               <a:spcPct val="90000"/>
             </a:lnSpc>
@@ -1724,29 +1771,29 @@
             <a:buNone/>
           </a:pPr>
           <a:r>
-            <a:rPr lang="fr-FR" sz="2700" kern="1200" dirty="0">
+            <a:rPr lang="fr-FR" sz="2300" kern="1200" dirty="0">
               <a:latin typeface="Arial" panose="020B0604020202020204" pitchFamily="34" charset="0"/>
               <a:cs typeface="Arial" panose="020B0604020202020204" pitchFamily="34" charset="0"/>
             </a:rPr>
-            <a:t>Sujet de veille</a:t>
+            <a:t>Tableau de criticité</a:t>
           </a:r>
-          <a:endParaRPr lang="fr-FR" sz="2700" kern="1200" dirty="0"/>
+          <a:endParaRPr lang="fr-FR" sz="2300" kern="1200" dirty="0"/>
         </a:p>
       </dsp:txBody>
       <dsp:txXfrm>
-        <a:off x="885113" y="1819544"/>
-        <a:ext cx="6510656" cy="521338"/>
+        <a:off x="862495" y="1536247"/>
+        <a:ext cx="6530669" cy="438951"/>
       </dsp:txXfrm>
     </dsp:sp>
-    <dsp:sp modelId="{E769AB44-8BA8-4694-9B86-BD37730473DF}">
+    <dsp:sp modelId="{880304A3-6645-4649-9ABF-AADA5F7D5FE8}">
       <dsp:nvSpPr>
         <dsp:cNvPr id="0" name=""/>
         <dsp:cNvSpPr/>
       </dsp:nvSpPr>
       <dsp:spPr>
         <a:xfrm>
-          <a:off x="556672" y="1758850"/>
-          <a:ext cx="651672" cy="651672"/>
+          <a:off x="588151" y="1481378"/>
+          <a:ext cx="548689" cy="548689"/>
         </a:xfrm>
         <a:prstGeom prst="ellipse">
           <a:avLst/>
@@ -1786,15 +1833,15 @@
         <a:fontRef idx="minor"/>
       </dsp:style>
     </dsp:sp>
-    <dsp:sp modelId="{3D5BE587-7128-435E-B0CC-7A187B01C111}">
+    <dsp:sp modelId="{CBDD1FB5-0A40-430D-BEB0-F7EED382143F}">
       <dsp:nvSpPr>
         <dsp:cNvPr id="0" name=""/>
         <dsp:cNvSpPr/>
       </dsp:nvSpPr>
       <dsp:spPr>
         <a:xfrm>
-          <a:off x="767851" y="2605774"/>
-          <a:ext cx="6625314" cy="521338"/>
+          <a:off x="862495" y="2194174"/>
+          <a:ext cx="6530669" cy="438951"/>
         </a:xfrm>
         <a:prstGeom prst="rect">
           <a:avLst/>
@@ -1863,12 +1910,12 @@
         </a:fontRef>
       </dsp:style>
       <dsp:txBody>
-        <a:bodyPr spcFirstLastPara="0" vert="horz" wrap="square" lIns="413812" tIns="68580" rIns="68580" bIns="68580" numCol="1" spcCol="1270" anchor="ctr" anchorCtr="0">
+        <a:bodyPr spcFirstLastPara="0" vert="horz" wrap="square" lIns="348418" tIns="58420" rIns="58420" bIns="58420" numCol="1" spcCol="1270" anchor="ctr" anchorCtr="0">
           <a:noAutofit/>
         </a:bodyPr>
         <a:lstStyle/>
         <a:p>
-          <a:pPr marL="0" lvl="0" indent="0" algn="l" defTabSz="1200150">
+          <a:pPr marL="0" lvl="0" indent="0" algn="l" defTabSz="1022350">
             <a:lnSpc>
               <a:spcPct val="90000"/>
             </a:lnSpc>
@@ -1881,29 +1928,29 @@
             <a:buNone/>
           </a:pPr>
           <a:r>
-            <a:rPr lang="fr-FR" sz="2700" kern="1200" dirty="0">
+            <a:rPr lang="fr-FR" sz="2300" kern="1200" dirty="0">
               <a:latin typeface="Arial" panose="020B0604020202020204" pitchFamily="34" charset="0"/>
               <a:cs typeface="Arial" panose="020B0604020202020204" pitchFamily="34" charset="0"/>
             </a:rPr>
-            <a:t>Référentiel</a:t>
+            <a:t>Sujet de veille</a:t>
           </a:r>
-          <a:endParaRPr lang="fr-FR" sz="2700" kern="1200" dirty="0"/>
+          <a:endParaRPr lang="fr-FR" sz="2300" kern="1200" dirty="0"/>
         </a:p>
       </dsp:txBody>
       <dsp:txXfrm>
-        <a:off x="767851" y="2605774"/>
-        <a:ext cx="6625314" cy="521338"/>
+        <a:off x="862495" y="2194174"/>
+        <a:ext cx="6530669" cy="438951"/>
       </dsp:txXfrm>
     </dsp:sp>
-    <dsp:sp modelId="{DB0A1E19-0F50-4825-AE05-5274795BA579}">
+    <dsp:sp modelId="{E769AB44-8BA8-4694-9B86-BD37730473DF}">
       <dsp:nvSpPr>
         <dsp:cNvPr id="0" name=""/>
         <dsp:cNvSpPr/>
       </dsp:nvSpPr>
       <dsp:spPr>
         <a:xfrm>
-          <a:off x="442014" y="2540607"/>
-          <a:ext cx="651672" cy="651672"/>
+          <a:off x="588151" y="2139305"/>
+          <a:ext cx="548689" cy="548689"/>
         </a:xfrm>
         <a:prstGeom prst="ellipse">
           <a:avLst/>
@@ -1943,15 +1990,15 @@
         <a:fontRef idx="minor"/>
       </dsp:style>
     </dsp:sp>
-    <dsp:sp modelId="{966999D7-DD6B-4B01-9B45-802FE1A3E336}">
+    <dsp:sp modelId="{D2AB782D-5307-49BB-9966-3F6C1D1FCC19}">
       <dsp:nvSpPr>
         <dsp:cNvPr id="0" name=""/>
         <dsp:cNvSpPr/>
       </dsp:nvSpPr>
       <dsp:spPr>
         <a:xfrm>
-          <a:off x="394275" y="3387532"/>
-          <a:ext cx="6998889" cy="521338"/>
+          <a:off x="697388" y="2852518"/>
+          <a:ext cx="6695776" cy="438951"/>
         </a:xfrm>
         <a:prstGeom prst="rect">
           <a:avLst/>
@@ -2020,12 +2067,12 @@
         </a:fontRef>
       </dsp:style>
       <dsp:txBody>
-        <a:bodyPr spcFirstLastPara="0" vert="horz" wrap="square" lIns="413812" tIns="68580" rIns="68580" bIns="68580" numCol="1" spcCol="1270" anchor="ctr" anchorCtr="0">
+        <a:bodyPr spcFirstLastPara="0" vert="horz" wrap="square" lIns="348418" tIns="58420" rIns="58420" bIns="58420" numCol="1" spcCol="1270" anchor="ctr" anchorCtr="0">
           <a:noAutofit/>
         </a:bodyPr>
         <a:lstStyle/>
         <a:p>
-          <a:pPr marL="0" lvl="0" indent="0" algn="l" defTabSz="1200150">
+          <a:pPr marL="0" lvl="0" indent="0" algn="l" defTabSz="1022350">
             <a:lnSpc>
               <a:spcPct val="90000"/>
             </a:lnSpc>
@@ -2038,18 +2085,175 @@
             <a:buNone/>
           </a:pPr>
           <a:r>
-            <a:rPr lang="fr-FR" sz="2700" kern="1200" dirty="0">
+            <a:rPr lang="fr-FR" sz="2300" kern="1200" dirty="0">
               <a:latin typeface="Arial" panose="020B0604020202020204" pitchFamily="34" charset="0"/>
               <a:cs typeface="Arial" panose="020B0604020202020204" pitchFamily="34" charset="0"/>
             </a:rPr>
-            <a:t>Question</a:t>
+            <a:t>Référentiel</a:t>
           </a:r>
-          <a:endParaRPr lang="fr-FR" sz="2700" kern="1200" dirty="0"/>
+          <a:endParaRPr lang="fr-FR" sz="2300" kern="1200" dirty="0"/>
         </a:p>
       </dsp:txBody>
       <dsp:txXfrm>
-        <a:off x="394275" y="3387532"/>
-        <a:ext cx="6998889" cy="521338"/>
+        <a:off x="697388" y="2852518"/>
+        <a:ext cx="6695776" cy="438951"/>
+      </dsp:txXfrm>
+    </dsp:sp>
+    <dsp:sp modelId="{DB0A1E19-0F50-4825-AE05-5274795BA579}">
+      <dsp:nvSpPr>
+        <dsp:cNvPr id="0" name=""/>
+        <dsp:cNvSpPr/>
+      </dsp:nvSpPr>
+      <dsp:spPr>
+        <a:xfrm>
+          <a:off x="423044" y="2797649"/>
+          <a:ext cx="548689" cy="548689"/>
+        </a:xfrm>
+        <a:prstGeom prst="ellipse">
+          <a:avLst/>
+        </a:prstGeom>
+        <a:solidFill>
+          <a:schemeClr val="lt2">
+            <a:hueOff val="0"/>
+            <a:satOff val="0"/>
+            <a:lumOff val="0"/>
+            <a:alphaOff val="0"/>
+          </a:schemeClr>
+        </a:solidFill>
+        <a:ln w="6350" cap="flat" cmpd="sng" algn="ctr">
+          <a:solidFill>
+            <a:schemeClr val="dk2">
+              <a:hueOff val="0"/>
+              <a:satOff val="0"/>
+              <a:lumOff val="0"/>
+              <a:alphaOff val="0"/>
+            </a:schemeClr>
+          </a:solidFill>
+          <a:prstDash val="solid"/>
+          <a:miter lim="800000"/>
+        </a:ln>
+        <a:effectLst/>
+      </dsp:spPr>
+      <dsp:style>
+        <a:lnRef idx="1">
+          <a:scrgbClr r="0" g="0" b="0"/>
+        </a:lnRef>
+        <a:fillRef idx="1">
+          <a:scrgbClr r="0" g="0" b="0"/>
+        </a:fillRef>
+        <a:effectRef idx="2">
+          <a:scrgbClr r="0" g="0" b="0"/>
+        </a:effectRef>
+        <a:fontRef idx="minor"/>
+      </dsp:style>
+    </dsp:sp>
+    <dsp:sp modelId="{76DEF4BD-9935-4BE1-ADF6-B70438FA7984}">
+      <dsp:nvSpPr>
+        <dsp:cNvPr id="0" name=""/>
+        <dsp:cNvSpPr/>
+      </dsp:nvSpPr>
+      <dsp:spPr>
+        <a:xfrm>
+          <a:off x="336321" y="3510862"/>
+          <a:ext cx="7056844" cy="438951"/>
+        </a:xfrm>
+        <a:prstGeom prst="rect">
+          <a:avLst/>
+        </a:prstGeom>
+        <a:gradFill rotWithShape="0">
+          <a:gsLst>
+            <a:gs pos="0">
+              <a:schemeClr val="dk2">
+                <a:hueOff val="0"/>
+                <a:satOff val="0"/>
+                <a:lumOff val="0"/>
+                <a:alphaOff val="0"/>
+                <a:satMod val="103000"/>
+                <a:lumMod val="102000"/>
+                <a:tint val="94000"/>
+              </a:schemeClr>
+            </a:gs>
+            <a:gs pos="50000">
+              <a:schemeClr val="dk2">
+                <a:hueOff val="0"/>
+                <a:satOff val="0"/>
+                <a:lumOff val="0"/>
+                <a:alphaOff val="0"/>
+                <a:satMod val="110000"/>
+                <a:lumMod val="100000"/>
+                <a:shade val="100000"/>
+              </a:schemeClr>
+            </a:gs>
+            <a:gs pos="100000">
+              <a:schemeClr val="dk2">
+                <a:hueOff val="0"/>
+                <a:satOff val="0"/>
+                <a:lumOff val="0"/>
+                <a:alphaOff val="0"/>
+                <a:lumMod val="99000"/>
+                <a:satMod val="120000"/>
+                <a:shade val="78000"/>
+              </a:schemeClr>
+            </a:gs>
+          </a:gsLst>
+          <a:lin ang="5400000" scaled="0"/>
+        </a:gradFill>
+        <a:ln>
+          <a:noFill/>
+        </a:ln>
+        <a:effectLst>
+          <a:outerShdw blurRad="57150" dist="19050" dir="5400000" algn="ctr" rotWithShape="0">
+            <a:srgbClr val="000000">
+              <a:alpha val="63000"/>
+            </a:srgbClr>
+          </a:outerShdw>
+        </a:effectLst>
+      </dsp:spPr>
+      <dsp:style>
+        <a:lnRef idx="0">
+          <a:scrgbClr r="0" g="0" b="0"/>
+        </a:lnRef>
+        <a:fillRef idx="3">
+          <a:scrgbClr r="0" g="0" b="0"/>
+        </a:fillRef>
+        <a:effectRef idx="3">
+          <a:scrgbClr r="0" g="0" b="0"/>
+        </a:effectRef>
+        <a:fontRef idx="minor">
+          <a:schemeClr val="lt1"/>
+        </a:fontRef>
+      </dsp:style>
+      <dsp:txBody>
+        <a:bodyPr spcFirstLastPara="0" vert="horz" wrap="square" lIns="348418" tIns="58420" rIns="58420" bIns="58420" numCol="1" spcCol="1270" anchor="ctr" anchorCtr="0">
+          <a:noAutofit/>
+        </a:bodyPr>
+        <a:lstStyle/>
+        <a:p>
+          <a:pPr marL="0" lvl="0" indent="0" algn="l" defTabSz="1022350">
+            <a:lnSpc>
+              <a:spcPct val="90000"/>
+            </a:lnSpc>
+            <a:spcBef>
+              <a:spcPct val="0"/>
+            </a:spcBef>
+            <a:spcAft>
+              <a:spcPct val="35000"/>
+            </a:spcAft>
+            <a:buNone/>
+          </a:pPr>
+          <a:r>
+            <a:rPr lang="fr-FR" sz="2300" kern="1200" dirty="0">
+              <a:latin typeface="Arial" panose="020B0604020202020204" pitchFamily="34" charset="0"/>
+              <a:cs typeface="Arial" panose="020B0604020202020204" pitchFamily="34" charset="0"/>
+            </a:rPr>
+            <a:t>Questions</a:t>
+          </a:r>
+          <a:endParaRPr lang="fr-FR" sz="2300" kern="1200" dirty="0"/>
+        </a:p>
+      </dsp:txBody>
+      <dsp:txXfrm>
+        <a:off x="336321" y="3510862"/>
+        <a:ext cx="7056844" cy="438951"/>
       </dsp:txXfrm>
     </dsp:sp>
     <dsp:sp modelId="{FD86333B-4FFF-43B4-8174-3BEB42F31D87}">
@@ -2059,8 +2263,8 @@
       </dsp:nvSpPr>
       <dsp:spPr>
         <a:xfrm>
-          <a:off x="68438" y="3322364"/>
-          <a:ext cx="651672" cy="651672"/>
+          <a:off x="61976" y="3455993"/>
+          <a:ext cx="548689" cy="548689"/>
         </a:xfrm>
         <a:prstGeom prst="ellipse">
           <a:avLst/>
@@ -4498,7 +4702,7 @@
           <a:p>
             <a:fld id="{7886AB2E-2EFC-4550-951D-79679443F946}" type="datetimeFigureOut">
               <a:rPr lang="fr-RE" smtClean="0"/>
-              <a:t>27/12/2021</a:t>
+              <a:t>05/01/2022</a:t>
             </a:fld>
             <a:endParaRPr lang="fr-RE"/>
           </a:p>
@@ -4827,16 +5031,6 @@
               </a:rPr>
               <a:t>Bonjour à tous, je m’appel abrador daryl. Auparavant j’étais technicien polyvalent issue d’une formation en licence professionnel d’administration sécurité et réseaux. Après quelque mois de chômage j’ai décidé de me reconvertir dans la branche du développement qui est un domaine annexe à ma formation initiale.</a:t>
             </a:r>
-          </a:p>
-          <a:p>
-            <a:pPr algn="just">
-              <a:lnSpc>
-                <a:spcPct val="107000"/>
-              </a:lnSpc>
-              <a:spcAft>
-                <a:spcPts val="800"/>
-              </a:spcAft>
-            </a:pPr>
             <a:br>
               <a:rPr lang="fr-FR" sz="1200" dirty="0">
                 <a:effectLst/>
@@ -4928,6 +5122,378 @@
     <p:extLst>
       <p:ext uri="{BB962C8B-B14F-4D97-AF65-F5344CB8AC3E}">
         <p14:creationId xmlns:p14="http://schemas.microsoft.com/office/powerpoint/2010/main" val="76700106"/>
+      </p:ext>
+    </p:extLst>
+  </p:cSld>
+  <p:clrMapOvr>
+    <a:masterClrMapping/>
+  </p:clrMapOvr>
+</p:notes>
+</file>
+
+<file path=ppt/notesSlides/notesSlide10.xml><?xml version="1.0" encoding="utf-8"?>
+<p:notes xmlns:a="http://schemas.openxmlformats.org/drawingml/2006/main" xmlns:r="http://schemas.openxmlformats.org/officeDocument/2006/relationships" xmlns:p="http://schemas.openxmlformats.org/presentationml/2006/main">
+  <p:cSld>
+    <p:spTree>
+      <p:nvGrpSpPr>
+        <p:cNvPr id="1" name=""/>
+        <p:cNvGrpSpPr/>
+        <p:nvPr/>
+      </p:nvGrpSpPr>
+      <p:grpSpPr>
+        <a:xfrm>
+          <a:off x="0" y="0"/>
+          <a:ext cx="0" cy="0"/>
+          <a:chOff x="0" y="0"/>
+          <a:chExt cx="0" cy="0"/>
+        </a:xfrm>
+      </p:grpSpPr>
+      <p:sp>
+        <p:nvSpPr>
+          <p:cNvPr id="2" name="Espace réservé de l'image des diapositives 1"/>
+          <p:cNvSpPr>
+            <a:spLocks noGrp="1" noRot="1" noChangeAspect="1"/>
+          </p:cNvSpPr>
+          <p:nvPr>
+            <p:ph type="sldImg"/>
+          </p:nvPr>
+        </p:nvSpPr>
+        <p:spPr/>
+      </p:sp>
+      <p:sp>
+        <p:nvSpPr>
+          <p:cNvPr id="3" name="Espace réservé des notes 2"/>
+          <p:cNvSpPr>
+            <a:spLocks noGrp="1"/>
+          </p:cNvSpPr>
+          <p:nvPr>
+            <p:ph type="body" idx="1"/>
+          </p:nvPr>
+        </p:nvSpPr>
+        <p:spPr/>
+        <p:txBody>
+          <a:bodyPr/>
+          <a:lstStyle/>
+          <a:p>
+            <a:pPr marL="0" lvl="0" indent="0" algn="l" rtl="0">
+              <a:spcBef>
+                <a:spcPts val="0"/>
+              </a:spcBef>
+              <a:spcAft>
+                <a:spcPts val="0"/>
+              </a:spcAft>
+              <a:buNone/>
+            </a:pPr>
+            <a:endParaRPr lang="fr-FR" dirty="0"/>
+          </a:p>
+        </p:txBody>
+      </p:sp>
+      <p:sp>
+        <p:nvSpPr>
+          <p:cNvPr id="4" name="Espace réservé du numéro de diapositive 3"/>
+          <p:cNvSpPr>
+            <a:spLocks noGrp="1"/>
+          </p:cNvSpPr>
+          <p:nvPr>
+            <p:ph type="sldNum" sz="quarter" idx="5"/>
+          </p:nvPr>
+        </p:nvSpPr>
+        <p:spPr/>
+        <p:txBody>
+          <a:bodyPr/>
+          <a:lstStyle/>
+          <a:p>
+            <a:fld id="{818F9C92-BB2B-4794-9A12-2784E76C5D4C}" type="slidenum">
+              <a:rPr lang="fr-RE" smtClean="0"/>
+              <a:t>10</a:t>
+            </a:fld>
+            <a:endParaRPr lang="fr-RE"/>
+          </a:p>
+        </p:txBody>
+      </p:sp>
+    </p:spTree>
+    <p:extLst>
+      <p:ext uri="{BB962C8B-B14F-4D97-AF65-F5344CB8AC3E}">
+        <p14:creationId xmlns:p14="http://schemas.microsoft.com/office/powerpoint/2010/main" val="567852641"/>
+      </p:ext>
+    </p:extLst>
+  </p:cSld>
+  <p:clrMapOvr>
+    <a:masterClrMapping/>
+  </p:clrMapOvr>
+</p:notes>
+</file>
+
+<file path=ppt/notesSlides/notesSlide11.xml><?xml version="1.0" encoding="utf-8"?>
+<p:notes xmlns:a="http://schemas.openxmlformats.org/drawingml/2006/main" xmlns:r="http://schemas.openxmlformats.org/officeDocument/2006/relationships" xmlns:p="http://schemas.openxmlformats.org/presentationml/2006/main">
+  <p:cSld>
+    <p:spTree>
+      <p:nvGrpSpPr>
+        <p:cNvPr id="1" name=""/>
+        <p:cNvGrpSpPr/>
+        <p:nvPr/>
+      </p:nvGrpSpPr>
+      <p:grpSpPr>
+        <a:xfrm>
+          <a:off x="0" y="0"/>
+          <a:ext cx="0" cy="0"/>
+          <a:chOff x="0" y="0"/>
+          <a:chExt cx="0" cy="0"/>
+        </a:xfrm>
+      </p:grpSpPr>
+      <p:sp>
+        <p:nvSpPr>
+          <p:cNvPr id="2" name="Espace réservé de l'image des diapositives 1"/>
+          <p:cNvSpPr>
+            <a:spLocks noGrp="1" noRot="1" noChangeAspect="1"/>
+          </p:cNvSpPr>
+          <p:nvPr>
+            <p:ph type="sldImg"/>
+          </p:nvPr>
+        </p:nvSpPr>
+        <p:spPr/>
+      </p:sp>
+      <p:sp>
+        <p:nvSpPr>
+          <p:cNvPr id="3" name="Espace réservé des notes 2"/>
+          <p:cNvSpPr>
+            <a:spLocks noGrp="1"/>
+          </p:cNvSpPr>
+          <p:nvPr>
+            <p:ph type="body" idx="1"/>
+          </p:nvPr>
+        </p:nvSpPr>
+        <p:spPr/>
+        <p:txBody>
+          <a:bodyPr/>
+          <a:lstStyle/>
+          <a:p>
+            <a:r>
+              <a:rPr lang="fr-FR" b="0" dirty="0">
+                <a:solidFill>
+                  <a:srgbClr val="C5C8C6"/>
+                </a:solidFill>
+                <a:effectLst/>
+                <a:latin typeface="Consolas" panose="020B0609020204030204" pitchFamily="49" charset="0"/>
+              </a:rPr>
+              <a:t>L’exploit de cette faille permet d’exécuter du code à distance afin de faire une élévation de privilèges de niveau système, pour tout utilisateur ayant un compte sur l’Active Directory. Un attaquant pourrait installer un programme, afficher, modifier, supprimer des données ou créer un nouveau compte avec tous les privilèges administrateur. Tout cela en passant par l’exécution de fichier DLL. Ce service étant activé par défaut, tout système Windows est potentiellement vulnérable.</a:t>
+            </a:r>
+          </a:p>
+        </p:txBody>
+      </p:sp>
+      <p:sp>
+        <p:nvSpPr>
+          <p:cNvPr id="4" name="Espace réservé du numéro de diapositive 3"/>
+          <p:cNvSpPr>
+            <a:spLocks noGrp="1"/>
+          </p:cNvSpPr>
+          <p:nvPr>
+            <p:ph type="sldNum" sz="quarter" idx="5"/>
+          </p:nvPr>
+        </p:nvSpPr>
+        <p:spPr/>
+        <p:txBody>
+          <a:bodyPr/>
+          <a:lstStyle/>
+          <a:p>
+            <a:fld id="{818F9C92-BB2B-4794-9A12-2784E76C5D4C}" type="slidenum">
+              <a:rPr lang="fr-RE" smtClean="0"/>
+              <a:t>11</a:t>
+            </a:fld>
+            <a:endParaRPr lang="fr-RE"/>
+          </a:p>
+        </p:txBody>
+      </p:sp>
+    </p:spTree>
+    <p:extLst>
+      <p:ext uri="{BB962C8B-B14F-4D97-AF65-F5344CB8AC3E}">
+        <p14:creationId xmlns:p14="http://schemas.microsoft.com/office/powerpoint/2010/main" val="1211961744"/>
+      </p:ext>
+    </p:extLst>
+  </p:cSld>
+  <p:clrMapOvr>
+    <a:masterClrMapping/>
+  </p:clrMapOvr>
+</p:notes>
+</file>
+
+<file path=ppt/notesSlides/notesSlide12.xml><?xml version="1.0" encoding="utf-8"?>
+<p:notes xmlns:a="http://schemas.openxmlformats.org/drawingml/2006/main" xmlns:r="http://schemas.openxmlformats.org/officeDocument/2006/relationships" xmlns:p="http://schemas.openxmlformats.org/presentationml/2006/main">
+  <p:cSld>
+    <p:spTree>
+      <p:nvGrpSpPr>
+        <p:cNvPr id="1" name=""/>
+        <p:cNvGrpSpPr/>
+        <p:nvPr/>
+      </p:nvGrpSpPr>
+      <p:grpSpPr>
+        <a:xfrm>
+          <a:off x="0" y="0"/>
+          <a:ext cx="0" cy="0"/>
+          <a:chOff x="0" y="0"/>
+          <a:chExt cx="0" cy="0"/>
+        </a:xfrm>
+      </p:grpSpPr>
+      <p:sp>
+        <p:nvSpPr>
+          <p:cNvPr id="2" name="Espace réservé de l'image des diapositives 1"/>
+          <p:cNvSpPr>
+            <a:spLocks noGrp="1" noRot="1" noChangeAspect="1"/>
+          </p:cNvSpPr>
+          <p:nvPr>
+            <p:ph type="sldImg"/>
+          </p:nvPr>
+        </p:nvSpPr>
+        <p:spPr/>
+      </p:sp>
+      <p:sp>
+        <p:nvSpPr>
+          <p:cNvPr id="3" name="Espace réservé des notes 2"/>
+          <p:cNvSpPr>
+            <a:spLocks noGrp="1"/>
+          </p:cNvSpPr>
+          <p:nvPr>
+            <p:ph type="body" idx="1"/>
+          </p:nvPr>
+        </p:nvSpPr>
+        <p:spPr/>
+        <p:txBody>
+          <a:bodyPr/>
+          <a:lstStyle/>
+          <a:p>
+            <a:pPr marL="0" lvl="0" indent="0" algn="l" rtl="0">
+              <a:spcBef>
+                <a:spcPts val="0"/>
+              </a:spcBef>
+              <a:spcAft>
+                <a:spcPts val="0"/>
+              </a:spcAft>
+              <a:buNone/>
+            </a:pPr>
+            <a:endParaRPr lang="fr-FR" dirty="0"/>
+          </a:p>
+        </p:txBody>
+      </p:sp>
+      <p:sp>
+        <p:nvSpPr>
+          <p:cNvPr id="4" name="Espace réservé du numéro de diapositive 3"/>
+          <p:cNvSpPr>
+            <a:spLocks noGrp="1"/>
+          </p:cNvSpPr>
+          <p:nvPr>
+            <p:ph type="sldNum" sz="quarter" idx="5"/>
+          </p:nvPr>
+        </p:nvSpPr>
+        <p:spPr/>
+        <p:txBody>
+          <a:bodyPr/>
+          <a:lstStyle/>
+          <a:p>
+            <a:fld id="{818F9C92-BB2B-4794-9A12-2784E76C5D4C}" type="slidenum">
+              <a:rPr lang="fr-RE" smtClean="0"/>
+              <a:t>12</a:t>
+            </a:fld>
+            <a:endParaRPr lang="fr-RE"/>
+          </a:p>
+        </p:txBody>
+      </p:sp>
+    </p:spTree>
+    <p:extLst>
+      <p:ext uri="{BB962C8B-B14F-4D97-AF65-F5344CB8AC3E}">
+        <p14:creationId xmlns:p14="http://schemas.microsoft.com/office/powerpoint/2010/main" val="4224823066"/>
+      </p:ext>
+    </p:extLst>
+  </p:cSld>
+  <p:clrMapOvr>
+    <a:masterClrMapping/>
+  </p:clrMapOvr>
+</p:notes>
+</file>
+
+<file path=ppt/notesSlides/notesSlide13.xml><?xml version="1.0" encoding="utf-8"?>
+<p:notes xmlns:a="http://schemas.openxmlformats.org/drawingml/2006/main" xmlns:r="http://schemas.openxmlformats.org/officeDocument/2006/relationships" xmlns:p="http://schemas.openxmlformats.org/presentationml/2006/main">
+  <p:cSld>
+    <p:spTree>
+      <p:nvGrpSpPr>
+        <p:cNvPr id="1" name=""/>
+        <p:cNvGrpSpPr/>
+        <p:nvPr/>
+      </p:nvGrpSpPr>
+      <p:grpSpPr>
+        <a:xfrm>
+          <a:off x="0" y="0"/>
+          <a:ext cx="0" cy="0"/>
+          <a:chOff x="0" y="0"/>
+          <a:chExt cx="0" cy="0"/>
+        </a:xfrm>
+      </p:grpSpPr>
+      <p:sp>
+        <p:nvSpPr>
+          <p:cNvPr id="2" name="Espace réservé de l'image des diapositives 1"/>
+          <p:cNvSpPr>
+            <a:spLocks noGrp="1" noRot="1" noChangeAspect="1"/>
+          </p:cNvSpPr>
+          <p:nvPr>
+            <p:ph type="sldImg"/>
+          </p:nvPr>
+        </p:nvSpPr>
+        <p:spPr/>
+      </p:sp>
+      <p:sp>
+        <p:nvSpPr>
+          <p:cNvPr id="3" name="Espace réservé des notes 2"/>
+          <p:cNvSpPr>
+            <a:spLocks noGrp="1"/>
+          </p:cNvSpPr>
+          <p:nvPr>
+            <p:ph type="body" idx="1"/>
+          </p:nvPr>
+        </p:nvSpPr>
+        <p:spPr/>
+        <p:txBody>
+          <a:bodyPr/>
+          <a:lstStyle/>
+          <a:p>
+            <a:pPr marL="0" lvl="0" indent="0" algn="l" rtl="0">
+              <a:spcBef>
+                <a:spcPts val="0"/>
+              </a:spcBef>
+              <a:spcAft>
+                <a:spcPts val="0"/>
+              </a:spcAft>
+              <a:buNone/>
+            </a:pPr>
+            <a:endParaRPr lang="fr-FR" dirty="0"/>
+          </a:p>
+        </p:txBody>
+      </p:sp>
+      <p:sp>
+        <p:nvSpPr>
+          <p:cNvPr id="4" name="Espace réservé du numéro de diapositive 3"/>
+          <p:cNvSpPr>
+            <a:spLocks noGrp="1"/>
+          </p:cNvSpPr>
+          <p:nvPr>
+            <p:ph type="sldNum" sz="quarter" idx="5"/>
+          </p:nvPr>
+        </p:nvSpPr>
+        <p:spPr/>
+        <p:txBody>
+          <a:bodyPr/>
+          <a:lstStyle/>
+          <a:p>
+            <a:fld id="{818F9C92-BB2B-4794-9A12-2784E76C5D4C}" type="slidenum">
+              <a:rPr lang="fr-RE" smtClean="0"/>
+              <a:t>13</a:t>
+            </a:fld>
+            <a:endParaRPr lang="fr-RE"/>
+          </a:p>
+        </p:txBody>
+      </p:sp>
+    </p:spTree>
+    <p:extLst>
+      <p:ext uri="{BB962C8B-B14F-4D97-AF65-F5344CB8AC3E}">
+        <p14:creationId xmlns:p14="http://schemas.microsoft.com/office/powerpoint/2010/main" val="3534918775"/>
       </p:ext>
     </p:extLst>
   </p:cSld>
@@ -5081,9 +5647,13 @@
               <a:spcAft>
                 <a:spcPts val="0"/>
               </a:spcAft>
+              <a:buFontTx/>
               <a:buNone/>
             </a:pPr>
-            <a:endParaRPr lang="fr-FR" dirty="0"/>
+            <a:r>
+              <a:rPr lang="fr-FR" dirty="0"/>
+              <a:t>Le but est d’avoir une première approche d’un logiciel conçu pour collecter et analyser des logs dans le but d’augmenter le niveau de sécurité d’une infrastructure pendant et après une attaque. L’activité est divisé en deux scénario d’attaque, ici nous allons présenter qu’un seul.</a:t>
+            </a:r>
           </a:p>
         </p:txBody>
       </p:sp>
@@ -5174,9 +5744,135 @@
               <a:spcAft>
                 <a:spcPts val="0"/>
               </a:spcAft>
+              <a:buFontTx/>
+              <a:buNone/>
+            </a:pPr>
+            <a:r>
+              <a:rPr lang="fr-FR" dirty="0"/>
+              <a:t>Avant de passer dans le vif du sujet, je vous présente la </a:t>
+            </a:r>
+            <a:r>
+              <a:rPr lang="fr-FR" dirty="0" err="1"/>
+              <a:t>kill</a:t>
+            </a:r>
+            <a:r>
+              <a:rPr lang="fr-FR" dirty="0"/>
+              <a:t> </a:t>
+            </a:r>
+            <a:r>
+              <a:rPr lang="fr-FR" dirty="0" err="1"/>
+              <a:t>chain</a:t>
+            </a:r>
+            <a:r>
+              <a:rPr lang="fr-FR" dirty="0"/>
+              <a:t> qui est le processus d’intrusion généralement suivi par les attaquants.</a:t>
+            </a:r>
+          </a:p>
+          <a:p>
+            <a:pPr marL="0" lvl="0" indent="0" algn="l" rtl="0">
+              <a:spcBef>
+                <a:spcPts val="0"/>
+              </a:spcBef>
+              <a:spcAft>
+                <a:spcPts val="0"/>
+              </a:spcAft>
+              <a:buFontTx/>
               <a:buNone/>
             </a:pPr>
             <a:endParaRPr lang="fr-FR" dirty="0"/>
+          </a:p>
+          <a:p>
+            <a:pPr marL="0" lvl="0" indent="0" algn="l" rtl="0">
+              <a:spcBef>
+                <a:spcPts val="0"/>
+              </a:spcBef>
+              <a:spcAft>
+                <a:spcPts val="0"/>
+              </a:spcAft>
+              <a:buFontTx/>
+              <a:buNone/>
+            </a:pPr>
+            <a:r>
+              <a:rPr lang="fr-FR" dirty="0"/>
+              <a:t>Mais nous on va le simplifié en 4 phases :</a:t>
+            </a:r>
+          </a:p>
+          <a:p>
+            <a:pPr marL="0" lvl="0" indent="0" algn="l" rtl="0">
+              <a:spcBef>
+                <a:spcPts val="0"/>
+              </a:spcBef>
+              <a:spcAft>
+                <a:spcPts val="0"/>
+              </a:spcAft>
+              <a:buFontTx/>
+              <a:buNone/>
+            </a:pPr>
+            <a:endParaRPr lang="fr-FR" dirty="0"/>
+          </a:p>
+          <a:p>
+            <a:pPr marL="171450" lvl="0" indent="-171450" algn="l" rtl="0">
+              <a:spcBef>
+                <a:spcPts val="0"/>
+              </a:spcBef>
+              <a:spcAft>
+                <a:spcPts val="0"/>
+              </a:spcAft>
+              <a:buFontTx/>
+              <a:buChar char="-"/>
+            </a:pPr>
+            <a:r>
+              <a:rPr lang="fr-FR" dirty="0"/>
+              <a:t>Reconnaissance</a:t>
+            </a:r>
+          </a:p>
+          <a:p>
+            <a:pPr marL="171450" lvl="0" indent="-171450" algn="l" rtl="0">
+              <a:spcBef>
+                <a:spcPts val="0"/>
+              </a:spcBef>
+              <a:spcAft>
+                <a:spcPts val="0"/>
+              </a:spcAft>
+              <a:buFontTx/>
+              <a:buChar char="-"/>
+            </a:pPr>
+            <a:r>
+              <a:rPr lang="fr-FR" dirty="0"/>
+              <a:t>Enumération</a:t>
+            </a:r>
+          </a:p>
+          <a:p>
+            <a:pPr marL="171450" lvl="0" indent="-171450" algn="l" rtl="0">
+              <a:spcBef>
+                <a:spcPts val="0"/>
+              </a:spcBef>
+              <a:spcAft>
+                <a:spcPts val="0"/>
+              </a:spcAft>
+              <a:buFontTx/>
+              <a:buChar char="-"/>
+            </a:pPr>
+            <a:r>
+              <a:rPr lang="fr-FR" dirty="0"/>
+              <a:t>Implémentation initiale</a:t>
+            </a:r>
+          </a:p>
+          <a:p>
+            <a:pPr marL="171450" lvl="0" indent="-171450" algn="l" rtl="0">
+              <a:spcBef>
+                <a:spcPts val="0"/>
+              </a:spcBef>
+              <a:spcAft>
+                <a:spcPts val="0"/>
+              </a:spcAft>
+              <a:buFontTx/>
+              <a:buChar char="-"/>
+            </a:pPr>
+            <a:r>
+              <a:rPr lang="fr-FR" dirty="0"/>
+              <a:t>Escalade de privilège</a:t>
+            </a:r>
           </a:p>
         </p:txBody>
       </p:sp>
@@ -5206,7 +5902,7 @@
     </p:spTree>
     <p:extLst>
       <p:ext uri="{BB962C8B-B14F-4D97-AF65-F5344CB8AC3E}">
-        <p14:creationId xmlns:p14="http://schemas.microsoft.com/office/powerpoint/2010/main" val="220338627"/>
+        <p14:creationId xmlns:p14="http://schemas.microsoft.com/office/powerpoint/2010/main" val="572243665"/>
       </p:ext>
     </p:extLst>
   </p:cSld>
@@ -5260,7 +5956,173 @@
           <a:bodyPr/>
           <a:lstStyle/>
           <a:p>
-            <a:endParaRPr lang="fr-FR" dirty="0"/>
+            <a:pPr marL="0" lvl="0" indent="0" algn="l" rtl="0">
+              <a:spcBef>
+                <a:spcPts val="0"/>
+              </a:spcBef>
+              <a:spcAft>
+                <a:spcPts val="0"/>
+              </a:spcAft>
+              <a:buNone/>
+            </a:pPr>
+            <a:r>
+              <a:rPr lang="fr-FR" dirty="0"/>
+              <a:t>Dans cette phase de reconnaissance, on va regarder l’adresse IP source qui a générer le plus de requête HTTP pour déterminé qui est l’attaquant. Ici l’adresse IP qui a générer le plus de requête est le 40.80.148.42, avec un peu d’OSINT on peut dire qu’il s’agit du groupe </a:t>
+            </a:r>
+            <a:r>
+              <a:rPr lang="en-US" sz="1800" b="0" i="0" u="none" dirty="0">
+                <a:effectLst/>
+                <a:latin typeface="Calibri" panose="020F0502020204030204" pitchFamily="34" charset="0"/>
+                <a:ea typeface="Calibri" panose="020F0502020204030204" pitchFamily="34" charset="0"/>
+                <a:cs typeface="Times New Roman" panose="02020603050405020304" pitchFamily="18" charset="0"/>
+              </a:rPr>
+              <a:t>P01s0n1vy qui a </a:t>
+            </a:r>
+            <a:r>
+              <a:rPr lang="en-US" sz="1800" b="0" i="0" u="none" dirty="0" err="1">
+                <a:effectLst/>
+                <a:latin typeface="Calibri" panose="020F0502020204030204" pitchFamily="34" charset="0"/>
+                <a:ea typeface="Calibri" panose="020F0502020204030204" pitchFamily="34" charset="0"/>
+                <a:cs typeface="Times New Roman" panose="02020603050405020304" pitchFamily="18" charset="0"/>
+              </a:rPr>
+              <a:t>différente</a:t>
+            </a:r>
+            <a:r>
+              <a:rPr lang="en-US" sz="1800" b="0" i="0" u="none" dirty="0">
+                <a:effectLst/>
+                <a:latin typeface="Calibri" panose="020F0502020204030204" pitchFamily="34" charset="0"/>
+                <a:ea typeface="Calibri" panose="020F0502020204030204" pitchFamily="34" charset="0"/>
+                <a:cs typeface="Times New Roman" panose="02020603050405020304" pitchFamily="18" charset="0"/>
+              </a:rPr>
+              <a:t> </a:t>
+            </a:r>
+            <a:r>
+              <a:rPr lang="en-US" sz="1800" b="0" i="0" u="none" dirty="0" err="1">
+                <a:effectLst/>
+                <a:latin typeface="Calibri" panose="020F0502020204030204" pitchFamily="34" charset="0"/>
+                <a:ea typeface="Calibri" panose="020F0502020204030204" pitchFamily="34" charset="0"/>
+                <a:cs typeface="Times New Roman" panose="02020603050405020304" pitchFamily="18" charset="0"/>
+              </a:rPr>
+              <a:t>façon</a:t>
+            </a:r>
+            <a:r>
+              <a:rPr lang="en-US" sz="1800" b="0" i="0" u="none" dirty="0">
+                <a:effectLst/>
+                <a:latin typeface="Calibri" panose="020F0502020204030204" pitchFamily="34" charset="0"/>
+                <a:ea typeface="Calibri" panose="020F0502020204030204" pitchFamily="34" charset="0"/>
+                <a:cs typeface="Times New Roman" panose="02020603050405020304" pitchFamily="18" charset="0"/>
+              </a:rPr>
+              <a:t> de </a:t>
+            </a:r>
+            <a:r>
+              <a:rPr lang="en-US" sz="1800" b="0" i="0" u="none" dirty="0" err="1">
+                <a:effectLst/>
+                <a:latin typeface="Calibri" panose="020F0502020204030204" pitchFamily="34" charset="0"/>
+                <a:ea typeface="Calibri" panose="020F0502020204030204" pitchFamily="34" charset="0"/>
+                <a:cs typeface="Times New Roman" panose="02020603050405020304" pitchFamily="18" charset="0"/>
+              </a:rPr>
+              <a:t>procédé</a:t>
+            </a:r>
+            <a:r>
+              <a:rPr lang="en-US" sz="1800" b="0" i="0" u="none" dirty="0">
+                <a:effectLst/>
+                <a:latin typeface="Calibri" panose="020F0502020204030204" pitchFamily="34" charset="0"/>
+                <a:ea typeface="Calibri" panose="020F0502020204030204" pitchFamily="34" charset="0"/>
+                <a:cs typeface="Times New Roman" panose="02020603050405020304" pitchFamily="18" charset="0"/>
+              </a:rPr>
+              <a:t> </a:t>
+            </a:r>
+            <a:r>
+              <a:rPr lang="en-US" sz="1800" b="0" i="0" u="none" dirty="0" err="1">
+                <a:effectLst/>
+                <a:latin typeface="Calibri" panose="020F0502020204030204" pitchFamily="34" charset="0"/>
+                <a:ea typeface="Calibri" panose="020F0502020204030204" pitchFamily="34" charset="0"/>
+                <a:cs typeface="Times New Roman" panose="02020603050405020304" pitchFamily="18" charset="0"/>
+              </a:rPr>
+              <a:t>lorsque</a:t>
+            </a:r>
+            <a:r>
+              <a:rPr lang="en-US" sz="1800" b="0" i="0" u="none" dirty="0">
+                <a:effectLst/>
+                <a:latin typeface="Calibri" panose="020F0502020204030204" pitchFamily="34" charset="0"/>
+                <a:ea typeface="Calibri" panose="020F0502020204030204" pitchFamily="34" charset="0"/>
+                <a:cs typeface="Times New Roman" panose="02020603050405020304" pitchFamily="18" charset="0"/>
+              </a:rPr>
+              <a:t> </a:t>
+            </a:r>
+            <a:r>
+              <a:rPr lang="en-US" sz="1800" b="0" i="0" u="none" dirty="0" err="1">
+                <a:effectLst/>
+                <a:latin typeface="Calibri" panose="020F0502020204030204" pitchFamily="34" charset="0"/>
+                <a:ea typeface="Calibri" panose="020F0502020204030204" pitchFamily="34" charset="0"/>
+                <a:cs typeface="Times New Roman" panose="02020603050405020304" pitchFamily="18" charset="0"/>
+              </a:rPr>
+              <a:t>leur</a:t>
+            </a:r>
+            <a:r>
+              <a:rPr lang="en-US" sz="1800" b="0" i="0" u="none" dirty="0">
+                <a:effectLst/>
+                <a:latin typeface="Calibri" panose="020F0502020204030204" pitchFamily="34" charset="0"/>
+                <a:ea typeface="Calibri" panose="020F0502020204030204" pitchFamily="34" charset="0"/>
+                <a:cs typeface="Times New Roman" panose="02020603050405020304" pitchFamily="18" charset="0"/>
+              </a:rPr>
+              <a:t> première </a:t>
+            </a:r>
+            <a:r>
+              <a:rPr lang="en-US" sz="1800" b="0" i="0" u="none" dirty="0" err="1">
+                <a:effectLst/>
+                <a:latin typeface="Calibri" panose="020F0502020204030204" pitchFamily="34" charset="0"/>
+                <a:ea typeface="Calibri" panose="020F0502020204030204" pitchFamily="34" charset="0"/>
+                <a:cs typeface="Times New Roman" panose="02020603050405020304" pitchFamily="18" charset="0"/>
+              </a:rPr>
+              <a:t>attaque</a:t>
+            </a:r>
+            <a:r>
+              <a:rPr lang="en-US" sz="1800" b="0" i="0" u="none" dirty="0">
+                <a:effectLst/>
+                <a:latin typeface="Calibri" panose="020F0502020204030204" pitchFamily="34" charset="0"/>
+                <a:ea typeface="Calibri" panose="020F0502020204030204" pitchFamily="34" charset="0"/>
+                <a:cs typeface="Times New Roman" panose="02020603050405020304" pitchFamily="18" charset="0"/>
+              </a:rPr>
+              <a:t> </a:t>
+            </a:r>
+            <a:r>
+              <a:rPr lang="en-US" sz="1800" b="0" i="0" u="none" dirty="0" err="1">
+                <a:effectLst/>
+                <a:latin typeface="Calibri" panose="020F0502020204030204" pitchFamily="34" charset="0"/>
+                <a:ea typeface="Calibri" panose="020F0502020204030204" pitchFamily="34" charset="0"/>
+                <a:cs typeface="Times New Roman" panose="02020603050405020304" pitchFamily="18" charset="0"/>
+              </a:rPr>
+              <a:t>est</a:t>
+            </a:r>
+            <a:r>
+              <a:rPr lang="en-US" sz="1800" b="0" i="0" u="none" dirty="0">
+                <a:effectLst/>
+                <a:latin typeface="Calibri" panose="020F0502020204030204" pitchFamily="34" charset="0"/>
+                <a:ea typeface="Calibri" panose="020F0502020204030204" pitchFamily="34" charset="0"/>
+                <a:cs typeface="Times New Roman" panose="02020603050405020304" pitchFamily="18" charset="0"/>
+              </a:rPr>
+              <a:t> un </a:t>
+            </a:r>
+            <a:r>
+              <a:rPr lang="en-US" sz="1800" b="0" i="0" u="none" dirty="0" err="1">
+                <a:effectLst/>
+                <a:latin typeface="Calibri" panose="020F0502020204030204" pitchFamily="34" charset="0"/>
+                <a:ea typeface="Calibri" panose="020F0502020204030204" pitchFamily="34" charset="0"/>
+                <a:cs typeface="Times New Roman" panose="02020603050405020304" pitchFamily="18" charset="0"/>
+              </a:rPr>
+              <a:t>échec</a:t>
+            </a:r>
+            <a:r>
+              <a:rPr lang="en-US" sz="1800" b="0" i="0" u="none" dirty="0">
+                <a:effectLst/>
+                <a:latin typeface="Calibri" panose="020F0502020204030204" pitchFamily="34" charset="0"/>
+                <a:ea typeface="Calibri" panose="020F0502020204030204" pitchFamily="34" charset="0"/>
+                <a:cs typeface="Times New Roman" panose="02020603050405020304" pitchFamily="18" charset="0"/>
+              </a:rPr>
+              <a:t>.</a:t>
+            </a:r>
+            <a:endParaRPr lang="fr-FR" b="0" i="0" u="none" dirty="0"/>
           </a:p>
         </p:txBody>
       </p:sp>
@@ -5290,7 +6152,7 @@
     </p:spTree>
     <p:extLst>
       <p:ext uri="{BB962C8B-B14F-4D97-AF65-F5344CB8AC3E}">
-        <p14:creationId xmlns:p14="http://schemas.microsoft.com/office/powerpoint/2010/main" val="1211961744"/>
+        <p14:creationId xmlns:p14="http://schemas.microsoft.com/office/powerpoint/2010/main" val="2173661970"/>
       </p:ext>
     </p:extLst>
   </p:cSld>
@@ -5355,8 +6217,28 @@
             </a:pPr>
             <a:r>
               <a:rPr lang="fr-FR" dirty="0"/>
-              <a:t>Toutes les maquettes que je vais vous présenter concerne la partie web mais nous avons</a:t>
-            </a:r>
+              <a:t>Dans la phase d’énumération on peut voir que l’attaquant à utilisé l’outil de scan </a:t>
+            </a:r>
+            <a:r>
+              <a:rPr lang="fr-FR" dirty="0" err="1"/>
+              <a:t>Acunetix</a:t>
+            </a:r>
+            <a:r>
+              <a:rPr lang="fr-FR" dirty="0"/>
+              <a:t> et la cible était l’application Joomla</a:t>
+            </a:r>
+          </a:p>
+          <a:p>
+            <a:pPr marL="0" lvl="0" indent="0" algn="l" rtl="0">
+              <a:spcBef>
+                <a:spcPts val="0"/>
+              </a:spcBef>
+              <a:spcAft>
+                <a:spcPts val="0"/>
+              </a:spcAft>
+              <a:buNone/>
+            </a:pPr>
+            <a:endParaRPr lang="fr-FR" dirty="0"/>
           </a:p>
         </p:txBody>
       </p:sp>
@@ -5386,7 +6268,7 @@
     </p:spTree>
     <p:extLst>
       <p:ext uri="{BB962C8B-B14F-4D97-AF65-F5344CB8AC3E}">
-        <p14:creationId xmlns:p14="http://schemas.microsoft.com/office/powerpoint/2010/main" val="4224823066"/>
+        <p14:creationId xmlns:p14="http://schemas.microsoft.com/office/powerpoint/2010/main" val="1397907780"/>
       </p:ext>
     </p:extLst>
   </p:cSld>
@@ -5449,7 +6331,58 @@
               </a:spcAft>
               <a:buNone/>
             </a:pPr>
-            <a:endParaRPr lang="fr-FR" dirty="0"/>
+            <a:r>
+              <a:rPr lang="fr-FR" dirty="0"/>
+              <a:t>Dans la phase d’implémentation initiale, j’ai vu qu’il s’est passé différents éléments :</a:t>
+            </a:r>
+          </a:p>
+          <a:p>
+            <a:pPr marL="171450" lvl="0" indent="-171450" algn="l" rtl="0">
+              <a:spcBef>
+                <a:spcPts val="0"/>
+              </a:spcBef>
+              <a:spcAft>
+                <a:spcPts val="0"/>
+              </a:spcAft>
+              <a:buFontTx/>
+              <a:buChar char="-"/>
+            </a:pPr>
+            <a:r>
+              <a:rPr lang="fr-FR" dirty="0"/>
+              <a:t>Attaque par brute force sur le compte admin qui a abouti car le mot de passe était faible</a:t>
+            </a:r>
+          </a:p>
+          <a:p>
+            <a:pPr marL="171450" lvl="0" indent="-171450" algn="l" rtl="0">
+              <a:spcBef>
+                <a:spcPts val="0"/>
+              </a:spcBef>
+              <a:spcAft>
+                <a:spcPts val="0"/>
+              </a:spcAft>
+              <a:buFontTx/>
+              <a:buChar char="-"/>
+            </a:pPr>
+            <a:r>
+              <a:rPr lang="fr-FR" dirty="0"/>
+              <a:t>Temps que ça a pris avant que l’attaquant ai accès au compte</a:t>
+            </a:r>
+          </a:p>
+          <a:p>
+            <a:pPr marL="171450" lvl="0" indent="-171450" algn="l" rtl="0">
+              <a:spcBef>
+                <a:spcPts val="0"/>
+              </a:spcBef>
+              <a:spcAft>
+                <a:spcPts val="0"/>
+              </a:spcAft>
+              <a:buFontTx/>
+              <a:buChar char="-"/>
+            </a:pPr>
+            <a:r>
+              <a:rPr lang="fr-FR" dirty="0"/>
+              <a:t>Visibilité sur le mot de passe utilisé par l’admin</a:t>
+            </a:r>
           </a:p>
         </p:txBody>
       </p:sp>
@@ -5479,7 +6412,196 @@
     </p:spTree>
     <p:extLst>
       <p:ext uri="{BB962C8B-B14F-4D97-AF65-F5344CB8AC3E}">
-        <p14:creationId xmlns:p14="http://schemas.microsoft.com/office/powerpoint/2010/main" val="3534918775"/>
+        <p14:creationId xmlns:p14="http://schemas.microsoft.com/office/powerpoint/2010/main" val="1432157921"/>
+      </p:ext>
+    </p:extLst>
+  </p:cSld>
+  <p:clrMapOvr>
+    <a:masterClrMapping/>
+  </p:clrMapOvr>
+</p:notes>
+</file>
+
+<file path=ppt/notesSlides/notesSlide8.xml><?xml version="1.0" encoding="utf-8"?>
+<p:notes xmlns:a="http://schemas.openxmlformats.org/drawingml/2006/main" xmlns:r="http://schemas.openxmlformats.org/officeDocument/2006/relationships" xmlns:p="http://schemas.openxmlformats.org/presentationml/2006/main">
+  <p:cSld>
+    <p:spTree>
+      <p:nvGrpSpPr>
+        <p:cNvPr id="1" name=""/>
+        <p:cNvGrpSpPr/>
+        <p:nvPr/>
+      </p:nvGrpSpPr>
+      <p:grpSpPr>
+        <a:xfrm>
+          <a:off x="0" y="0"/>
+          <a:ext cx="0" cy="0"/>
+          <a:chOff x="0" y="0"/>
+          <a:chExt cx="0" cy="0"/>
+        </a:xfrm>
+      </p:grpSpPr>
+      <p:sp>
+        <p:nvSpPr>
+          <p:cNvPr id="2" name="Espace réservé de l'image des diapositives 1"/>
+          <p:cNvSpPr>
+            <a:spLocks noGrp="1" noRot="1" noChangeAspect="1"/>
+          </p:cNvSpPr>
+          <p:nvPr>
+            <p:ph type="sldImg"/>
+          </p:nvPr>
+        </p:nvSpPr>
+        <p:spPr/>
+      </p:sp>
+      <p:sp>
+        <p:nvSpPr>
+          <p:cNvPr id="3" name="Espace réservé des notes 2"/>
+          <p:cNvSpPr>
+            <a:spLocks noGrp="1"/>
+          </p:cNvSpPr>
+          <p:nvPr>
+            <p:ph type="body" idx="1"/>
+          </p:nvPr>
+        </p:nvSpPr>
+        <p:spPr/>
+        <p:txBody>
+          <a:bodyPr/>
+          <a:lstStyle/>
+          <a:p>
+            <a:pPr marL="0" lvl="0" indent="0" algn="l" rtl="0">
+              <a:spcBef>
+                <a:spcPts val="0"/>
+              </a:spcBef>
+              <a:spcAft>
+                <a:spcPts val="0"/>
+              </a:spcAft>
+              <a:buNone/>
+            </a:pPr>
+            <a:r>
+              <a:rPr lang="fr-FR" dirty="0"/>
+              <a:t>Dans la phase d’escalade de privilège on peut voir que l’attaquant a effectué le téléversement d’un exécutable malveillant. On a aussi découvert un malware qui est issue d’un email avec une pièce jointe vérolé qui a corrompu le serveur.</a:t>
+            </a:r>
+          </a:p>
+        </p:txBody>
+      </p:sp>
+      <p:sp>
+        <p:nvSpPr>
+          <p:cNvPr id="4" name="Espace réservé du numéro de diapositive 3"/>
+          <p:cNvSpPr>
+            <a:spLocks noGrp="1"/>
+          </p:cNvSpPr>
+          <p:nvPr>
+            <p:ph type="sldNum" sz="quarter" idx="5"/>
+          </p:nvPr>
+        </p:nvSpPr>
+        <p:spPr/>
+        <p:txBody>
+          <a:bodyPr/>
+          <a:lstStyle/>
+          <a:p>
+            <a:fld id="{818F9C92-BB2B-4794-9A12-2784E76C5D4C}" type="slidenum">
+              <a:rPr lang="fr-RE" smtClean="0"/>
+              <a:t>8</a:t>
+            </a:fld>
+            <a:endParaRPr lang="fr-RE"/>
+          </a:p>
+        </p:txBody>
+      </p:sp>
+    </p:spTree>
+    <p:extLst>
+      <p:ext uri="{BB962C8B-B14F-4D97-AF65-F5344CB8AC3E}">
+        <p14:creationId xmlns:p14="http://schemas.microsoft.com/office/powerpoint/2010/main" val="3087968184"/>
+      </p:ext>
+    </p:extLst>
+  </p:cSld>
+  <p:clrMapOvr>
+    <a:masterClrMapping/>
+  </p:clrMapOvr>
+</p:notes>
+</file>
+
+<file path=ppt/notesSlides/notesSlide9.xml><?xml version="1.0" encoding="utf-8"?>
+<p:notes xmlns:a="http://schemas.openxmlformats.org/drawingml/2006/main" xmlns:r="http://schemas.openxmlformats.org/officeDocument/2006/relationships" xmlns:p="http://schemas.openxmlformats.org/presentationml/2006/main">
+  <p:cSld>
+    <p:spTree>
+      <p:nvGrpSpPr>
+        <p:cNvPr id="1" name=""/>
+        <p:cNvGrpSpPr/>
+        <p:nvPr/>
+      </p:nvGrpSpPr>
+      <p:grpSpPr>
+        <a:xfrm>
+          <a:off x="0" y="0"/>
+          <a:ext cx="0" cy="0"/>
+          <a:chOff x="0" y="0"/>
+          <a:chExt cx="0" cy="0"/>
+        </a:xfrm>
+      </p:grpSpPr>
+      <p:sp>
+        <p:nvSpPr>
+          <p:cNvPr id="2" name="Espace réservé de l'image des diapositives 1"/>
+          <p:cNvSpPr>
+            <a:spLocks noGrp="1" noRot="1" noChangeAspect="1"/>
+          </p:cNvSpPr>
+          <p:nvPr>
+            <p:ph type="sldImg"/>
+          </p:nvPr>
+        </p:nvSpPr>
+        <p:spPr/>
+      </p:sp>
+      <p:sp>
+        <p:nvSpPr>
+          <p:cNvPr id="3" name="Espace réservé des notes 2"/>
+          <p:cNvSpPr>
+            <a:spLocks noGrp="1"/>
+          </p:cNvSpPr>
+          <p:nvPr>
+            <p:ph type="body" idx="1"/>
+          </p:nvPr>
+        </p:nvSpPr>
+        <p:spPr/>
+        <p:txBody>
+          <a:bodyPr/>
+          <a:lstStyle/>
+          <a:p>
+            <a:pPr marL="0" lvl="0" indent="0" algn="l" rtl="0">
+              <a:spcBef>
+                <a:spcPts val="0"/>
+              </a:spcBef>
+              <a:spcAft>
+                <a:spcPts val="0"/>
+              </a:spcAft>
+              <a:buNone/>
+            </a:pPr>
+            <a:endParaRPr lang="fr-FR" dirty="0"/>
+          </a:p>
+        </p:txBody>
+      </p:sp>
+      <p:sp>
+        <p:nvSpPr>
+          <p:cNvPr id="4" name="Espace réservé du numéro de diapositive 3"/>
+          <p:cNvSpPr>
+            <a:spLocks noGrp="1"/>
+          </p:cNvSpPr>
+          <p:nvPr>
+            <p:ph type="sldNum" sz="quarter" idx="5"/>
+          </p:nvPr>
+        </p:nvSpPr>
+        <p:spPr/>
+        <p:txBody>
+          <a:bodyPr/>
+          <a:lstStyle/>
+          <a:p>
+            <a:fld id="{818F9C92-BB2B-4794-9A12-2784E76C5D4C}" type="slidenum">
+              <a:rPr lang="fr-RE" smtClean="0"/>
+              <a:t>9</a:t>
+            </a:fld>
+            <a:endParaRPr lang="fr-RE"/>
+          </a:p>
+        </p:txBody>
+      </p:sp>
+    </p:spTree>
+    <p:extLst>
+      <p:ext uri="{BB962C8B-B14F-4D97-AF65-F5344CB8AC3E}">
+        <p14:creationId xmlns:p14="http://schemas.microsoft.com/office/powerpoint/2010/main" val="220338627"/>
       </p:ext>
     </p:extLst>
   </p:cSld>
@@ -5636,7 +6758,7 @@
           <a:p>
             <a:fld id="{9E930371-97C5-4688-BB82-915A48E8D299}" type="datetime1">
               <a:rPr lang="en-US" smtClean="0"/>
-              <a:t>12/27/2021</a:t>
+              <a:t>1/5/2022</a:t>
             </a:fld>
             <a:endParaRPr lang="en-US" dirty="0"/>
           </a:p>
@@ -5835,7 +6957,7 @@
           <a:p>
             <a:fld id="{C13DF8A8-33B6-4A6B-ABDB-0C28B3DCED6C}" type="datetime1">
               <a:rPr lang="en-US" smtClean="0"/>
-              <a:t>12/27/2021</a:t>
+              <a:t>1/5/2022</a:t>
             </a:fld>
             <a:endParaRPr lang="en-US" dirty="0"/>
           </a:p>
@@ -6043,7 +7165,7 @@
           <a:p>
             <a:fld id="{BC93C174-6EBC-45A5-9EB8-153A124605E6}" type="datetime1">
               <a:rPr lang="en-US" smtClean="0"/>
-              <a:t>12/27/2021</a:t>
+              <a:t>1/5/2022</a:t>
             </a:fld>
             <a:endParaRPr lang="en-US" dirty="0"/>
           </a:p>
@@ -6241,7 +7363,7 @@
           <a:p>
             <a:fld id="{EFB28C93-7075-4E76-B45C-B9FF0322A90E}" type="datetime1">
               <a:rPr lang="en-US" smtClean="0"/>
-              <a:t>12/27/2021</a:t>
+              <a:t>1/5/2022</a:t>
             </a:fld>
             <a:endParaRPr lang="en-US" dirty="0"/>
           </a:p>
@@ -6517,7 +7639,7 @@
           <a:p>
             <a:fld id="{47DEBC2F-0F34-41B0-BD15-4030B3C80711}" type="datetime1">
               <a:rPr lang="en-US" smtClean="0"/>
-              <a:t>12/27/2021</a:t>
+              <a:t>1/5/2022</a:t>
             </a:fld>
             <a:endParaRPr lang="en-US" dirty="0"/>
           </a:p>
@@ -6783,7 +7905,7 @@
           <a:p>
             <a:fld id="{8C2C56FC-4377-4EFD-BB99-CB27C7D9BCD5}" type="datetime1">
               <a:rPr lang="en-US" smtClean="0"/>
-              <a:t>12/27/2021</a:t>
+              <a:t>1/5/2022</a:t>
             </a:fld>
             <a:endParaRPr lang="en-US" dirty="0"/>
           </a:p>
@@ -7195,7 +8317,7 @@
           <a:p>
             <a:fld id="{83DFAC24-BE89-40F1-B8A1-6CF560A3CA4C}" type="datetime1">
               <a:rPr lang="en-US" smtClean="0"/>
-              <a:t>12/27/2021</a:t>
+              <a:t>1/5/2022</a:t>
             </a:fld>
             <a:endParaRPr lang="en-US" dirty="0"/>
           </a:p>
@@ -7338,7 +8460,7 @@
           <a:p>
             <a:fld id="{76FCCAEA-B3F0-45A8-A8EC-650E5501C20E}" type="datetime1">
               <a:rPr lang="en-US" smtClean="0"/>
-              <a:t>12/27/2021</a:t>
+              <a:t>1/5/2022</a:t>
             </a:fld>
             <a:endParaRPr lang="en-US" dirty="0"/>
           </a:p>
@@ -7451,7 +8573,7 @@
           <a:p>
             <a:fld id="{4E754737-5192-4A80-9BDD-8A617DF183E3}" type="datetime1">
               <a:rPr lang="en-US" smtClean="0"/>
-              <a:t>12/27/2021</a:t>
+              <a:t>1/5/2022</a:t>
             </a:fld>
             <a:endParaRPr lang="en-US" dirty="0"/>
           </a:p>
@@ -7762,7 +8884,7 @@
           <a:p>
             <a:fld id="{C428BA53-2944-48FA-B706-BEE0070E76BA}" type="datetime1">
               <a:rPr lang="en-US" smtClean="0"/>
-              <a:t>12/27/2021</a:t>
+              <a:t>1/5/2022</a:t>
             </a:fld>
             <a:endParaRPr lang="en-US" dirty="0"/>
           </a:p>
@@ -8050,7 +9172,7 @@
           <a:p>
             <a:fld id="{BDAFE1A4-27BD-4653-85B1-F875F6DFCFFC}" type="datetime1">
               <a:rPr lang="en-US" smtClean="0"/>
-              <a:t>12/27/2021</a:t>
+              <a:t>1/5/2022</a:t>
             </a:fld>
             <a:endParaRPr lang="en-US" dirty="0"/>
           </a:p>
@@ -8291,7 +9413,7 @@
           <a:p>
             <a:fld id="{83DFAC24-BE89-40F1-B8A1-6CF560A3CA4C}" type="datetime1">
               <a:rPr lang="en-US" smtClean="0"/>
-              <a:t>12/27/2021</a:t>
+              <a:t>1/5/2022</a:t>
             </a:fld>
             <a:endParaRPr lang="en-US" dirty="0"/>
           </a:p>
@@ -8830,7 +9952,7 @@
           <a:p>
             <a:pPr algn="r"/>
             <a:r>
-              <a:rPr lang="fr-FR" sz="4400" dirty="0">
+              <a:rPr lang="fr-FR" sz="4400">
                 <a:latin typeface="Arial Rounded MT Bold" panose="020F0704030504030204" pitchFamily="34" charset="0"/>
               </a:rPr>
               <a:t>LOGICIEL SPLUNK</a:t>
@@ -8935,7 +10057,7 @@
             </a:fld>
             <a:r>
               <a:rPr lang="en-US" sz="1600" b="1" dirty="0"/>
-              <a:t> / 23</a:t>
+              <a:t> / 13</a:t>
             </a:r>
             <a:endParaRPr lang="en-US" sz="1800" b="1" dirty="0"/>
           </a:p>
@@ -8945,6 +10067,1402 @@
     <p:extLst>
       <p:ext uri="{BB962C8B-B14F-4D97-AF65-F5344CB8AC3E}">
         <p14:creationId xmlns:p14="http://schemas.microsoft.com/office/powerpoint/2010/main" val="2907729230"/>
+      </p:ext>
+    </p:extLst>
+  </p:cSld>
+  <p:clrMapOvr>
+    <a:masterClrMapping/>
+  </p:clrMapOvr>
+</p:sld>
+</file>
+
+<file path=ppt/slides/slide10.xml><?xml version="1.0" encoding="utf-8"?>
+<p:sld xmlns:a="http://schemas.openxmlformats.org/drawingml/2006/main" xmlns:r="http://schemas.openxmlformats.org/officeDocument/2006/relationships" xmlns:p="http://schemas.openxmlformats.org/presentationml/2006/main">
+  <p:cSld>
+    <p:spTree>
+      <p:nvGrpSpPr>
+        <p:cNvPr id="1" name=""/>
+        <p:cNvGrpSpPr/>
+        <p:nvPr/>
+      </p:nvGrpSpPr>
+      <p:grpSpPr>
+        <a:xfrm>
+          <a:off x="0" y="0"/>
+          <a:ext cx="0" cy="0"/>
+          <a:chOff x="0" y="0"/>
+          <a:chExt cx="0" cy="0"/>
+        </a:xfrm>
+      </p:grpSpPr>
+      <p:pic>
+        <p:nvPicPr>
+          <p:cNvPr id="6" name="Image 5">
+            <a:extLst>
+              <a:ext uri="{FF2B5EF4-FFF2-40B4-BE49-F238E27FC236}">
+                <a16:creationId xmlns:a16="http://schemas.microsoft.com/office/drawing/2014/main" id="{7B74C971-B67B-40CA-89E0-FE393654BA1A}"/>
+              </a:ext>
+            </a:extLst>
+          </p:cNvPr>
+          <p:cNvPicPr>
+            <a:picLocks noChangeAspect="1"/>
+          </p:cNvPicPr>
+          <p:nvPr/>
+        </p:nvPicPr>
+        <p:blipFill>
+          <a:blip r:embed="rId3"/>
+          <a:stretch>
+            <a:fillRect/>
+          </a:stretch>
+        </p:blipFill>
+        <p:spPr>
+          <a:xfrm>
+            <a:off x="9584746" y="3918525"/>
+            <a:ext cx="2348645" cy="2364461"/>
+          </a:xfrm>
+          <a:prstGeom prst="rect">
+            <a:avLst/>
+          </a:prstGeom>
+        </p:spPr>
+      </p:pic>
+      <p:pic>
+        <p:nvPicPr>
+          <p:cNvPr id="5" name="Image 4">
+            <a:extLst>
+              <a:ext uri="{FF2B5EF4-FFF2-40B4-BE49-F238E27FC236}">
+                <a16:creationId xmlns:a16="http://schemas.microsoft.com/office/drawing/2014/main" id="{8B6A95F4-CB6C-4A26-AB25-5E6278E0AB6A}"/>
+              </a:ext>
+            </a:extLst>
+          </p:cNvPr>
+          <p:cNvPicPr>
+            <a:picLocks noChangeAspect="1"/>
+          </p:cNvPicPr>
+          <p:nvPr/>
+        </p:nvPicPr>
+        <p:blipFill>
+          <a:blip r:embed="rId3"/>
+          <a:stretch>
+            <a:fillRect/>
+          </a:stretch>
+        </p:blipFill>
+        <p:spPr>
+          <a:xfrm>
+            <a:off x="128954" y="199291"/>
+            <a:ext cx="2879848" cy="2899241"/>
+          </a:xfrm>
+          <a:prstGeom prst="rect">
+            <a:avLst/>
+          </a:prstGeom>
+        </p:spPr>
+      </p:pic>
+      <p:sp>
+        <p:nvSpPr>
+          <p:cNvPr id="2" name="Titre 1">
+            <a:extLst>
+              <a:ext uri="{FF2B5EF4-FFF2-40B4-BE49-F238E27FC236}">
+                <a16:creationId xmlns:a16="http://schemas.microsoft.com/office/drawing/2014/main" id="{B22C7BE7-F706-4089-BCA5-AF4C275C322E}"/>
+              </a:ext>
+            </a:extLst>
+          </p:cNvPr>
+          <p:cNvSpPr>
+            <a:spLocks noGrp="1"/>
+          </p:cNvSpPr>
+          <p:nvPr>
+            <p:ph type="title"/>
+          </p:nvPr>
+        </p:nvSpPr>
+        <p:spPr/>
+        <p:txBody>
+          <a:bodyPr/>
+          <a:lstStyle/>
+          <a:p>
+            <a:pPr algn="ctr"/>
+            <a:r>
+              <a:rPr lang="fr-FR" sz="4000" dirty="0">
+                <a:latin typeface="Arial Rounded MT Bold" panose="020F0704030504030204" pitchFamily="34" charset="0"/>
+              </a:rPr>
+              <a:t>Tableau de criticité</a:t>
+            </a:r>
+            <a:endParaRPr lang="fr-RE" sz="4000" dirty="0">
+              <a:latin typeface="Arial Rounded MT Bold" panose="020F0704030504030204" pitchFamily="34" charset="0"/>
+            </a:endParaRPr>
+          </a:p>
+        </p:txBody>
+      </p:sp>
+      <p:sp>
+        <p:nvSpPr>
+          <p:cNvPr id="4" name="Espace réservé du numéro de diapositive 3">
+            <a:extLst>
+              <a:ext uri="{FF2B5EF4-FFF2-40B4-BE49-F238E27FC236}">
+                <a16:creationId xmlns:a16="http://schemas.microsoft.com/office/drawing/2014/main" id="{6828EA4A-30ED-4BE2-BB9E-FF832223FF7B}"/>
+              </a:ext>
+            </a:extLst>
+          </p:cNvPr>
+          <p:cNvSpPr>
+            <a:spLocks noGrp="1"/>
+          </p:cNvSpPr>
+          <p:nvPr>
+            <p:ph type="sldNum" sz="quarter" idx="12"/>
+          </p:nvPr>
+        </p:nvSpPr>
+        <p:spPr/>
+        <p:txBody>
+          <a:bodyPr/>
+          <a:lstStyle/>
+          <a:p>
+            <a:fld id="{8A7A6979-0714-4377-B894-6BE4C2D6E202}" type="slidenum">
+              <a:rPr lang="en-US" sz="1600" b="1" smtClean="0"/>
+              <a:pPr/>
+              <a:t>10</a:t>
+            </a:fld>
+            <a:r>
+              <a:rPr lang="en-US" sz="1600" b="1" dirty="0"/>
+              <a:t> / 13</a:t>
+            </a:r>
+          </a:p>
+        </p:txBody>
+      </p:sp>
+      <p:graphicFrame>
+        <p:nvGraphicFramePr>
+          <p:cNvPr id="7" name="Tableau 7">
+            <a:extLst>
+              <a:ext uri="{FF2B5EF4-FFF2-40B4-BE49-F238E27FC236}">
+                <a16:creationId xmlns:a16="http://schemas.microsoft.com/office/drawing/2014/main" id="{37CA7585-8481-4752-9A76-5D194DE86CB4}"/>
+              </a:ext>
+            </a:extLst>
+          </p:cNvPr>
+          <p:cNvGraphicFramePr>
+            <a:graphicFrameLocks noGrp="1"/>
+          </p:cNvGraphicFramePr>
+          <p:nvPr>
+            <p:extLst>
+              <p:ext uri="{D42A27DB-BD31-4B8C-83A1-F6EECF244321}">
+                <p14:modId xmlns:p14="http://schemas.microsoft.com/office/powerpoint/2010/main" val="1489604374"/>
+              </p:ext>
+            </p:extLst>
+          </p:nvPr>
+        </p:nvGraphicFramePr>
+        <p:xfrm>
+          <a:off x="838200" y="2609622"/>
+          <a:ext cx="10515600" cy="2655314"/>
+        </p:xfrm>
+        <a:graphic>
+          <a:graphicData uri="http://schemas.openxmlformats.org/drawingml/2006/table">
+            <a:tbl>
+              <a:tblPr firstRow="1" bandRow="1">
+                <a:effectLst>
+                  <a:outerShdw blurRad="50800" dist="38100" dir="8100000" algn="tr" rotWithShape="0">
+                    <a:prstClr val="black">
+                      <a:alpha val="40000"/>
+                    </a:prstClr>
+                  </a:outerShdw>
+                </a:effectLst>
+                <a:tableStyleId>{5202B0CA-FC54-4496-8BCA-5EF66A818D29}</a:tableStyleId>
+              </a:tblPr>
+              <a:tblGrid>
+                <a:gridCol w="3874477">
+                  <a:extLst>
+                    <a:ext uri="{9D8B030D-6E8A-4147-A177-3AD203B41FA5}">
+                      <a16:colId xmlns:a16="http://schemas.microsoft.com/office/drawing/2014/main" val="51031025"/>
+                    </a:ext>
+                  </a:extLst>
+                </a:gridCol>
+                <a:gridCol w="3446585">
+                  <a:extLst>
+                    <a:ext uri="{9D8B030D-6E8A-4147-A177-3AD203B41FA5}">
+                      <a16:colId xmlns:a16="http://schemas.microsoft.com/office/drawing/2014/main" val="1810796728"/>
+                    </a:ext>
+                  </a:extLst>
+                </a:gridCol>
+                <a:gridCol w="3194538">
+                  <a:extLst>
+                    <a:ext uri="{9D8B030D-6E8A-4147-A177-3AD203B41FA5}">
+                      <a16:colId xmlns:a16="http://schemas.microsoft.com/office/drawing/2014/main" val="3894105331"/>
+                    </a:ext>
+                  </a:extLst>
+                </a:gridCol>
+              </a:tblGrid>
+              <a:tr h="601698">
+                <a:tc>
+                  <a:txBody>
+                    <a:bodyPr/>
+                    <a:lstStyle/>
+                    <a:p>
+                      <a:pPr algn="ctr"/>
+                      <a:r>
+                        <a:rPr lang="fr-FR" sz="2000" dirty="0"/>
+                        <a:t>Vulnérabilités</a:t>
+                      </a:r>
+                    </a:p>
+                  </a:txBody>
+                  <a:tcPr anchor="ctr"/>
+                </a:tc>
+                <a:tc>
+                  <a:txBody>
+                    <a:bodyPr/>
+                    <a:lstStyle/>
+                    <a:p>
+                      <a:pPr algn="ctr"/>
+                      <a:r>
+                        <a:rPr lang="fr-FR" sz="2000" dirty="0"/>
+                        <a:t>Probabilités</a:t>
+                      </a:r>
+                    </a:p>
+                  </a:txBody>
+                  <a:tcPr anchor="ctr"/>
+                </a:tc>
+                <a:tc>
+                  <a:txBody>
+                    <a:bodyPr/>
+                    <a:lstStyle/>
+                    <a:p>
+                      <a:pPr algn="ctr"/>
+                      <a:r>
+                        <a:rPr lang="fr-FR" sz="2000" dirty="0"/>
+                        <a:t>Risques</a:t>
+                      </a:r>
+                    </a:p>
+                  </a:txBody>
+                  <a:tcPr anchor="ctr"/>
+                </a:tc>
+                <a:extLst>
+                  <a:ext uri="{0D108BD9-81ED-4DB2-BD59-A6C34878D82A}">
+                    <a16:rowId xmlns:a16="http://schemas.microsoft.com/office/drawing/2014/main" val="3186800991"/>
+                  </a:ext>
+                </a:extLst>
+              </a:tr>
+              <a:tr h="601698">
+                <a:tc>
+                  <a:txBody>
+                    <a:bodyPr/>
+                    <a:lstStyle/>
+                    <a:p>
+                      <a:r>
+                        <a:rPr lang="fr-FR" dirty="0"/>
+                        <a:t>Brute force : Mot de passe faible</a:t>
+                      </a:r>
+                    </a:p>
+                  </a:txBody>
+                  <a:tcPr anchor="ctr"/>
+                </a:tc>
+                <a:tc>
+                  <a:txBody>
+                    <a:bodyPr/>
+                    <a:lstStyle/>
+                    <a:p>
+                      <a:r>
+                        <a:rPr lang="fr-FR" dirty="0"/>
+                        <a:t>MOYEN –</a:t>
+                      </a:r>
+                    </a:p>
+                    <a:p>
+                      <a:r>
+                        <a:rPr lang="fr-FR" dirty="0"/>
+                        <a:t>Corruption d’un compte utilisateur</a:t>
+                      </a:r>
+                    </a:p>
+                  </a:txBody>
+                  <a:tcPr anchor="ctr"/>
+                </a:tc>
+                <a:tc>
+                  <a:txBody>
+                    <a:bodyPr/>
+                    <a:lstStyle/>
+                    <a:p>
+                      <a:r>
+                        <a:rPr lang="fr-FR" dirty="0"/>
+                        <a:t>MOYEN –</a:t>
+                      </a:r>
+                    </a:p>
+                    <a:p>
+                      <a:r>
+                        <a:rPr lang="fr-FR" dirty="0"/>
+                        <a:t>Corruption du système</a:t>
+                      </a:r>
+                    </a:p>
+                  </a:txBody>
+                  <a:tcPr anchor="ctr"/>
+                </a:tc>
+                <a:extLst>
+                  <a:ext uri="{0D108BD9-81ED-4DB2-BD59-A6C34878D82A}">
+                    <a16:rowId xmlns:a16="http://schemas.microsoft.com/office/drawing/2014/main" val="1552978034"/>
+                  </a:ext>
+                </a:extLst>
+              </a:tr>
+              <a:tr h="686301">
+                <a:tc>
+                  <a:txBody>
+                    <a:bodyPr/>
+                    <a:lstStyle/>
+                    <a:p>
+                      <a:pPr marL="0" marR="0" lvl="0" indent="0" algn="l" defTabSz="914400" rtl="0" eaLnBrk="1" fontAlgn="auto" latinLnBrk="0" hangingPunct="1">
+                        <a:lnSpc>
+                          <a:spcPct val="100000"/>
+                        </a:lnSpc>
+                        <a:spcBef>
+                          <a:spcPts val="0"/>
+                        </a:spcBef>
+                        <a:spcAft>
+                          <a:spcPts val="0"/>
+                        </a:spcAft>
+                        <a:buClrTx/>
+                        <a:buSzTx/>
+                        <a:buFontTx/>
+                        <a:buNone/>
+                        <a:tabLst/>
+                        <a:defRPr/>
+                      </a:pPr>
+                      <a:r>
+                        <a:rPr lang="fr-FR" sz="1800" kern="1200" dirty="0">
+                          <a:solidFill>
+                            <a:schemeClr val="dk1"/>
+                          </a:solidFill>
+                          <a:latin typeface="+mn-lt"/>
+                          <a:ea typeface="+mn-ea"/>
+                          <a:cs typeface="+mn-cs"/>
+                        </a:rPr>
+                        <a:t>Social engineering</a:t>
+                      </a:r>
+                    </a:p>
+                  </a:txBody>
+                  <a:tcPr anchor="ctr"/>
+                </a:tc>
+                <a:tc>
+                  <a:txBody>
+                    <a:bodyPr/>
+                    <a:lstStyle/>
+                    <a:p>
+                      <a:r>
+                        <a:rPr lang="fr-FR" dirty="0"/>
+                        <a:t>FORT – </a:t>
+                      </a:r>
+                    </a:p>
+                    <a:p>
+                      <a:r>
+                        <a:rPr lang="fr-FR" dirty="0"/>
+                        <a:t>Avoir des accès avec des privilèges</a:t>
+                      </a:r>
+                    </a:p>
+                  </a:txBody>
+                  <a:tcPr anchor="ctr"/>
+                </a:tc>
+                <a:tc>
+                  <a:txBody>
+                    <a:bodyPr/>
+                    <a:lstStyle/>
+                    <a:p>
+                      <a:r>
+                        <a:rPr lang="fr-FR" dirty="0"/>
+                        <a:t>FORT –</a:t>
+                      </a:r>
+                    </a:p>
+                    <a:p>
+                      <a:r>
+                        <a:rPr lang="fr-FR" dirty="0"/>
+                        <a:t>Corruption du système</a:t>
+                      </a:r>
+                    </a:p>
+                  </a:txBody>
+                  <a:tcPr anchor="ctr"/>
+                </a:tc>
+                <a:extLst>
+                  <a:ext uri="{0D108BD9-81ED-4DB2-BD59-A6C34878D82A}">
+                    <a16:rowId xmlns:a16="http://schemas.microsoft.com/office/drawing/2014/main" val="2658080140"/>
+                  </a:ext>
+                </a:extLst>
+              </a:tr>
+              <a:tr h="727235">
+                <a:tc>
+                  <a:txBody>
+                    <a:bodyPr/>
+                    <a:lstStyle/>
+                    <a:p>
+                      <a:pPr marL="0" marR="0" lvl="0" indent="0" algn="l" defTabSz="914400" rtl="0" eaLnBrk="1" fontAlgn="auto" latinLnBrk="0" hangingPunct="1">
+                        <a:lnSpc>
+                          <a:spcPct val="100000"/>
+                        </a:lnSpc>
+                        <a:spcBef>
+                          <a:spcPts val="0"/>
+                        </a:spcBef>
+                        <a:spcAft>
+                          <a:spcPts val="0"/>
+                        </a:spcAft>
+                        <a:buClrTx/>
+                        <a:buSzTx/>
+                        <a:buFontTx/>
+                        <a:buNone/>
+                        <a:tabLst/>
+                        <a:defRPr/>
+                      </a:pPr>
+                      <a:r>
+                        <a:rPr lang="fr-FR" dirty="0"/>
+                        <a:t>Téléversement exécutable malveillant</a:t>
+                      </a:r>
+                    </a:p>
+                  </a:txBody>
+                  <a:tcPr anchor="ctr"/>
+                </a:tc>
+                <a:tc>
+                  <a:txBody>
+                    <a:bodyPr/>
+                    <a:lstStyle/>
+                    <a:p>
+                      <a:r>
+                        <a:rPr lang="fr-FR" dirty="0"/>
+                        <a:t>FORT – </a:t>
+                      </a:r>
+                    </a:p>
+                    <a:p>
+                      <a:r>
+                        <a:rPr lang="fr-FR" dirty="0"/>
+                        <a:t>Prise en main à distance</a:t>
+                      </a:r>
+                    </a:p>
+                  </a:txBody>
+                  <a:tcPr anchor="ctr"/>
+                </a:tc>
+                <a:tc>
+                  <a:txBody>
+                    <a:bodyPr/>
+                    <a:lstStyle/>
+                    <a:p>
+                      <a:r>
+                        <a:rPr lang="fr-FR" dirty="0"/>
+                        <a:t>FORT – </a:t>
+                      </a:r>
+                    </a:p>
+                    <a:p>
+                      <a:r>
+                        <a:rPr lang="fr-FR" dirty="0"/>
+                        <a:t>Corruption du système</a:t>
+                      </a:r>
+                    </a:p>
+                  </a:txBody>
+                  <a:tcPr anchor="ctr"/>
+                </a:tc>
+                <a:extLst>
+                  <a:ext uri="{0D108BD9-81ED-4DB2-BD59-A6C34878D82A}">
+                    <a16:rowId xmlns:a16="http://schemas.microsoft.com/office/drawing/2014/main" val="3087736752"/>
+                  </a:ext>
+                </a:extLst>
+              </a:tr>
+            </a:tbl>
+          </a:graphicData>
+        </a:graphic>
+      </p:graphicFrame>
+    </p:spTree>
+    <p:extLst>
+      <p:ext uri="{BB962C8B-B14F-4D97-AF65-F5344CB8AC3E}">
+        <p14:creationId xmlns:p14="http://schemas.microsoft.com/office/powerpoint/2010/main" val="2473602516"/>
+      </p:ext>
+    </p:extLst>
+  </p:cSld>
+  <p:clrMapOvr>
+    <a:masterClrMapping/>
+  </p:clrMapOvr>
+</p:sld>
+</file>
+
+<file path=ppt/slides/slide11.xml><?xml version="1.0" encoding="utf-8"?>
+<p:sld xmlns:a="http://schemas.openxmlformats.org/drawingml/2006/main" xmlns:r="http://schemas.openxmlformats.org/officeDocument/2006/relationships" xmlns:p="http://schemas.openxmlformats.org/presentationml/2006/main">
+  <p:cSld>
+    <p:spTree>
+      <p:nvGrpSpPr>
+        <p:cNvPr id="1" name=""/>
+        <p:cNvGrpSpPr/>
+        <p:nvPr/>
+      </p:nvGrpSpPr>
+      <p:grpSpPr>
+        <a:xfrm>
+          <a:off x="0" y="0"/>
+          <a:ext cx="0" cy="0"/>
+          <a:chOff x="0" y="0"/>
+          <a:chExt cx="0" cy="0"/>
+        </a:xfrm>
+      </p:grpSpPr>
+      <p:sp>
+        <p:nvSpPr>
+          <p:cNvPr id="2" name="Titre 1">
+            <a:extLst>
+              <a:ext uri="{FF2B5EF4-FFF2-40B4-BE49-F238E27FC236}">
+                <a16:creationId xmlns:a16="http://schemas.microsoft.com/office/drawing/2014/main" id="{E7AE68B5-76A2-4C7E-8E39-968F614FD602}"/>
+              </a:ext>
+            </a:extLst>
+          </p:cNvPr>
+          <p:cNvSpPr>
+            <a:spLocks noGrp="1"/>
+          </p:cNvSpPr>
+          <p:nvPr>
+            <p:ph type="title"/>
+          </p:nvPr>
+        </p:nvSpPr>
+        <p:spPr/>
+        <p:txBody>
+          <a:bodyPr/>
+          <a:lstStyle/>
+          <a:p>
+            <a:pPr algn="ctr"/>
+            <a:r>
+              <a:rPr lang="fr-FR" dirty="0">
+                <a:latin typeface="Arial Rounded MT Bold" panose="020F0704030504030204" pitchFamily="34" charset="0"/>
+              </a:rPr>
+              <a:t>Sujet de veille</a:t>
+            </a:r>
+            <a:endParaRPr lang="fr-FR" dirty="0"/>
+          </a:p>
+        </p:txBody>
+      </p:sp>
+      <p:sp>
+        <p:nvSpPr>
+          <p:cNvPr id="4" name="Espace réservé du numéro de diapositive 3">
+            <a:extLst>
+              <a:ext uri="{FF2B5EF4-FFF2-40B4-BE49-F238E27FC236}">
+                <a16:creationId xmlns:a16="http://schemas.microsoft.com/office/drawing/2014/main" id="{9573D945-7E0F-4265-B283-78F4C9D7B4E3}"/>
+              </a:ext>
+            </a:extLst>
+          </p:cNvPr>
+          <p:cNvSpPr>
+            <a:spLocks noGrp="1"/>
+          </p:cNvSpPr>
+          <p:nvPr>
+            <p:ph type="sldNum" sz="quarter" idx="12"/>
+          </p:nvPr>
+        </p:nvSpPr>
+        <p:spPr/>
+        <p:txBody>
+          <a:bodyPr/>
+          <a:lstStyle/>
+          <a:p>
+            <a:fld id="{8A7A6979-0714-4377-B894-6BE4C2D6E202}" type="slidenum">
+              <a:rPr lang="en-US" sz="1600" b="1" smtClean="0"/>
+              <a:pPr/>
+              <a:t>11</a:t>
+            </a:fld>
+            <a:r>
+              <a:rPr lang="en-US" sz="1600" b="1" dirty="0"/>
+              <a:t> / 13</a:t>
+            </a:r>
+          </a:p>
+        </p:txBody>
+      </p:sp>
+      <p:pic>
+        <p:nvPicPr>
+          <p:cNvPr id="7" name="Image 6">
+            <a:extLst>
+              <a:ext uri="{FF2B5EF4-FFF2-40B4-BE49-F238E27FC236}">
+                <a16:creationId xmlns:a16="http://schemas.microsoft.com/office/drawing/2014/main" id="{98820620-191A-447D-8D6D-BF6433B44B24}"/>
+              </a:ext>
+            </a:extLst>
+          </p:cNvPr>
+          <p:cNvPicPr>
+            <a:picLocks noChangeAspect="1"/>
+          </p:cNvPicPr>
+          <p:nvPr/>
+        </p:nvPicPr>
+        <p:blipFill>
+          <a:blip r:embed="rId3"/>
+          <a:stretch>
+            <a:fillRect/>
+          </a:stretch>
+        </p:blipFill>
+        <p:spPr>
+          <a:xfrm>
+            <a:off x="128954" y="164122"/>
+            <a:ext cx="2879848" cy="2899241"/>
+          </a:xfrm>
+          <a:prstGeom prst="rect">
+            <a:avLst/>
+          </a:prstGeom>
+        </p:spPr>
+      </p:pic>
+      <p:pic>
+        <p:nvPicPr>
+          <p:cNvPr id="8" name="Image 7">
+            <a:extLst>
+              <a:ext uri="{FF2B5EF4-FFF2-40B4-BE49-F238E27FC236}">
+                <a16:creationId xmlns:a16="http://schemas.microsoft.com/office/drawing/2014/main" id="{6E85B7BF-2069-4D8B-8015-A8E22C312D6C}"/>
+              </a:ext>
+            </a:extLst>
+          </p:cNvPr>
+          <p:cNvPicPr>
+            <a:picLocks noChangeAspect="1"/>
+          </p:cNvPicPr>
+          <p:nvPr/>
+        </p:nvPicPr>
+        <p:blipFill>
+          <a:blip r:embed="rId3"/>
+          <a:stretch>
+            <a:fillRect/>
+          </a:stretch>
+        </p:blipFill>
+        <p:spPr>
+          <a:xfrm>
+            <a:off x="9584746" y="3918525"/>
+            <a:ext cx="2348645" cy="2364461"/>
+          </a:xfrm>
+          <a:prstGeom prst="rect">
+            <a:avLst/>
+          </a:prstGeom>
+        </p:spPr>
+      </p:pic>
+      <p:sp>
+        <p:nvSpPr>
+          <p:cNvPr id="6" name="ZoneTexte 5">
+            <a:extLst>
+              <a:ext uri="{FF2B5EF4-FFF2-40B4-BE49-F238E27FC236}">
+                <a16:creationId xmlns:a16="http://schemas.microsoft.com/office/drawing/2014/main" id="{A157DFA3-3848-4BCE-86CA-70692E5C87AD}"/>
+              </a:ext>
+            </a:extLst>
+          </p:cNvPr>
+          <p:cNvSpPr txBox="1"/>
+          <p:nvPr/>
+        </p:nvSpPr>
+        <p:spPr>
+          <a:xfrm>
+            <a:off x="8154557" y="3845161"/>
+            <a:ext cx="2357913" cy="719171"/>
+          </a:xfrm>
+          <a:prstGeom prst="rect">
+            <a:avLst/>
+          </a:prstGeom>
+          <a:solidFill>
+            <a:schemeClr val="bg1"/>
+          </a:solidFill>
+        </p:spPr>
+        <p:txBody>
+          <a:bodyPr wrap="square" rtlCol="0">
+            <a:spAutoFit/>
+          </a:bodyPr>
+          <a:lstStyle/>
+          <a:p>
+            <a:pPr>
+              <a:lnSpc>
+                <a:spcPct val="90000"/>
+              </a:lnSpc>
+              <a:spcBef>
+                <a:spcPts val="1000"/>
+              </a:spcBef>
+            </a:pPr>
+            <a:r>
+              <a:rPr lang="fr-FR" b="1" dirty="0">
+                <a:latin typeface="Arial" panose="020B0604020202020204" pitchFamily="34" charset="0"/>
+                <a:cs typeface="Arial" panose="020B0604020202020204" pitchFamily="34" charset="0"/>
+              </a:rPr>
+              <a:t>CVE-2021-34527 : </a:t>
+            </a:r>
+          </a:p>
+          <a:p>
+            <a:pPr>
+              <a:lnSpc>
+                <a:spcPct val="90000"/>
+              </a:lnSpc>
+              <a:spcBef>
+                <a:spcPts val="1000"/>
+              </a:spcBef>
+            </a:pPr>
+            <a:r>
+              <a:rPr lang="fr-FR" dirty="0" err="1">
+                <a:latin typeface="Arial" panose="020B0604020202020204" pitchFamily="34" charset="0"/>
+                <a:cs typeface="Arial" panose="020B0604020202020204" pitchFamily="34" charset="0"/>
+              </a:rPr>
+              <a:t>Print</a:t>
+            </a:r>
+            <a:r>
+              <a:rPr lang="fr-FR" dirty="0">
+                <a:latin typeface="Arial" panose="020B0604020202020204" pitchFamily="34" charset="0"/>
+                <a:cs typeface="Arial" panose="020B0604020202020204" pitchFamily="34" charset="0"/>
+              </a:rPr>
+              <a:t> </a:t>
+            </a:r>
+            <a:r>
+              <a:rPr lang="fr-FR" dirty="0" err="1">
+                <a:latin typeface="Arial" panose="020B0604020202020204" pitchFamily="34" charset="0"/>
+                <a:cs typeface="Arial" panose="020B0604020202020204" pitchFamily="34" charset="0"/>
+              </a:rPr>
+              <a:t>nightmare</a:t>
+            </a:r>
+            <a:endParaRPr lang="fr-FR" dirty="0">
+              <a:latin typeface="Arial" panose="020B0604020202020204" pitchFamily="34" charset="0"/>
+              <a:cs typeface="Arial" panose="020B0604020202020204" pitchFamily="34" charset="0"/>
+            </a:endParaRPr>
+          </a:p>
+        </p:txBody>
+      </p:sp>
+      <p:pic>
+        <p:nvPicPr>
+          <p:cNvPr id="9" name="Image 8">
+            <a:extLst>
+              <a:ext uri="{FF2B5EF4-FFF2-40B4-BE49-F238E27FC236}">
+                <a16:creationId xmlns:a16="http://schemas.microsoft.com/office/drawing/2014/main" id="{6A259AC2-D12D-4E7D-954A-01AF0645CD35}"/>
+              </a:ext>
+            </a:extLst>
+          </p:cNvPr>
+          <p:cNvPicPr>
+            <a:picLocks noChangeAspect="1"/>
+          </p:cNvPicPr>
+          <p:nvPr/>
+        </p:nvPicPr>
+        <p:blipFill>
+          <a:blip r:embed="rId4"/>
+          <a:stretch>
+            <a:fillRect/>
+          </a:stretch>
+        </p:blipFill>
+        <p:spPr>
+          <a:xfrm>
+            <a:off x="8527925" y="3918525"/>
+            <a:ext cx="3656698" cy="2194019"/>
+          </a:xfrm>
+          <a:prstGeom prst="rect">
+            <a:avLst/>
+          </a:prstGeom>
+        </p:spPr>
+      </p:pic>
+      <p:pic>
+        <p:nvPicPr>
+          <p:cNvPr id="10" name="Image 9">
+            <a:extLst>
+              <a:ext uri="{FF2B5EF4-FFF2-40B4-BE49-F238E27FC236}">
+                <a16:creationId xmlns:a16="http://schemas.microsoft.com/office/drawing/2014/main" id="{8E9F0A79-C092-463F-8100-2243DEE0A328}"/>
+              </a:ext>
+            </a:extLst>
+          </p:cNvPr>
+          <p:cNvPicPr>
+            <a:picLocks noChangeAspect="1"/>
+          </p:cNvPicPr>
+          <p:nvPr/>
+        </p:nvPicPr>
+        <p:blipFill>
+          <a:blip r:embed="rId5"/>
+          <a:stretch>
+            <a:fillRect/>
+          </a:stretch>
+        </p:blipFill>
+        <p:spPr>
+          <a:xfrm>
+            <a:off x="330380" y="2330850"/>
+            <a:ext cx="6934200" cy="3619500"/>
+          </a:xfrm>
+          <a:prstGeom prst="rect">
+            <a:avLst/>
+          </a:prstGeom>
+          <a:ln>
+            <a:noFill/>
+          </a:ln>
+          <a:effectLst>
+            <a:outerShdw blurRad="292100" dist="139700" dir="2700000" algn="tl" rotWithShape="0">
+              <a:srgbClr val="333333">
+                <a:alpha val="65000"/>
+              </a:srgbClr>
+            </a:outerShdw>
+          </a:effectLst>
+        </p:spPr>
+      </p:pic>
+    </p:spTree>
+    <p:extLst>
+      <p:ext uri="{BB962C8B-B14F-4D97-AF65-F5344CB8AC3E}">
+        <p14:creationId xmlns:p14="http://schemas.microsoft.com/office/powerpoint/2010/main" val="3048946655"/>
+      </p:ext>
+    </p:extLst>
+  </p:cSld>
+  <p:clrMapOvr>
+    <a:masterClrMapping/>
+  </p:clrMapOvr>
+</p:sld>
+</file>
+
+<file path=ppt/slides/slide12.xml><?xml version="1.0" encoding="utf-8"?>
+<p:sld xmlns:a="http://schemas.openxmlformats.org/drawingml/2006/main" xmlns:r="http://schemas.openxmlformats.org/officeDocument/2006/relationships" xmlns:p="http://schemas.openxmlformats.org/presentationml/2006/main">
+  <p:cSld>
+    <p:spTree>
+      <p:nvGrpSpPr>
+        <p:cNvPr id="1" name=""/>
+        <p:cNvGrpSpPr/>
+        <p:nvPr/>
+      </p:nvGrpSpPr>
+      <p:grpSpPr>
+        <a:xfrm>
+          <a:off x="0" y="0"/>
+          <a:ext cx="0" cy="0"/>
+          <a:chOff x="0" y="0"/>
+          <a:chExt cx="0" cy="0"/>
+        </a:xfrm>
+      </p:grpSpPr>
+      <p:pic>
+        <p:nvPicPr>
+          <p:cNvPr id="6" name="Image 5">
+            <a:extLst>
+              <a:ext uri="{FF2B5EF4-FFF2-40B4-BE49-F238E27FC236}">
+                <a16:creationId xmlns:a16="http://schemas.microsoft.com/office/drawing/2014/main" id="{7B74C971-B67B-40CA-89E0-FE393654BA1A}"/>
+              </a:ext>
+            </a:extLst>
+          </p:cNvPr>
+          <p:cNvPicPr>
+            <a:picLocks noChangeAspect="1"/>
+          </p:cNvPicPr>
+          <p:nvPr/>
+        </p:nvPicPr>
+        <p:blipFill>
+          <a:blip r:embed="rId3"/>
+          <a:stretch>
+            <a:fillRect/>
+          </a:stretch>
+        </p:blipFill>
+        <p:spPr>
+          <a:xfrm>
+            <a:off x="9584746" y="3918525"/>
+            <a:ext cx="2348645" cy="2364461"/>
+          </a:xfrm>
+          <a:prstGeom prst="rect">
+            <a:avLst/>
+          </a:prstGeom>
+        </p:spPr>
+      </p:pic>
+      <p:pic>
+        <p:nvPicPr>
+          <p:cNvPr id="5" name="Image 4">
+            <a:extLst>
+              <a:ext uri="{FF2B5EF4-FFF2-40B4-BE49-F238E27FC236}">
+                <a16:creationId xmlns:a16="http://schemas.microsoft.com/office/drawing/2014/main" id="{8B6A95F4-CB6C-4A26-AB25-5E6278E0AB6A}"/>
+              </a:ext>
+            </a:extLst>
+          </p:cNvPr>
+          <p:cNvPicPr>
+            <a:picLocks noChangeAspect="1"/>
+          </p:cNvPicPr>
+          <p:nvPr/>
+        </p:nvPicPr>
+        <p:blipFill>
+          <a:blip r:embed="rId3"/>
+          <a:stretch>
+            <a:fillRect/>
+          </a:stretch>
+        </p:blipFill>
+        <p:spPr>
+          <a:xfrm>
+            <a:off x="128954" y="164122"/>
+            <a:ext cx="2879848" cy="2899241"/>
+          </a:xfrm>
+          <a:prstGeom prst="rect">
+            <a:avLst/>
+          </a:prstGeom>
+        </p:spPr>
+      </p:pic>
+      <p:sp>
+        <p:nvSpPr>
+          <p:cNvPr id="2" name="Titre 1">
+            <a:extLst>
+              <a:ext uri="{FF2B5EF4-FFF2-40B4-BE49-F238E27FC236}">
+                <a16:creationId xmlns:a16="http://schemas.microsoft.com/office/drawing/2014/main" id="{B22C7BE7-F706-4089-BCA5-AF4C275C322E}"/>
+              </a:ext>
+            </a:extLst>
+          </p:cNvPr>
+          <p:cNvSpPr>
+            <a:spLocks noGrp="1"/>
+          </p:cNvSpPr>
+          <p:nvPr>
+            <p:ph type="title"/>
+          </p:nvPr>
+        </p:nvSpPr>
+        <p:spPr/>
+        <p:txBody>
+          <a:bodyPr/>
+          <a:lstStyle/>
+          <a:p>
+            <a:pPr algn="ctr"/>
+            <a:r>
+              <a:rPr lang="fr-FR" sz="4000" dirty="0">
+                <a:latin typeface="Arial Rounded MT Bold" panose="020F0704030504030204" pitchFamily="34" charset="0"/>
+              </a:rPr>
+              <a:t>Référentiel</a:t>
+            </a:r>
+            <a:endParaRPr lang="fr-RE" sz="4000" dirty="0">
+              <a:latin typeface="Arial Rounded MT Bold" panose="020F0704030504030204" pitchFamily="34" charset="0"/>
+            </a:endParaRPr>
+          </a:p>
+        </p:txBody>
+      </p:sp>
+      <p:sp>
+        <p:nvSpPr>
+          <p:cNvPr id="4" name="Espace réservé du numéro de diapositive 3">
+            <a:extLst>
+              <a:ext uri="{FF2B5EF4-FFF2-40B4-BE49-F238E27FC236}">
+                <a16:creationId xmlns:a16="http://schemas.microsoft.com/office/drawing/2014/main" id="{6828EA4A-30ED-4BE2-BB9E-FF832223FF7B}"/>
+              </a:ext>
+            </a:extLst>
+          </p:cNvPr>
+          <p:cNvSpPr>
+            <a:spLocks noGrp="1"/>
+          </p:cNvSpPr>
+          <p:nvPr>
+            <p:ph type="sldNum" sz="quarter" idx="12"/>
+          </p:nvPr>
+        </p:nvSpPr>
+        <p:spPr/>
+        <p:txBody>
+          <a:bodyPr/>
+          <a:lstStyle/>
+          <a:p>
+            <a:r>
+              <a:rPr lang="en-US" sz="1600" b="1" dirty="0"/>
+              <a:t> </a:t>
+            </a:r>
+            <a:fld id="{8A7A6979-0714-4377-B894-6BE4C2D6E202}" type="slidenum">
+              <a:rPr lang="en-US" sz="1600" b="1" smtClean="0"/>
+              <a:pPr/>
+              <a:t>12</a:t>
+            </a:fld>
+            <a:r>
+              <a:rPr lang="en-US" sz="1600" b="1" dirty="0"/>
+              <a:t> / 13</a:t>
+            </a:r>
+          </a:p>
+        </p:txBody>
+      </p:sp>
+      <p:sp>
+        <p:nvSpPr>
+          <p:cNvPr id="9" name="ZoneTexte 8">
+            <a:extLst>
+              <a:ext uri="{FF2B5EF4-FFF2-40B4-BE49-F238E27FC236}">
+                <a16:creationId xmlns:a16="http://schemas.microsoft.com/office/drawing/2014/main" id="{02D0E547-0031-47B9-82B5-428BDBB4E668}"/>
+              </a:ext>
+            </a:extLst>
+          </p:cNvPr>
+          <p:cNvSpPr txBox="1"/>
+          <p:nvPr/>
+        </p:nvSpPr>
+        <p:spPr>
+          <a:xfrm>
+            <a:off x="1676398" y="1906285"/>
+            <a:ext cx="8604739" cy="646331"/>
+          </a:xfrm>
+          <a:prstGeom prst="rect">
+            <a:avLst/>
+          </a:prstGeom>
+          <a:solidFill>
+            <a:schemeClr val="bg1"/>
+          </a:solidFill>
+        </p:spPr>
+        <p:txBody>
+          <a:bodyPr wrap="square">
+            <a:spAutoFit/>
+          </a:bodyPr>
+          <a:lstStyle/>
+          <a:p>
+            <a:pPr algn="just"/>
+            <a:r>
+              <a:rPr lang="fr-FR" dirty="0">
+                <a:latin typeface="Arial" panose="020B0604020202020204" pitchFamily="34" charset="0"/>
+                <a:cs typeface="Arial" panose="020B0604020202020204" pitchFamily="34" charset="0"/>
+              </a:rPr>
+              <a:t>Analyser l’architecture d’un système d'information et des protocoles de sécurité du commanditaire afin d'évaluer les risques de sécurité.</a:t>
+            </a:r>
+          </a:p>
+        </p:txBody>
+      </p:sp>
+      <p:sp>
+        <p:nvSpPr>
+          <p:cNvPr id="12" name="ZoneTexte 11">
+            <a:extLst>
+              <a:ext uri="{FF2B5EF4-FFF2-40B4-BE49-F238E27FC236}">
+                <a16:creationId xmlns:a16="http://schemas.microsoft.com/office/drawing/2014/main" id="{80FC3845-806E-4D8E-8739-EFB1F2B2503E}"/>
+              </a:ext>
+            </a:extLst>
+          </p:cNvPr>
+          <p:cNvSpPr txBox="1"/>
+          <p:nvPr/>
+        </p:nvSpPr>
+        <p:spPr>
+          <a:xfrm>
+            <a:off x="1688125" y="2728723"/>
+            <a:ext cx="6096000" cy="369332"/>
+          </a:xfrm>
+          <a:prstGeom prst="rect">
+            <a:avLst/>
+          </a:prstGeom>
+          <a:solidFill>
+            <a:schemeClr val="bg1"/>
+          </a:solidFill>
+          <a:ln>
+            <a:solidFill>
+              <a:schemeClr val="bg1"/>
+            </a:solidFill>
+          </a:ln>
+        </p:spPr>
+        <p:txBody>
+          <a:bodyPr wrap="square">
+            <a:spAutoFit/>
+          </a:bodyPr>
+          <a:lstStyle/>
+          <a:p>
+            <a:r>
+              <a:rPr lang="fr-FR" dirty="0">
+                <a:latin typeface="Arial" panose="020B0604020202020204" pitchFamily="34" charset="0"/>
+                <a:cs typeface="Arial" panose="020B0604020202020204" pitchFamily="34" charset="0"/>
+              </a:rPr>
+              <a:t>Elaborer une stratégie de collecte d'évènement.</a:t>
+            </a:r>
+          </a:p>
+        </p:txBody>
+      </p:sp>
+      <p:sp>
+        <p:nvSpPr>
+          <p:cNvPr id="14" name="ZoneTexte 13">
+            <a:extLst>
+              <a:ext uri="{FF2B5EF4-FFF2-40B4-BE49-F238E27FC236}">
+                <a16:creationId xmlns:a16="http://schemas.microsoft.com/office/drawing/2014/main" id="{3AE93127-BDD8-4C8A-9AEA-2EA49CB9EA83}"/>
+              </a:ext>
+            </a:extLst>
+          </p:cNvPr>
+          <p:cNvSpPr txBox="1"/>
+          <p:nvPr/>
+        </p:nvSpPr>
+        <p:spPr>
+          <a:xfrm>
+            <a:off x="1705710" y="3307363"/>
+            <a:ext cx="8780581" cy="646331"/>
+          </a:xfrm>
+          <a:prstGeom prst="rect">
+            <a:avLst/>
+          </a:prstGeom>
+          <a:solidFill>
+            <a:schemeClr val="bg1"/>
+          </a:solidFill>
+        </p:spPr>
+        <p:txBody>
+          <a:bodyPr wrap="square">
+            <a:spAutoFit/>
+          </a:bodyPr>
+          <a:lstStyle/>
+          <a:p>
+            <a:r>
+              <a:rPr lang="fr-FR" dirty="0">
+                <a:latin typeface="Arial" panose="020B0604020202020204" pitchFamily="34" charset="0"/>
+                <a:cs typeface="Arial" panose="020B0604020202020204" pitchFamily="34" charset="0"/>
+              </a:rPr>
+              <a:t>Analyser les événements collectés afin de détecter des incidents de sécurité à partir des règles préalablement définies</a:t>
+            </a:r>
+            <a:r>
+              <a:rPr lang="fr-FR" dirty="0"/>
+              <a:t>.</a:t>
+            </a:r>
+          </a:p>
+        </p:txBody>
+      </p:sp>
+      <p:sp>
+        <p:nvSpPr>
+          <p:cNvPr id="15" name="ZoneTexte 14">
+            <a:extLst>
+              <a:ext uri="{FF2B5EF4-FFF2-40B4-BE49-F238E27FC236}">
+                <a16:creationId xmlns:a16="http://schemas.microsoft.com/office/drawing/2014/main" id="{5A910A42-3DFE-482B-B9CA-6F3AFB991494}"/>
+              </a:ext>
+            </a:extLst>
+          </p:cNvPr>
+          <p:cNvSpPr txBox="1"/>
+          <p:nvPr/>
+        </p:nvSpPr>
+        <p:spPr>
+          <a:xfrm>
+            <a:off x="1688125" y="4174725"/>
+            <a:ext cx="8593012" cy="646331"/>
+          </a:xfrm>
+          <a:prstGeom prst="rect">
+            <a:avLst/>
+          </a:prstGeom>
+          <a:solidFill>
+            <a:schemeClr val="bg1"/>
+          </a:solidFill>
+        </p:spPr>
+        <p:txBody>
+          <a:bodyPr wrap="square">
+            <a:spAutoFit/>
+          </a:bodyPr>
+          <a:lstStyle/>
+          <a:p>
+            <a:r>
+              <a:rPr lang="fr-FR" dirty="0">
+                <a:latin typeface="Arial" panose="020B0604020202020204" pitchFamily="34" charset="0"/>
+                <a:cs typeface="Arial" panose="020B0604020202020204" pitchFamily="34" charset="0"/>
+              </a:rPr>
+              <a:t>Qualifier un incident de sécurité détecté sur la base d’une analyse des impacts sur l'organisation de manière à apporter une réponse adaptée.</a:t>
+            </a:r>
+          </a:p>
+        </p:txBody>
+      </p:sp>
+      <p:sp>
+        <p:nvSpPr>
+          <p:cNvPr id="17" name="ZoneTexte 16">
+            <a:extLst>
+              <a:ext uri="{FF2B5EF4-FFF2-40B4-BE49-F238E27FC236}">
+                <a16:creationId xmlns:a16="http://schemas.microsoft.com/office/drawing/2014/main" id="{E2A66B0B-236C-4ACB-BB21-09BA0C170E61}"/>
+              </a:ext>
+            </a:extLst>
+          </p:cNvPr>
+          <p:cNvSpPr txBox="1"/>
+          <p:nvPr/>
+        </p:nvSpPr>
+        <p:spPr>
+          <a:xfrm>
+            <a:off x="1705709" y="5047879"/>
+            <a:ext cx="8780582" cy="646331"/>
+          </a:xfrm>
+          <a:prstGeom prst="rect">
+            <a:avLst/>
+          </a:prstGeom>
+          <a:solidFill>
+            <a:schemeClr val="bg1"/>
+          </a:solidFill>
+          <a:ln>
+            <a:solidFill>
+              <a:schemeClr val="bg1"/>
+            </a:solidFill>
+          </a:ln>
+        </p:spPr>
+        <p:txBody>
+          <a:bodyPr wrap="square">
+            <a:spAutoFit/>
+          </a:bodyPr>
+          <a:lstStyle/>
+          <a:p>
+            <a:r>
+              <a:rPr lang="fr-FR" dirty="0">
+                <a:latin typeface="Arial" panose="020B0604020202020204" pitchFamily="34" charset="0"/>
+                <a:cs typeface="Arial" panose="020B0604020202020204" pitchFamily="34" charset="0"/>
+              </a:rPr>
+              <a:t>Identifier les tactiques et techniques d’attaques ainsi que les objectifs de l'attaquant de manière à proposer des préconisations adaptées au mode opératoire utilisé.</a:t>
+            </a:r>
+          </a:p>
+        </p:txBody>
+      </p:sp>
+      <p:sp>
+        <p:nvSpPr>
+          <p:cNvPr id="19" name="ZoneTexte 18">
+            <a:extLst>
+              <a:ext uri="{FF2B5EF4-FFF2-40B4-BE49-F238E27FC236}">
+                <a16:creationId xmlns:a16="http://schemas.microsoft.com/office/drawing/2014/main" id="{9EACBEEF-8ABF-43FC-B304-6E03D87A6959}"/>
+              </a:ext>
+            </a:extLst>
+          </p:cNvPr>
+          <p:cNvSpPr txBox="1"/>
+          <p:nvPr/>
+        </p:nvSpPr>
+        <p:spPr>
+          <a:xfrm>
+            <a:off x="1688125" y="5891358"/>
+            <a:ext cx="8593012" cy="369332"/>
+          </a:xfrm>
+          <a:prstGeom prst="rect">
+            <a:avLst/>
+          </a:prstGeom>
+          <a:solidFill>
+            <a:schemeClr val="bg1"/>
+          </a:solidFill>
+        </p:spPr>
+        <p:txBody>
+          <a:bodyPr wrap="square">
+            <a:spAutoFit/>
+          </a:bodyPr>
+          <a:lstStyle/>
+          <a:p>
+            <a:r>
+              <a:rPr lang="fr-FR" dirty="0">
+                <a:latin typeface="Arial" panose="020B0604020202020204" pitchFamily="34" charset="0"/>
+                <a:cs typeface="Arial" panose="020B0604020202020204" pitchFamily="34" charset="0"/>
+              </a:rPr>
+              <a:t>Concevoir un système de veille technologique afin d'améliorer la sécurité du SI.</a:t>
+            </a:r>
+          </a:p>
+        </p:txBody>
+      </p:sp>
+    </p:spTree>
+    <p:extLst>
+      <p:ext uri="{BB962C8B-B14F-4D97-AF65-F5344CB8AC3E}">
+        <p14:creationId xmlns:p14="http://schemas.microsoft.com/office/powerpoint/2010/main" val="2260241738"/>
+      </p:ext>
+    </p:extLst>
+  </p:cSld>
+  <p:clrMapOvr>
+    <a:masterClrMapping/>
+  </p:clrMapOvr>
+</p:sld>
+</file>
+
+<file path=ppt/slides/slide13.xml><?xml version="1.0" encoding="utf-8"?>
+<p:sld xmlns:a="http://schemas.openxmlformats.org/drawingml/2006/main" xmlns:r="http://schemas.openxmlformats.org/officeDocument/2006/relationships" xmlns:p="http://schemas.openxmlformats.org/presentationml/2006/main">
+  <p:cSld>
+    <p:spTree>
+      <p:nvGrpSpPr>
+        <p:cNvPr id="1" name=""/>
+        <p:cNvGrpSpPr/>
+        <p:nvPr/>
+      </p:nvGrpSpPr>
+      <p:grpSpPr>
+        <a:xfrm>
+          <a:off x="0" y="0"/>
+          <a:ext cx="0" cy="0"/>
+          <a:chOff x="0" y="0"/>
+          <a:chExt cx="0" cy="0"/>
+        </a:xfrm>
+      </p:grpSpPr>
+      <p:pic>
+        <p:nvPicPr>
+          <p:cNvPr id="6" name="Image 5">
+            <a:extLst>
+              <a:ext uri="{FF2B5EF4-FFF2-40B4-BE49-F238E27FC236}">
+                <a16:creationId xmlns:a16="http://schemas.microsoft.com/office/drawing/2014/main" id="{7B74C971-B67B-40CA-89E0-FE393654BA1A}"/>
+              </a:ext>
+            </a:extLst>
+          </p:cNvPr>
+          <p:cNvPicPr>
+            <a:picLocks noChangeAspect="1"/>
+          </p:cNvPicPr>
+          <p:nvPr/>
+        </p:nvPicPr>
+        <p:blipFill>
+          <a:blip r:embed="rId3"/>
+          <a:stretch>
+            <a:fillRect/>
+          </a:stretch>
+        </p:blipFill>
+        <p:spPr>
+          <a:xfrm>
+            <a:off x="9584746" y="3918525"/>
+            <a:ext cx="2348645" cy="2364461"/>
+          </a:xfrm>
+          <a:prstGeom prst="rect">
+            <a:avLst/>
+          </a:prstGeom>
+        </p:spPr>
+      </p:pic>
+      <p:pic>
+        <p:nvPicPr>
+          <p:cNvPr id="5" name="Image 4">
+            <a:extLst>
+              <a:ext uri="{FF2B5EF4-FFF2-40B4-BE49-F238E27FC236}">
+                <a16:creationId xmlns:a16="http://schemas.microsoft.com/office/drawing/2014/main" id="{8B6A95F4-CB6C-4A26-AB25-5E6278E0AB6A}"/>
+              </a:ext>
+            </a:extLst>
+          </p:cNvPr>
+          <p:cNvPicPr>
+            <a:picLocks noChangeAspect="1"/>
+          </p:cNvPicPr>
+          <p:nvPr/>
+        </p:nvPicPr>
+        <p:blipFill>
+          <a:blip r:embed="rId3"/>
+          <a:stretch>
+            <a:fillRect/>
+          </a:stretch>
+        </p:blipFill>
+        <p:spPr>
+          <a:xfrm>
+            <a:off x="128954" y="164122"/>
+            <a:ext cx="2879848" cy="2899241"/>
+          </a:xfrm>
+          <a:prstGeom prst="rect">
+            <a:avLst/>
+          </a:prstGeom>
+        </p:spPr>
+      </p:pic>
+      <p:sp>
+        <p:nvSpPr>
+          <p:cNvPr id="2" name="Titre 1">
+            <a:extLst>
+              <a:ext uri="{FF2B5EF4-FFF2-40B4-BE49-F238E27FC236}">
+                <a16:creationId xmlns:a16="http://schemas.microsoft.com/office/drawing/2014/main" id="{B22C7BE7-F706-4089-BCA5-AF4C275C322E}"/>
+              </a:ext>
+            </a:extLst>
+          </p:cNvPr>
+          <p:cNvSpPr>
+            <a:spLocks noGrp="1"/>
+          </p:cNvSpPr>
+          <p:nvPr>
+            <p:ph type="title"/>
+          </p:nvPr>
+        </p:nvSpPr>
+        <p:spPr/>
+        <p:txBody>
+          <a:bodyPr/>
+          <a:lstStyle/>
+          <a:p>
+            <a:pPr algn="ctr"/>
+            <a:r>
+              <a:rPr lang="fr-FR" sz="4000" dirty="0">
+                <a:latin typeface="Arial Rounded MT Bold" panose="020F0704030504030204" pitchFamily="34" charset="0"/>
+              </a:rPr>
+              <a:t>Questions</a:t>
+            </a:r>
+            <a:endParaRPr lang="fr-RE" sz="4000" dirty="0">
+              <a:latin typeface="Arial Rounded MT Bold" panose="020F0704030504030204" pitchFamily="34" charset="0"/>
+            </a:endParaRPr>
+          </a:p>
+        </p:txBody>
+      </p:sp>
+      <p:sp>
+        <p:nvSpPr>
+          <p:cNvPr id="4" name="Espace réservé du numéro de diapositive 3">
+            <a:extLst>
+              <a:ext uri="{FF2B5EF4-FFF2-40B4-BE49-F238E27FC236}">
+                <a16:creationId xmlns:a16="http://schemas.microsoft.com/office/drawing/2014/main" id="{6828EA4A-30ED-4BE2-BB9E-FF832223FF7B}"/>
+              </a:ext>
+            </a:extLst>
+          </p:cNvPr>
+          <p:cNvSpPr>
+            <a:spLocks noGrp="1"/>
+          </p:cNvSpPr>
+          <p:nvPr>
+            <p:ph type="sldNum" sz="quarter" idx="12"/>
+          </p:nvPr>
+        </p:nvSpPr>
+        <p:spPr/>
+        <p:txBody>
+          <a:bodyPr/>
+          <a:lstStyle/>
+          <a:p>
+            <a:fld id="{8A7A6979-0714-4377-B894-6BE4C2D6E202}" type="slidenum">
+              <a:rPr lang="en-US" sz="1600" b="1" smtClean="0"/>
+              <a:pPr/>
+              <a:t>13</a:t>
+            </a:fld>
+            <a:r>
+              <a:rPr lang="en-US" sz="1600" b="1" dirty="0"/>
+              <a:t> / 13</a:t>
+            </a:r>
+          </a:p>
+        </p:txBody>
+      </p:sp>
+      <p:pic>
+        <p:nvPicPr>
+          <p:cNvPr id="8" name="Image 7">
+            <a:extLst>
+              <a:ext uri="{FF2B5EF4-FFF2-40B4-BE49-F238E27FC236}">
+                <a16:creationId xmlns:a16="http://schemas.microsoft.com/office/drawing/2014/main" id="{103BCE22-DE44-4C72-9AF6-014DC1EC45B0}"/>
+              </a:ext>
+            </a:extLst>
+          </p:cNvPr>
+          <p:cNvPicPr>
+            <a:picLocks noChangeAspect="1"/>
+          </p:cNvPicPr>
+          <p:nvPr/>
+        </p:nvPicPr>
+        <p:blipFill>
+          <a:blip r:embed="rId4"/>
+          <a:stretch>
+            <a:fillRect/>
+          </a:stretch>
+        </p:blipFill>
+        <p:spPr>
+          <a:xfrm>
+            <a:off x="2760754" y="1915137"/>
+            <a:ext cx="6823992" cy="4517482"/>
+          </a:xfrm>
+          <a:prstGeom prst="rect">
+            <a:avLst/>
+          </a:prstGeom>
+        </p:spPr>
+      </p:pic>
+    </p:spTree>
+    <p:extLst>
+      <p:ext uri="{BB962C8B-B14F-4D97-AF65-F5344CB8AC3E}">
+        <p14:creationId xmlns:p14="http://schemas.microsoft.com/office/powerpoint/2010/main" val="2001073525"/>
       </p:ext>
     </p:extLst>
   </p:cSld>
@@ -9063,7 +11581,7 @@
             </a:fld>
             <a:r>
               <a:rPr lang="en-US" sz="1600" b="1" dirty="0"/>
-              <a:t> / 23</a:t>
+              <a:t> / 13</a:t>
             </a:r>
           </a:p>
         </p:txBody>
@@ -9081,7 +11599,7 @@
           <p:nvPr>
             <p:extLst>
               <p:ext uri="{D42A27DB-BD31-4B8C-83A1-F6EECF244321}">
-                <p14:modId xmlns:p14="http://schemas.microsoft.com/office/powerpoint/2010/main" val="3203836980"/>
+                <p14:modId xmlns:p14="http://schemas.microsoft.com/office/powerpoint/2010/main" val="2432529424"/>
               </p:ext>
             </p:extLst>
           </p:nvPr>
@@ -9278,17 +11796,17 @@
             </a:fld>
             <a:r>
               <a:rPr lang="en-US" sz="1600" b="1" dirty="0"/>
-              <a:t> / 23</a:t>
+              <a:t> / 13</a:t>
             </a:r>
           </a:p>
         </p:txBody>
       </p:sp>
       <p:pic>
         <p:nvPicPr>
-          <p:cNvPr id="10" name="Image 9">
-            <a:extLst>
-              <a:ext uri="{FF2B5EF4-FFF2-40B4-BE49-F238E27FC236}">
-                <a16:creationId xmlns:a16="http://schemas.microsoft.com/office/drawing/2014/main" id="{6632B6CC-CC9F-4FEC-AC15-DC43AB97F95D}"/>
+          <p:cNvPr id="7" name="Image 6">
+            <a:extLst>
+              <a:ext uri="{FF2B5EF4-FFF2-40B4-BE49-F238E27FC236}">
+                <a16:creationId xmlns:a16="http://schemas.microsoft.com/office/drawing/2014/main" id="{BF8D6F1D-3640-4CB5-8F67-9E932BFC83D5}"/>
               </a:ext>
             </a:extLst>
           </p:cNvPr>
@@ -9315,10 +11833,10 @@
       </p:pic>
       <p:sp>
         <p:nvSpPr>
-          <p:cNvPr id="11" name="ZoneTexte 10">
-            <a:extLst>
-              <a:ext uri="{FF2B5EF4-FFF2-40B4-BE49-F238E27FC236}">
-                <a16:creationId xmlns:a16="http://schemas.microsoft.com/office/drawing/2014/main" id="{5D473573-FF8B-49D7-B790-B4B188163084}"/>
+          <p:cNvPr id="3" name="ZoneTexte 2">
+            <a:extLst>
+              <a:ext uri="{FF2B5EF4-FFF2-40B4-BE49-F238E27FC236}">
+                <a16:creationId xmlns:a16="http://schemas.microsoft.com/office/drawing/2014/main" id="{533225E9-78B9-480F-BFEA-7F9A6F85DA8F}"/>
               </a:ext>
             </a:extLst>
           </p:cNvPr>
@@ -9328,7 +11846,7 @@
         <p:spPr>
           <a:xfrm>
             <a:off x="3991083" y="2690340"/>
-            <a:ext cx="6536241" cy="985911"/>
+            <a:ext cx="6536241" cy="1363450"/>
           </a:xfrm>
           <a:prstGeom prst="rect">
             <a:avLst/>
@@ -9385,8 +11903,50 @@
                 <a:latin typeface="Arial" panose="020B0604020202020204" pitchFamily="34" charset="0"/>
                 <a:cs typeface="Arial" panose="020B0604020202020204" pitchFamily="34" charset="0"/>
               </a:rPr>
-              <a:t>xxx</a:t>
-            </a:r>
+              <a:t>Première approche d’un logiciel de collecte et d’analyse de log</a:t>
+            </a:r>
+          </a:p>
+          <a:p>
+            <a:pPr>
+              <a:lnSpc>
+                <a:spcPct val="90000"/>
+              </a:lnSpc>
+              <a:spcBef>
+                <a:spcPts val="1000"/>
+              </a:spcBef>
+            </a:pPr>
+            <a:r>
+              <a:rPr lang="fr-FR" dirty="0">
+                <a:latin typeface="Arial" panose="020B0604020202020204" pitchFamily="34" charset="0"/>
+                <a:cs typeface="Arial" panose="020B0604020202020204" pitchFamily="34" charset="0"/>
+              </a:rPr>
+              <a:t>Apprentissage de la </a:t>
+            </a:r>
+            <a:r>
+              <a:rPr lang="fr-FR" dirty="0" err="1">
+                <a:latin typeface="Arial" panose="020B0604020202020204" pitchFamily="34" charset="0"/>
+                <a:cs typeface="Arial" panose="020B0604020202020204" pitchFamily="34" charset="0"/>
+              </a:rPr>
+              <a:t>kill</a:t>
+            </a:r>
+            <a:r>
+              <a:rPr lang="fr-FR" dirty="0">
+                <a:latin typeface="Arial" panose="020B0604020202020204" pitchFamily="34" charset="0"/>
+                <a:cs typeface="Arial" panose="020B0604020202020204" pitchFamily="34" charset="0"/>
+              </a:rPr>
+              <a:t> </a:t>
+            </a:r>
+            <a:r>
+              <a:rPr lang="fr-FR" dirty="0" err="1">
+                <a:latin typeface="Arial" panose="020B0604020202020204" pitchFamily="34" charset="0"/>
+                <a:cs typeface="Arial" panose="020B0604020202020204" pitchFamily="34" charset="0"/>
+              </a:rPr>
+              <a:t>chain</a:t>
+            </a:r>
+            <a:endParaRPr lang="fr-FR" dirty="0">
+              <a:latin typeface="Arial" panose="020B0604020202020204" pitchFamily="34" charset="0"/>
+              <a:cs typeface="Arial" panose="020B0604020202020204" pitchFamily="34" charset="0"/>
+            </a:endParaRPr>
           </a:p>
         </p:txBody>
       </p:sp>
@@ -9506,7 +12066,7 @@
               <a:rPr lang="fr-FR" sz="4000" dirty="0">
                 <a:latin typeface="Arial Rounded MT Bold" panose="020F0704030504030204" pitchFamily="34" charset="0"/>
               </a:rPr>
-              <a:t>Tableau de criticité</a:t>
+              <a:t>Présentation de l’activité</a:t>
             </a:r>
             <a:endParaRPr lang="fr-RE" sz="4000" dirty="0">
               <a:latin typeface="Arial Rounded MT Bold" panose="020F0704030504030204" pitchFamily="34" charset="0"/>
@@ -9542,15 +12102,131 @@
             </a:fld>
             <a:r>
               <a:rPr lang="en-US" sz="1600" b="1" dirty="0"/>
-              <a:t> / 23</a:t>
+              <a:t> / 13</a:t>
             </a:r>
           </a:p>
         </p:txBody>
       </p:sp>
+      <p:sp>
+        <p:nvSpPr>
+          <p:cNvPr id="3" name="ZoneTexte 2">
+            <a:extLst>
+              <a:ext uri="{FF2B5EF4-FFF2-40B4-BE49-F238E27FC236}">
+                <a16:creationId xmlns:a16="http://schemas.microsoft.com/office/drawing/2014/main" id="{533225E9-78B9-480F-BFEA-7F9A6F85DA8F}"/>
+              </a:ext>
+            </a:extLst>
+          </p:cNvPr>
+          <p:cNvSpPr txBox="1"/>
+          <p:nvPr/>
+        </p:nvSpPr>
+        <p:spPr>
+          <a:xfrm>
+            <a:off x="694623" y="1856522"/>
+            <a:ext cx="2550394" cy="719171"/>
+          </a:xfrm>
+          <a:prstGeom prst="rect">
+            <a:avLst/>
+          </a:prstGeom>
+          <a:solidFill>
+            <a:schemeClr val="bg1"/>
+          </a:solidFill>
+        </p:spPr>
+        <p:txBody>
+          <a:bodyPr wrap="square" rtlCol="0">
+            <a:spAutoFit/>
+          </a:bodyPr>
+          <a:lstStyle/>
+          <a:p>
+            <a:pPr>
+              <a:lnSpc>
+                <a:spcPct val="90000"/>
+              </a:lnSpc>
+              <a:spcBef>
+                <a:spcPts val="1000"/>
+              </a:spcBef>
+            </a:pPr>
+            <a:r>
+              <a:rPr lang="fr-FR" b="1" dirty="0">
+                <a:latin typeface="Arial" panose="020B0604020202020204" pitchFamily="34" charset="0"/>
+                <a:cs typeface="Arial" panose="020B0604020202020204" pitchFamily="34" charset="0"/>
+              </a:rPr>
+              <a:t>Kill </a:t>
+            </a:r>
+            <a:r>
+              <a:rPr lang="fr-FR" b="1" dirty="0" err="1">
+                <a:latin typeface="Arial" panose="020B0604020202020204" pitchFamily="34" charset="0"/>
+                <a:cs typeface="Arial" panose="020B0604020202020204" pitchFamily="34" charset="0"/>
+              </a:rPr>
+              <a:t>chain</a:t>
+            </a:r>
+            <a:endParaRPr lang="fr-FR" sz="1000" b="1" dirty="0">
+              <a:latin typeface="Arial" panose="020B0604020202020204" pitchFamily="34" charset="0"/>
+              <a:cs typeface="Arial" panose="020B0604020202020204" pitchFamily="34" charset="0"/>
+            </a:endParaRPr>
+          </a:p>
+          <a:p>
+            <a:pPr>
+              <a:lnSpc>
+                <a:spcPct val="90000"/>
+              </a:lnSpc>
+              <a:spcBef>
+                <a:spcPts val="1000"/>
+              </a:spcBef>
+            </a:pPr>
+            <a:r>
+              <a:rPr lang="fr-FR" dirty="0">
+                <a:latin typeface="Arial" panose="020B0604020202020204" pitchFamily="34" charset="0"/>
+                <a:cs typeface="Arial" panose="020B0604020202020204" pitchFamily="34" charset="0"/>
+              </a:rPr>
+              <a:t>Processus d’intrusion</a:t>
+            </a:r>
+          </a:p>
+        </p:txBody>
+      </p:sp>
+      <p:pic>
+        <p:nvPicPr>
+          <p:cNvPr id="17" name="Image 16">
+            <a:extLst>
+              <a:ext uri="{FF2B5EF4-FFF2-40B4-BE49-F238E27FC236}">
+                <a16:creationId xmlns:a16="http://schemas.microsoft.com/office/drawing/2014/main" id="{F971B623-C85A-4AAA-8B97-FDADE1D04A8E}"/>
+              </a:ext>
+            </a:extLst>
+          </p:cNvPr>
+          <p:cNvPicPr>
+            <a:picLocks noChangeAspect="1"/>
+          </p:cNvPicPr>
+          <p:nvPr/>
+        </p:nvPicPr>
+        <p:blipFill>
+          <a:blip r:embed="rId4"/>
+          <a:stretch>
+            <a:fillRect/>
+          </a:stretch>
+        </p:blipFill>
+        <p:spPr>
+          <a:xfrm>
+            <a:off x="715108" y="2769065"/>
+            <a:ext cx="10843846" cy="3404845"/>
+          </a:xfrm>
+          <a:prstGeom prst="rect">
+            <a:avLst/>
+          </a:prstGeom>
+          <a:ln>
+            <a:noFill/>
+          </a:ln>
+          <a:effectLst>
+            <a:outerShdw blurRad="292100" dist="139700" dir="2700000" algn="tl" rotWithShape="0">
+              <a:srgbClr val="333333">
+                <a:alpha val="65000"/>
+              </a:srgbClr>
+            </a:outerShdw>
+          </a:effectLst>
+        </p:spPr>
+      </p:pic>
     </p:spTree>
     <p:extLst>
       <p:ext uri="{BB962C8B-B14F-4D97-AF65-F5344CB8AC3E}">
-        <p14:creationId xmlns:p14="http://schemas.microsoft.com/office/powerpoint/2010/main" val="374667423"/>
+        <p14:creationId xmlns:p14="http://schemas.microsoft.com/office/powerpoint/2010/main" val="785537668"/>
       </p:ext>
     </p:extLst>
   </p:cSld>
@@ -9577,107 +12253,12 @@
           <a:chExt cx="0" cy="0"/>
         </a:xfrm>
       </p:grpSpPr>
-      <p:sp>
-        <p:nvSpPr>
-          <p:cNvPr id="2" name="Titre 1">
-            <a:extLst>
-              <a:ext uri="{FF2B5EF4-FFF2-40B4-BE49-F238E27FC236}">
-                <a16:creationId xmlns:a16="http://schemas.microsoft.com/office/drawing/2014/main" id="{E7AE68B5-76A2-4C7E-8E39-968F614FD602}"/>
-              </a:ext>
-            </a:extLst>
-          </p:cNvPr>
-          <p:cNvSpPr>
-            <a:spLocks noGrp="1"/>
-          </p:cNvSpPr>
-          <p:nvPr>
-            <p:ph type="title"/>
-          </p:nvPr>
-        </p:nvSpPr>
-        <p:spPr/>
-        <p:txBody>
-          <a:bodyPr/>
-          <a:lstStyle/>
-          <a:p>
-            <a:pPr algn="ctr"/>
-            <a:r>
-              <a:rPr lang="fr-FR" dirty="0">
-                <a:latin typeface="Arial Rounded MT Bold" panose="020F0704030504030204" pitchFamily="34" charset="0"/>
-              </a:rPr>
-              <a:t>Sujet de veille</a:t>
-            </a:r>
-            <a:endParaRPr lang="fr-FR" dirty="0"/>
-          </a:p>
-        </p:txBody>
-      </p:sp>
-      <p:sp>
-        <p:nvSpPr>
-          <p:cNvPr id="4" name="Espace réservé du numéro de diapositive 3">
-            <a:extLst>
-              <a:ext uri="{FF2B5EF4-FFF2-40B4-BE49-F238E27FC236}">
-                <a16:creationId xmlns:a16="http://schemas.microsoft.com/office/drawing/2014/main" id="{9573D945-7E0F-4265-B283-78F4C9D7B4E3}"/>
-              </a:ext>
-            </a:extLst>
-          </p:cNvPr>
-          <p:cNvSpPr>
-            <a:spLocks noGrp="1"/>
-          </p:cNvSpPr>
-          <p:nvPr>
-            <p:ph type="sldNum" sz="quarter" idx="12"/>
-          </p:nvPr>
-        </p:nvSpPr>
-        <p:spPr/>
-        <p:txBody>
-          <a:bodyPr/>
-          <a:lstStyle/>
-          <a:p>
-            <a:fld id="{8A7A6979-0714-4377-B894-6BE4C2D6E202}" type="slidenum">
-              <a:rPr lang="en-US" sz="1600" b="1" smtClean="0"/>
-              <a:pPr/>
-              <a:t>5</a:t>
-            </a:fld>
-            <a:r>
-              <a:rPr lang="en-US" sz="1600" b="1" dirty="0"/>
-              <a:t> / 23</a:t>
-            </a:r>
-          </a:p>
-        </p:txBody>
-      </p:sp>
       <p:pic>
         <p:nvPicPr>
-          <p:cNvPr id="7" name="Image 6">
-            <a:extLst>
-              <a:ext uri="{FF2B5EF4-FFF2-40B4-BE49-F238E27FC236}">
-                <a16:creationId xmlns:a16="http://schemas.microsoft.com/office/drawing/2014/main" id="{98820620-191A-447D-8D6D-BF6433B44B24}"/>
-              </a:ext>
-            </a:extLst>
-          </p:cNvPr>
-          <p:cNvPicPr>
-            <a:picLocks noChangeAspect="1"/>
-          </p:cNvPicPr>
-          <p:nvPr/>
-        </p:nvPicPr>
-        <p:blipFill>
-          <a:blip r:embed="rId3"/>
-          <a:stretch>
-            <a:fillRect/>
-          </a:stretch>
-        </p:blipFill>
-        <p:spPr>
-          <a:xfrm>
-            <a:off x="128954" y="164122"/>
-            <a:ext cx="2879848" cy="2899241"/>
-          </a:xfrm>
-          <a:prstGeom prst="rect">
-            <a:avLst/>
-          </a:prstGeom>
-        </p:spPr>
-      </p:pic>
-      <p:pic>
-        <p:nvPicPr>
-          <p:cNvPr id="8" name="Image 7">
-            <a:extLst>
-              <a:ext uri="{FF2B5EF4-FFF2-40B4-BE49-F238E27FC236}">
-                <a16:creationId xmlns:a16="http://schemas.microsoft.com/office/drawing/2014/main" id="{6E85B7BF-2069-4D8B-8015-A8E22C312D6C}"/>
+          <p:cNvPr id="6" name="Image 5">
+            <a:extLst>
+              <a:ext uri="{FF2B5EF4-FFF2-40B4-BE49-F238E27FC236}">
+                <a16:creationId xmlns:a16="http://schemas.microsoft.com/office/drawing/2014/main" id="{7B74C971-B67B-40CA-89E0-FE393654BA1A}"/>
               </a:ext>
             </a:extLst>
           </p:cNvPr>
@@ -9702,10 +12283,241 @@
           </a:prstGeom>
         </p:spPr>
       </p:pic>
+      <p:pic>
+        <p:nvPicPr>
+          <p:cNvPr id="5" name="Image 4">
+            <a:extLst>
+              <a:ext uri="{FF2B5EF4-FFF2-40B4-BE49-F238E27FC236}">
+                <a16:creationId xmlns:a16="http://schemas.microsoft.com/office/drawing/2014/main" id="{8B6A95F4-CB6C-4A26-AB25-5E6278E0AB6A}"/>
+              </a:ext>
+            </a:extLst>
+          </p:cNvPr>
+          <p:cNvPicPr>
+            <a:picLocks noChangeAspect="1"/>
+          </p:cNvPicPr>
+          <p:nvPr/>
+        </p:nvPicPr>
+        <p:blipFill>
+          <a:blip r:embed="rId3"/>
+          <a:stretch>
+            <a:fillRect/>
+          </a:stretch>
+        </p:blipFill>
+        <p:spPr>
+          <a:xfrm>
+            <a:off x="128954" y="199291"/>
+            <a:ext cx="2879848" cy="2899241"/>
+          </a:xfrm>
+          <a:prstGeom prst="rect">
+            <a:avLst/>
+          </a:prstGeom>
+        </p:spPr>
+      </p:pic>
+      <p:sp>
+        <p:nvSpPr>
+          <p:cNvPr id="2" name="Titre 1">
+            <a:extLst>
+              <a:ext uri="{FF2B5EF4-FFF2-40B4-BE49-F238E27FC236}">
+                <a16:creationId xmlns:a16="http://schemas.microsoft.com/office/drawing/2014/main" id="{B22C7BE7-F706-4089-BCA5-AF4C275C322E}"/>
+              </a:ext>
+            </a:extLst>
+          </p:cNvPr>
+          <p:cNvSpPr>
+            <a:spLocks noGrp="1"/>
+          </p:cNvSpPr>
+          <p:nvPr>
+            <p:ph type="title"/>
+          </p:nvPr>
+        </p:nvSpPr>
+        <p:spPr/>
+        <p:txBody>
+          <a:bodyPr/>
+          <a:lstStyle/>
+          <a:p>
+            <a:pPr algn="ctr"/>
+            <a:r>
+              <a:rPr lang="fr-FR" sz="4000" dirty="0">
+                <a:latin typeface="Arial Rounded MT Bold" panose="020F0704030504030204" pitchFamily="34" charset="0"/>
+              </a:rPr>
+              <a:t>Présentation de l’activité</a:t>
+            </a:r>
+            <a:endParaRPr lang="fr-RE" sz="4000" dirty="0">
+              <a:latin typeface="Arial Rounded MT Bold" panose="020F0704030504030204" pitchFamily="34" charset="0"/>
+            </a:endParaRPr>
+          </a:p>
+        </p:txBody>
+      </p:sp>
+      <p:sp>
+        <p:nvSpPr>
+          <p:cNvPr id="4" name="Espace réservé du numéro de diapositive 3">
+            <a:extLst>
+              <a:ext uri="{FF2B5EF4-FFF2-40B4-BE49-F238E27FC236}">
+                <a16:creationId xmlns:a16="http://schemas.microsoft.com/office/drawing/2014/main" id="{6828EA4A-30ED-4BE2-BB9E-FF832223FF7B}"/>
+              </a:ext>
+            </a:extLst>
+          </p:cNvPr>
+          <p:cNvSpPr>
+            <a:spLocks noGrp="1"/>
+          </p:cNvSpPr>
+          <p:nvPr>
+            <p:ph type="sldNum" sz="quarter" idx="12"/>
+          </p:nvPr>
+        </p:nvSpPr>
+        <p:spPr/>
+        <p:txBody>
+          <a:bodyPr/>
+          <a:lstStyle/>
+          <a:p>
+            <a:fld id="{8A7A6979-0714-4377-B894-6BE4C2D6E202}" type="slidenum">
+              <a:rPr lang="en-US" sz="1600" b="1" smtClean="0"/>
+              <a:pPr/>
+              <a:t>5</a:t>
+            </a:fld>
+            <a:r>
+              <a:rPr lang="en-US" sz="1600" b="1" dirty="0"/>
+              <a:t> / 13</a:t>
+            </a:r>
+          </a:p>
+        </p:txBody>
+      </p:sp>
+      <p:pic>
+        <p:nvPicPr>
+          <p:cNvPr id="7" name="Image 6">
+            <a:extLst>
+              <a:ext uri="{FF2B5EF4-FFF2-40B4-BE49-F238E27FC236}">
+                <a16:creationId xmlns:a16="http://schemas.microsoft.com/office/drawing/2014/main" id="{D5F22C69-1EB3-49BB-804A-6AB05165CE7C}"/>
+              </a:ext>
+            </a:extLst>
+          </p:cNvPr>
+          <p:cNvPicPr>
+            <a:picLocks noChangeAspect="1"/>
+          </p:cNvPicPr>
+          <p:nvPr/>
+        </p:nvPicPr>
+        <p:blipFill>
+          <a:blip r:embed="rId4"/>
+          <a:stretch>
+            <a:fillRect/>
+          </a:stretch>
+        </p:blipFill>
+        <p:spPr>
+          <a:xfrm>
+            <a:off x="8535302" y="3918525"/>
+            <a:ext cx="3656698" cy="2194019"/>
+          </a:xfrm>
+          <a:prstGeom prst="rect">
+            <a:avLst/>
+          </a:prstGeom>
+        </p:spPr>
+      </p:pic>
+      <p:sp>
+        <p:nvSpPr>
+          <p:cNvPr id="11" name="ZoneTexte 10">
+            <a:extLst>
+              <a:ext uri="{FF2B5EF4-FFF2-40B4-BE49-F238E27FC236}">
+                <a16:creationId xmlns:a16="http://schemas.microsoft.com/office/drawing/2014/main" id="{8581C00D-65E9-445D-96DD-4B5FFCD8EAA1}"/>
+              </a:ext>
+            </a:extLst>
+          </p:cNvPr>
+          <p:cNvSpPr txBox="1"/>
+          <p:nvPr/>
+        </p:nvSpPr>
+        <p:spPr>
+          <a:xfrm>
+            <a:off x="7937254" y="4109254"/>
+            <a:ext cx="2238378" cy="719171"/>
+          </a:xfrm>
+          <a:prstGeom prst="rect">
+            <a:avLst/>
+          </a:prstGeom>
+          <a:solidFill>
+            <a:schemeClr val="bg1"/>
+          </a:solidFill>
+        </p:spPr>
+        <p:txBody>
+          <a:bodyPr wrap="square" rtlCol="0">
+            <a:spAutoFit/>
+          </a:bodyPr>
+          <a:lstStyle/>
+          <a:p>
+            <a:pPr>
+              <a:lnSpc>
+                <a:spcPct val="90000"/>
+              </a:lnSpc>
+              <a:spcBef>
+                <a:spcPts val="1000"/>
+              </a:spcBef>
+            </a:pPr>
+            <a:r>
+              <a:rPr lang="fr-FR" b="1" dirty="0">
+                <a:latin typeface="Arial" panose="020B0604020202020204" pitchFamily="34" charset="0"/>
+                <a:cs typeface="Arial" panose="020B0604020202020204" pitchFamily="34" charset="0"/>
+              </a:rPr>
+              <a:t>Phase : </a:t>
+            </a:r>
+          </a:p>
+          <a:p>
+            <a:pPr>
+              <a:lnSpc>
+                <a:spcPct val="90000"/>
+              </a:lnSpc>
+              <a:spcBef>
+                <a:spcPts val="1000"/>
+              </a:spcBef>
+            </a:pPr>
+            <a:r>
+              <a:rPr lang="fr-FR" dirty="0">
+                <a:latin typeface="Arial" panose="020B0604020202020204" pitchFamily="34" charset="0"/>
+                <a:cs typeface="Arial" panose="020B0604020202020204" pitchFamily="34" charset="0"/>
+              </a:rPr>
+              <a:t>Reconnaissance</a:t>
+            </a:r>
+          </a:p>
+        </p:txBody>
+      </p:sp>
+      <p:pic>
+        <p:nvPicPr>
+          <p:cNvPr id="16" name="Image 15">
+            <a:extLst>
+              <a:ext uri="{FF2B5EF4-FFF2-40B4-BE49-F238E27FC236}">
+                <a16:creationId xmlns:a16="http://schemas.microsoft.com/office/drawing/2014/main" id="{843C0ADC-91F7-4743-8F85-5A03491CCF6F}"/>
+              </a:ext>
+            </a:extLst>
+          </p:cNvPr>
+          <p:cNvPicPr>
+            <a:picLocks noChangeAspect="1"/>
+          </p:cNvPicPr>
+          <p:nvPr/>
+        </p:nvPicPr>
+        <p:blipFill rotWithShape="1">
+          <a:blip r:embed="rId5"/>
+          <a:srcRect b="24039"/>
+          <a:stretch/>
+        </p:blipFill>
+        <p:spPr>
+          <a:xfrm>
+            <a:off x="353857" y="2472985"/>
+            <a:ext cx="7137189" cy="4021015"/>
+          </a:xfrm>
+          <a:prstGeom prst="rect">
+            <a:avLst/>
+          </a:prstGeom>
+          <a:ln>
+            <a:noFill/>
+          </a:ln>
+          <a:effectLst>
+            <a:outerShdw blurRad="292100" dist="139700" dir="2700000" algn="tl" rotWithShape="0">
+              <a:srgbClr val="333333">
+                <a:alpha val="65000"/>
+              </a:srgbClr>
+            </a:outerShdw>
+          </a:effectLst>
+        </p:spPr>
+      </p:pic>
     </p:spTree>
     <p:extLst>
       <p:ext uri="{BB962C8B-B14F-4D97-AF65-F5344CB8AC3E}">
-        <p14:creationId xmlns:p14="http://schemas.microsoft.com/office/powerpoint/2010/main" val="3048946655"/>
+        <p14:creationId xmlns:p14="http://schemas.microsoft.com/office/powerpoint/2010/main" val="752839032"/>
       </p:ext>
     </p:extLst>
   </p:cSld>
@@ -9784,7 +12596,7 @@
         </p:blipFill>
         <p:spPr>
           <a:xfrm>
-            <a:off x="128954" y="164122"/>
+            <a:off x="128954" y="199291"/>
             <a:ext cx="2879848" cy="2899241"/>
           </a:xfrm>
           <a:prstGeom prst="rect">
@@ -9818,7 +12630,7 @@
               <a:rPr lang="fr-FR" sz="4000" dirty="0">
                 <a:latin typeface="Arial Rounded MT Bold" panose="020F0704030504030204" pitchFamily="34" charset="0"/>
               </a:rPr>
-              <a:t>Référentiel</a:t>
+              <a:t>Présentation de l’activité</a:t>
             </a:r>
             <a:endParaRPr lang="fr-RE" sz="4000" dirty="0">
               <a:latin typeface="Arial Rounded MT Bold" panose="020F0704030504030204" pitchFamily="34" charset="0"/>
@@ -9847,10 +12659,6 @@
           <a:bodyPr/>
           <a:lstStyle/>
           <a:p>
-            <a:r>
-              <a:rPr lang="en-US" sz="1600" b="1" dirty="0"/>
-              <a:t> </a:t>
-            </a:r>
             <a:fld id="{8A7A6979-0714-4377-B894-6BE4C2D6E202}" type="slidenum">
               <a:rPr lang="en-US" sz="1600" b="1" smtClean="0"/>
               <a:pPr/>
@@ -9858,15 +12666,150 @@
             </a:fld>
             <a:r>
               <a:rPr lang="en-US" sz="1600" b="1" dirty="0"/>
-              <a:t> / 23</a:t>
+              <a:t> / 13</a:t>
             </a:r>
           </a:p>
         </p:txBody>
       </p:sp>
+      <p:pic>
+        <p:nvPicPr>
+          <p:cNvPr id="7" name="Image 6">
+            <a:extLst>
+              <a:ext uri="{FF2B5EF4-FFF2-40B4-BE49-F238E27FC236}">
+                <a16:creationId xmlns:a16="http://schemas.microsoft.com/office/drawing/2014/main" id="{B8EFB68A-ED34-438B-A2C3-F836A9020137}"/>
+              </a:ext>
+            </a:extLst>
+          </p:cNvPr>
+          <p:cNvPicPr>
+            <a:picLocks noChangeAspect="1"/>
+          </p:cNvPicPr>
+          <p:nvPr/>
+        </p:nvPicPr>
+        <p:blipFill>
+          <a:blip r:embed="rId4"/>
+          <a:stretch>
+            <a:fillRect/>
+          </a:stretch>
+        </p:blipFill>
+        <p:spPr>
+          <a:xfrm>
+            <a:off x="8096882" y="3467447"/>
+            <a:ext cx="4543852" cy="2888903"/>
+          </a:xfrm>
+          <a:prstGeom prst="rect">
+            <a:avLst/>
+          </a:prstGeom>
+        </p:spPr>
+      </p:pic>
+      <p:sp>
+        <p:nvSpPr>
+          <p:cNvPr id="9" name="ZoneTexte 8">
+            <a:extLst>
+              <a:ext uri="{FF2B5EF4-FFF2-40B4-BE49-F238E27FC236}">
+                <a16:creationId xmlns:a16="http://schemas.microsoft.com/office/drawing/2014/main" id="{2B00171F-8E50-495F-AD72-29D754749BCC}"/>
+              </a:ext>
+            </a:extLst>
+          </p:cNvPr>
+          <p:cNvSpPr txBox="1"/>
+          <p:nvPr/>
+        </p:nvSpPr>
+        <p:spPr>
+          <a:xfrm>
+            <a:off x="8514348" y="3205621"/>
+            <a:ext cx="1609812" cy="719171"/>
+          </a:xfrm>
+          <a:prstGeom prst="rect">
+            <a:avLst/>
+          </a:prstGeom>
+          <a:solidFill>
+            <a:schemeClr val="bg1"/>
+          </a:solidFill>
+        </p:spPr>
+        <p:txBody>
+          <a:bodyPr wrap="square" rtlCol="0">
+            <a:spAutoFit/>
+          </a:bodyPr>
+          <a:lstStyle/>
+          <a:p>
+            <a:pPr>
+              <a:lnSpc>
+                <a:spcPct val="90000"/>
+              </a:lnSpc>
+              <a:spcBef>
+                <a:spcPts val="1000"/>
+              </a:spcBef>
+            </a:pPr>
+            <a:r>
+              <a:rPr lang="fr-FR" b="1" dirty="0">
+                <a:latin typeface="Arial" panose="020B0604020202020204" pitchFamily="34" charset="0"/>
+                <a:cs typeface="Arial" panose="020B0604020202020204" pitchFamily="34" charset="0"/>
+              </a:rPr>
+              <a:t>Phase :</a:t>
+            </a:r>
+          </a:p>
+          <a:p>
+            <a:pPr>
+              <a:lnSpc>
+                <a:spcPct val="90000"/>
+              </a:lnSpc>
+              <a:spcBef>
+                <a:spcPts val="1000"/>
+              </a:spcBef>
+            </a:pPr>
+            <a:r>
+              <a:rPr lang="fr-FR" dirty="0">
+                <a:latin typeface="Arial" panose="020B0604020202020204" pitchFamily="34" charset="0"/>
+                <a:cs typeface="Arial" panose="020B0604020202020204" pitchFamily="34" charset="0"/>
+              </a:rPr>
+              <a:t>Enumération</a:t>
+            </a:r>
+          </a:p>
+        </p:txBody>
+      </p:sp>
+      <p:pic>
+        <p:nvPicPr>
+          <p:cNvPr id="10" name="Image 9">
+            <a:extLst>
+              <a:ext uri="{FF2B5EF4-FFF2-40B4-BE49-F238E27FC236}">
+                <a16:creationId xmlns:a16="http://schemas.microsoft.com/office/drawing/2014/main" id="{DBBAD300-E74D-464E-923C-8ECD90510C0E}"/>
+              </a:ext>
+            </a:extLst>
+          </p:cNvPr>
+          <p:cNvPicPr>
+            <a:picLocks noChangeAspect="1"/>
+          </p:cNvPicPr>
+          <p:nvPr/>
+        </p:nvPicPr>
+        <p:blipFill>
+          <a:blip r:embed="rId5"/>
+          <a:stretch>
+            <a:fillRect/>
+          </a:stretch>
+        </p:blipFill>
+        <p:spPr>
+          <a:xfrm>
+            <a:off x="239518" y="1764052"/>
+            <a:ext cx="8001805" cy="4825210"/>
+          </a:xfrm>
+          <a:prstGeom prst="rect">
+            <a:avLst/>
+          </a:prstGeom>
+          <a:ln>
+            <a:noFill/>
+          </a:ln>
+          <a:effectLst>
+            <a:outerShdw blurRad="292100" dist="139700" dir="2700000" algn="tl" rotWithShape="0">
+              <a:srgbClr val="333333">
+                <a:alpha val="65000"/>
+              </a:srgbClr>
+            </a:outerShdw>
+          </a:effectLst>
+        </p:spPr>
+      </p:pic>
     </p:spTree>
     <p:extLst>
       <p:ext uri="{BB962C8B-B14F-4D97-AF65-F5344CB8AC3E}">
-        <p14:creationId xmlns:p14="http://schemas.microsoft.com/office/powerpoint/2010/main" val="2260241738"/>
+        <p14:creationId xmlns:p14="http://schemas.microsoft.com/office/powerpoint/2010/main" val="2093502548"/>
       </p:ext>
     </p:extLst>
   </p:cSld>
@@ -9945,7 +12888,7 @@
         </p:blipFill>
         <p:spPr>
           <a:xfrm>
-            <a:off x="128954" y="164122"/>
+            <a:off x="128954" y="199291"/>
             <a:ext cx="2879848" cy="2899241"/>
           </a:xfrm>
           <a:prstGeom prst="rect">
@@ -9979,7 +12922,7 @@
               <a:rPr lang="fr-FR" sz="4000" dirty="0">
                 <a:latin typeface="Arial Rounded MT Bold" panose="020F0704030504030204" pitchFamily="34" charset="0"/>
               </a:rPr>
-              <a:t>Question</a:t>
+              <a:t>Présentation de l’activité</a:t>
             </a:r>
             <a:endParaRPr lang="fr-RE" sz="4000" dirty="0">
               <a:latin typeface="Arial Rounded MT Bold" panose="020F0704030504030204" pitchFamily="34" charset="0"/>
@@ -10015,15 +12958,830 @@
             </a:fld>
             <a:r>
               <a:rPr lang="en-US" sz="1600" b="1" dirty="0"/>
-              <a:t> / 23</a:t>
+              <a:t> / 13</a:t>
             </a:r>
           </a:p>
         </p:txBody>
       </p:sp>
+      <p:pic>
+        <p:nvPicPr>
+          <p:cNvPr id="7" name="Image 6">
+            <a:extLst>
+              <a:ext uri="{FF2B5EF4-FFF2-40B4-BE49-F238E27FC236}">
+                <a16:creationId xmlns:a16="http://schemas.microsoft.com/office/drawing/2014/main" id="{027DEFB1-F044-4484-B151-9AAB05E30094}"/>
+              </a:ext>
+            </a:extLst>
+          </p:cNvPr>
+          <p:cNvPicPr>
+            <a:picLocks noChangeAspect="1"/>
+          </p:cNvPicPr>
+          <p:nvPr/>
+        </p:nvPicPr>
+        <p:blipFill>
+          <a:blip r:embed="rId4"/>
+          <a:stretch>
+            <a:fillRect/>
+          </a:stretch>
+        </p:blipFill>
+        <p:spPr>
+          <a:xfrm>
+            <a:off x="8988617" y="3591599"/>
+            <a:ext cx="3111079" cy="2764751"/>
+          </a:xfrm>
+          <a:prstGeom prst="rect">
+            <a:avLst/>
+          </a:prstGeom>
+        </p:spPr>
+      </p:pic>
+      <p:sp>
+        <p:nvSpPr>
+          <p:cNvPr id="9" name="ZoneTexte 8">
+            <a:extLst>
+              <a:ext uri="{FF2B5EF4-FFF2-40B4-BE49-F238E27FC236}">
+                <a16:creationId xmlns:a16="http://schemas.microsoft.com/office/drawing/2014/main" id="{61EACFC4-E455-4407-8CFB-C32C80CFBDAA}"/>
+              </a:ext>
+            </a:extLst>
+          </p:cNvPr>
+          <p:cNvSpPr txBox="1"/>
+          <p:nvPr/>
+        </p:nvSpPr>
+        <p:spPr>
+          <a:xfrm>
+            <a:off x="8496943" y="2944762"/>
+            <a:ext cx="2569642" cy="719171"/>
+          </a:xfrm>
+          <a:prstGeom prst="rect">
+            <a:avLst/>
+          </a:prstGeom>
+          <a:solidFill>
+            <a:schemeClr val="bg1"/>
+          </a:solidFill>
+        </p:spPr>
+        <p:txBody>
+          <a:bodyPr wrap="square" rtlCol="0">
+            <a:spAutoFit/>
+          </a:bodyPr>
+          <a:lstStyle/>
+          <a:p>
+            <a:pPr>
+              <a:lnSpc>
+                <a:spcPct val="90000"/>
+              </a:lnSpc>
+              <a:spcBef>
+                <a:spcPts val="1000"/>
+              </a:spcBef>
+            </a:pPr>
+            <a:r>
+              <a:rPr lang="fr-FR" b="1" dirty="0">
+                <a:latin typeface="Arial" panose="020B0604020202020204" pitchFamily="34" charset="0"/>
+                <a:cs typeface="Arial" panose="020B0604020202020204" pitchFamily="34" charset="0"/>
+              </a:rPr>
+              <a:t>Phase : </a:t>
+            </a:r>
+          </a:p>
+          <a:p>
+            <a:pPr>
+              <a:lnSpc>
+                <a:spcPct val="90000"/>
+              </a:lnSpc>
+              <a:spcBef>
+                <a:spcPts val="1000"/>
+              </a:spcBef>
+            </a:pPr>
+            <a:r>
+              <a:rPr lang="fr-FR" dirty="0">
+                <a:latin typeface="Arial" panose="020B0604020202020204" pitchFamily="34" charset="0"/>
+                <a:cs typeface="Arial" panose="020B0604020202020204" pitchFamily="34" charset="0"/>
+              </a:rPr>
+              <a:t>Implémentation initiale</a:t>
+            </a:r>
+          </a:p>
+        </p:txBody>
+      </p:sp>
+      <p:pic>
+        <p:nvPicPr>
+          <p:cNvPr id="8" name="Image 7">
+            <a:extLst>
+              <a:ext uri="{FF2B5EF4-FFF2-40B4-BE49-F238E27FC236}">
+                <a16:creationId xmlns:a16="http://schemas.microsoft.com/office/drawing/2014/main" id="{59A89018-B067-4C08-8873-F46303F80D0A}"/>
+              </a:ext>
+            </a:extLst>
+          </p:cNvPr>
+          <p:cNvPicPr>
+            <a:picLocks noChangeAspect="1"/>
+          </p:cNvPicPr>
+          <p:nvPr/>
+        </p:nvPicPr>
+        <p:blipFill rotWithShape="1">
+          <a:blip r:embed="rId5"/>
+          <a:srcRect b="16272"/>
+          <a:stretch/>
+        </p:blipFill>
+        <p:spPr>
+          <a:xfrm>
+            <a:off x="619934" y="1728970"/>
+            <a:ext cx="6788909" cy="4857561"/>
+          </a:xfrm>
+          <a:prstGeom prst="rect">
+            <a:avLst/>
+          </a:prstGeom>
+          <a:ln>
+            <a:noFill/>
+          </a:ln>
+          <a:effectLst>
+            <a:outerShdw blurRad="292100" dist="139700" dir="2700000" algn="tl" rotWithShape="0">
+              <a:srgbClr val="333333">
+                <a:alpha val="65000"/>
+              </a:srgbClr>
+            </a:outerShdw>
+          </a:effectLst>
+        </p:spPr>
+      </p:pic>
     </p:spTree>
     <p:extLst>
       <p:ext uri="{BB962C8B-B14F-4D97-AF65-F5344CB8AC3E}">
-        <p14:creationId xmlns:p14="http://schemas.microsoft.com/office/powerpoint/2010/main" val="2001073525"/>
+        <p14:creationId xmlns:p14="http://schemas.microsoft.com/office/powerpoint/2010/main" val="623338134"/>
+      </p:ext>
+    </p:extLst>
+  </p:cSld>
+  <p:clrMapOvr>
+    <a:masterClrMapping/>
+  </p:clrMapOvr>
+</p:sld>
+</file>
+
+<file path=ppt/slides/slide8.xml><?xml version="1.0" encoding="utf-8"?>
+<p:sld xmlns:a="http://schemas.openxmlformats.org/drawingml/2006/main" xmlns:r="http://schemas.openxmlformats.org/officeDocument/2006/relationships" xmlns:p="http://schemas.openxmlformats.org/presentationml/2006/main">
+  <p:cSld>
+    <p:spTree>
+      <p:nvGrpSpPr>
+        <p:cNvPr id="1" name=""/>
+        <p:cNvGrpSpPr/>
+        <p:nvPr/>
+      </p:nvGrpSpPr>
+      <p:grpSpPr>
+        <a:xfrm>
+          <a:off x="0" y="0"/>
+          <a:ext cx="0" cy="0"/>
+          <a:chOff x="0" y="0"/>
+          <a:chExt cx="0" cy="0"/>
+        </a:xfrm>
+      </p:grpSpPr>
+      <p:pic>
+        <p:nvPicPr>
+          <p:cNvPr id="6" name="Image 5">
+            <a:extLst>
+              <a:ext uri="{FF2B5EF4-FFF2-40B4-BE49-F238E27FC236}">
+                <a16:creationId xmlns:a16="http://schemas.microsoft.com/office/drawing/2014/main" id="{7B74C971-B67B-40CA-89E0-FE393654BA1A}"/>
+              </a:ext>
+            </a:extLst>
+          </p:cNvPr>
+          <p:cNvPicPr>
+            <a:picLocks noChangeAspect="1"/>
+          </p:cNvPicPr>
+          <p:nvPr/>
+        </p:nvPicPr>
+        <p:blipFill>
+          <a:blip r:embed="rId3"/>
+          <a:stretch>
+            <a:fillRect/>
+          </a:stretch>
+        </p:blipFill>
+        <p:spPr>
+          <a:xfrm>
+            <a:off x="9584746" y="3918525"/>
+            <a:ext cx="2348645" cy="2364461"/>
+          </a:xfrm>
+          <a:prstGeom prst="rect">
+            <a:avLst/>
+          </a:prstGeom>
+        </p:spPr>
+      </p:pic>
+      <p:pic>
+        <p:nvPicPr>
+          <p:cNvPr id="5" name="Image 4">
+            <a:extLst>
+              <a:ext uri="{FF2B5EF4-FFF2-40B4-BE49-F238E27FC236}">
+                <a16:creationId xmlns:a16="http://schemas.microsoft.com/office/drawing/2014/main" id="{8B6A95F4-CB6C-4A26-AB25-5E6278E0AB6A}"/>
+              </a:ext>
+            </a:extLst>
+          </p:cNvPr>
+          <p:cNvPicPr>
+            <a:picLocks noChangeAspect="1"/>
+          </p:cNvPicPr>
+          <p:nvPr/>
+        </p:nvPicPr>
+        <p:blipFill>
+          <a:blip r:embed="rId3"/>
+          <a:stretch>
+            <a:fillRect/>
+          </a:stretch>
+        </p:blipFill>
+        <p:spPr>
+          <a:xfrm>
+            <a:off x="128954" y="199291"/>
+            <a:ext cx="2879848" cy="2899241"/>
+          </a:xfrm>
+          <a:prstGeom prst="rect">
+            <a:avLst/>
+          </a:prstGeom>
+        </p:spPr>
+      </p:pic>
+      <p:sp>
+        <p:nvSpPr>
+          <p:cNvPr id="2" name="Titre 1">
+            <a:extLst>
+              <a:ext uri="{FF2B5EF4-FFF2-40B4-BE49-F238E27FC236}">
+                <a16:creationId xmlns:a16="http://schemas.microsoft.com/office/drawing/2014/main" id="{B22C7BE7-F706-4089-BCA5-AF4C275C322E}"/>
+              </a:ext>
+            </a:extLst>
+          </p:cNvPr>
+          <p:cNvSpPr>
+            <a:spLocks noGrp="1"/>
+          </p:cNvSpPr>
+          <p:nvPr>
+            <p:ph type="title"/>
+          </p:nvPr>
+        </p:nvSpPr>
+        <p:spPr/>
+        <p:txBody>
+          <a:bodyPr/>
+          <a:lstStyle/>
+          <a:p>
+            <a:pPr algn="ctr"/>
+            <a:r>
+              <a:rPr lang="fr-FR" sz="4000" dirty="0">
+                <a:latin typeface="Arial Rounded MT Bold" panose="020F0704030504030204" pitchFamily="34" charset="0"/>
+              </a:rPr>
+              <a:t>Présentation de l’activité</a:t>
+            </a:r>
+            <a:endParaRPr lang="fr-RE" sz="4000" dirty="0">
+              <a:latin typeface="Arial Rounded MT Bold" panose="020F0704030504030204" pitchFamily="34" charset="0"/>
+            </a:endParaRPr>
+          </a:p>
+        </p:txBody>
+      </p:sp>
+      <p:sp>
+        <p:nvSpPr>
+          <p:cNvPr id="4" name="Espace réservé du numéro de diapositive 3">
+            <a:extLst>
+              <a:ext uri="{FF2B5EF4-FFF2-40B4-BE49-F238E27FC236}">
+                <a16:creationId xmlns:a16="http://schemas.microsoft.com/office/drawing/2014/main" id="{6828EA4A-30ED-4BE2-BB9E-FF832223FF7B}"/>
+              </a:ext>
+            </a:extLst>
+          </p:cNvPr>
+          <p:cNvSpPr>
+            <a:spLocks noGrp="1"/>
+          </p:cNvSpPr>
+          <p:nvPr>
+            <p:ph type="sldNum" sz="quarter" idx="12"/>
+          </p:nvPr>
+        </p:nvSpPr>
+        <p:spPr/>
+        <p:txBody>
+          <a:bodyPr/>
+          <a:lstStyle/>
+          <a:p>
+            <a:fld id="{8A7A6979-0714-4377-B894-6BE4C2D6E202}" type="slidenum">
+              <a:rPr lang="en-US" sz="1600" b="1" smtClean="0"/>
+              <a:pPr/>
+              <a:t>8</a:t>
+            </a:fld>
+            <a:r>
+              <a:rPr lang="en-US" sz="1600" b="1" dirty="0"/>
+              <a:t> / 13</a:t>
+            </a:r>
+          </a:p>
+        </p:txBody>
+      </p:sp>
+      <p:pic>
+        <p:nvPicPr>
+          <p:cNvPr id="7" name="Image 6">
+            <a:extLst>
+              <a:ext uri="{FF2B5EF4-FFF2-40B4-BE49-F238E27FC236}">
+                <a16:creationId xmlns:a16="http://schemas.microsoft.com/office/drawing/2014/main" id="{3A2E9E7A-C825-4B8D-84C9-26C7D35E781C}"/>
+              </a:ext>
+            </a:extLst>
+          </p:cNvPr>
+          <p:cNvPicPr>
+            <a:picLocks noChangeAspect="1"/>
+          </p:cNvPicPr>
+          <p:nvPr/>
+        </p:nvPicPr>
+        <p:blipFill>
+          <a:blip r:embed="rId4"/>
+          <a:stretch>
+            <a:fillRect/>
+          </a:stretch>
+        </p:blipFill>
+        <p:spPr>
+          <a:xfrm>
+            <a:off x="9645789" y="3344333"/>
+            <a:ext cx="2362770" cy="3148542"/>
+          </a:xfrm>
+          <a:prstGeom prst="rect">
+            <a:avLst/>
+          </a:prstGeom>
+        </p:spPr>
+      </p:pic>
+      <p:sp>
+        <p:nvSpPr>
+          <p:cNvPr id="9" name="ZoneTexte 8">
+            <a:extLst>
+              <a:ext uri="{FF2B5EF4-FFF2-40B4-BE49-F238E27FC236}">
+                <a16:creationId xmlns:a16="http://schemas.microsoft.com/office/drawing/2014/main" id="{6954C8E2-D633-4C2E-8D2E-D58D281267D4}"/>
+              </a:ext>
+            </a:extLst>
+          </p:cNvPr>
+          <p:cNvSpPr txBox="1"/>
+          <p:nvPr/>
+        </p:nvSpPr>
+        <p:spPr>
+          <a:xfrm>
+            <a:off x="8972444" y="2756147"/>
+            <a:ext cx="2381356" cy="719171"/>
+          </a:xfrm>
+          <a:prstGeom prst="rect">
+            <a:avLst/>
+          </a:prstGeom>
+          <a:solidFill>
+            <a:schemeClr val="bg1"/>
+          </a:solidFill>
+        </p:spPr>
+        <p:txBody>
+          <a:bodyPr wrap="square" rtlCol="0">
+            <a:spAutoFit/>
+          </a:bodyPr>
+          <a:lstStyle/>
+          <a:p>
+            <a:pPr>
+              <a:lnSpc>
+                <a:spcPct val="90000"/>
+              </a:lnSpc>
+              <a:spcBef>
+                <a:spcPts val="1000"/>
+              </a:spcBef>
+            </a:pPr>
+            <a:r>
+              <a:rPr lang="fr-FR" b="1" dirty="0">
+                <a:latin typeface="Arial" panose="020B0604020202020204" pitchFamily="34" charset="0"/>
+                <a:cs typeface="Arial" panose="020B0604020202020204" pitchFamily="34" charset="0"/>
+              </a:rPr>
+              <a:t>Phase : </a:t>
+            </a:r>
+          </a:p>
+          <a:p>
+            <a:pPr>
+              <a:lnSpc>
+                <a:spcPct val="90000"/>
+              </a:lnSpc>
+              <a:spcBef>
+                <a:spcPts val="1000"/>
+              </a:spcBef>
+            </a:pPr>
+            <a:r>
+              <a:rPr lang="fr-FR" dirty="0">
+                <a:latin typeface="Arial" panose="020B0604020202020204" pitchFamily="34" charset="0"/>
+                <a:cs typeface="Arial" panose="020B0604020202020204" pitchFamily="34" charset="0"/>
+              </a:rPr>
+              <a:t>Escalade de privilège</a:t>
+            </a:r>
+          </a:p>
+        </p:txBody>
+      </p:sp>
+      <p:pic>
+        <p:nvPicPr>
+          <p:cNvPr id="8" name="Image 7">
+            <a:extLst>
+              <a:ext uri="{FF2B5EF4-FFF2-40B4-BE49-F238E27FC236}">
+                <a16:creationId xmlns:a16="http://schemas.microsoft.com/office/drawing/2014/main" id="{F4C3F42E-755D-4F11-96FC-4143570E31AD}"/>
+              </a:ext>
+            </a:extLst>
+          </p:cNvPr>
+          <p:cNvPicPr>
+            <a:picLocks noChangeAspect="1"/>
+          </p:cNvPicPr>
+          <p:nvPr/>
+        </p:nvPicPr>
+        <p:blipFill>
+          <a:blip r:embed="rId5"/>
+          <a:stretch>
+            <a:fillRect/>
+          </a:stretch>
+        </p:blipFill>
+        <p:spPr>
+          <a:xfrm>
+            <a:off x="508176" y="2119899"/>
+            <a:ext cx="7514491" cy="4372976"/>
+          </a:xfrm>
+          <a:prstGeom prst="rect">
+            <a:avLst/>
+          </a:prstGeom>
+          <a:ln>
+            <a:noFill/>
+          </a:ln>
+          <a:effectLst>
+            <a:outerShdw blurRad="292100" dist="139700" dir="2700000" algn="tl" rotWithShape="0">
+              <a:srgbClr val="333333">
+                <a:alpha val="65000"/>
+              </a:srgbClr>
+            </a:outerShdw>
+          </a:effectLst>
+        </p:spPr>
+      </p:pic>
+    </p:spTree>
+    <p:extLst>
+      <p:ext uri="{BB962C8B-B14F-4D97-AF65-F5344CB8AC3E}">
+        <p14:creationId xmlns:p14="http://schemas.microsoft.com/office/powerpoint/2010/main" val="451195966"/>
+      </p:ext>
+    </p:extLst>
+  </p:cSld>
+  <p:clrMapOvr>
+    <a:masterClrMapping/>
+  </p:clrMapOvr>
+</p:sld>
+</file>
+
+<file path=ppt/slides/slide9.xml><?xml version="1.0" encoding="utf-8"?>
+<p:sld xmlns:a="http://schemas.openxmlformats.org/drawingml/2006/main" xmlns:r="http://schemas.openxmlformats.org/officeDocument/2006/relationships" xmlns:p="http://schemas.openxmlformats.org/presentationml/2006/main">
+  <p:cSld>
+    <p:spTree>
+      <p:nvGrpSpPr>
+        <p:cNvPr id="1" name=""/>
+        <p:cNvGrpSpPr/>
+        <p:nvPr/>
+      </p:nvGrpSpPr>
+      <p:grpSpPr>
+        <a:xfrm>
+          <a:off x="0" y="0"/>
+          <a:ext cx="0" cy="0"/>
+          <a:chOff x="0" y="0"/>
+          <a:chExt cx="0" cy="0"/>
+        </a:xfrm>
+      </p:grpSpPr>
+      <p:pic>
+        <p:nvPicPr>
+          <p:cNvPr id="6" name="Image 5">
+            <a:extLst>
+              <a:ext uri="{FF2B5EF4-FFF2-40B4-BE49-F238E27FC236}">
+                <a16:creationId xmlns:a16="http://schemas.microsoft.com/office/drawing/2014/main" id="{7B74C971-B67B-40CA-89E0-FE393654BA1A}"/>
+              </a:ext>
+            </a:extLst>
+          </p:cNvPr>
+          <p:cNvPicPr>
+            <a:picLocks noChangeAspect="1"/>
+          </p:cNvPicPr>
+          <p:nvPr/>
+        </p:nvPicPr>
+        <p:blipFill>
+          <a:blip r:embed="rId3"/>
+          <a:stretch>
+            <a:fillRect/>
+          </a:stretch>
+        </p:blipFill>
+        <p:spPr>
+          <a:xfrm>
+            <a:off x="9584746" y="3918525"/>
+            <a:ext cx="2348645" cy="2364461"/>
+          </a:xfrm>
+          <a:prstGeom prst="rect">
+            <a:avLst/>
+          </a:prstGeom>
+        </p:spPr>
+      </p:pic>
+      <p:pic>
+        <p:nvPicPr>
+          <p:cNvPr id="5" name="Image 4">
+            <a:extLst>
+              <a:ext uri="{FF2B5EF4-FFF2-40B4-BE49-F238E27FC236}">
+                <a16:creationId xmlns:a16="http://schemas.microsoft.com/office/drawing/2014/main" id="{8B6A95F4-CB6C-4A26-AB25-5E6278E0AB6A}"/>
+              </a:ext>
+            </a:extLst>
+          </p:cNvPr>
+          <p:cNvPicPr>
+            <a:picLocks noChangeAspect="1"/>
+          </p:cNvPicPr>
+          <p:nvPr/>
+        </p:nvPicPr>
+        <p:blipFill>
+          <a:blip r:embed="rId3"/>
+          <a:stretch>
+            <a:fillRect/>
+          </a:stretch>
+        </p:blipFill>
+        <p:spPr>
+          <a:xfrm>
+            <a:off x="128954" y="199291"/>
+            <a:ext cx="2879848" cy="2899241"/>
+          </a:xfrm>
+          <a:prstGeom prst="rect">
+            <a:avLst/>
+          </a:prstGeom>
+        </p:spPr>
+      </p:pic>
+      <p:sp>
+        <p:nvSpPr>
+          <p:cNvPr id="2" name="Titre 1">
+            <a:extLst>
+              <a:ext uri="{FF2B5EF4-FFF2-40B4-BE49-F238E27FC236}">
+                <a16:creationId xmlns:a16="http://schemas.microsoft.com/office/drawing/2014/main" id="{B22C7BE7-F706-4089-BCA5-AF4C275C322E}"/>
+              </a:ext>
+            </a:extLst>
+          </p:cNvPr>
+          <p:cNvSpPr>
+            <a:spLocks noGrp="1"/>
+          </p:cNvSpPr>
+          <p:nvPr>
+            <p:ph type="title"/>
+          </p:nvPr>
+        </p:nvSpPr>
+        <p:spPr/>
+        <p:txBody>
+          <a:bodyPr/>
+          <a:lstStyle/>
+          <a:p>
+            <a:pPr algn="ctr"/>
+            <a:r>
+              <a:rPr lang="fr-FR" sz="4000" dirty="0">
+                <a:latin typeface="Arial Rounded MT Bold" panose="020F0704030504030204" pitchFamily="34" charset="0"/>
+              </a:rPr>
+              <a:t>Bilan / Recommandations</a:t>
+            </a:r>
+            <a:endParaRPr lang="fr-RE" sz="4000" dirty="0">
+              <a:latin typeface="Arial Rounded MT Bold" panose="020F0704030504030204" pitchFamily="34" charset="0"/>
+            </a:endParaRPr>
+          </a:p>
+        </p:txBody>
+      </p:sp>
+      <p:sp>
+        <p:nvSpPr>
+          <p:cNvPr id="4" name="Espace réservé du numéro de diapositive 3">
+            <a:extLst>
+              <a:ext uri="{FF2B5EF4-FFF2-40B4-BE49-F238E27FC236}">
+                <a16:creationId xmlns:a16="http://schemas.microsoft.com/office/drawing/2014/main" id="{6828EA4A-30ED-4BE2-BB9E-FF832223FF7B}"/>
+              </a:ext>
+            </a:extLst>
+          </p:cNvPr>
+          <p:cNvSpPr>
+            <a:spLocks noGrp="1"/>
+          </p:cNvSpPr>
+          <p:nvPr>
+            <p:ph type="sldNum" sz="quarter" idx="12"/>
+          </p:nvPr>
+        </p:nvSpPr>
+        <p:spPr/>
+        <p:txBody>
+          <a:bodyPr/>
+          <a:lstStyle/>
+          <a:p>
+            <a:fld id="{8A7A6979-0714-4377-B894-6BE4C2D6E202}" type="slidenum">
+              <a:rPr lang="en-US" sz="1600" b="1" smtClean="0"/>
+              <a:pPr/>
+              <a:t>9</a:t>
+            </a:fld>
+            <a:r>
+              <a:rPr lang="en-US" sz="1600" b="1" dirty="0"/>
+              <a:t> / 13</a:t>
+            </a:r>
+          </a:p>
+        </p:txBody>
+      </p:sp>
+      <p:graphicFrame>
+        <p:nvGraphicFramePr>
+          <p:cNvPr id="7" name="Tableau 7">
+            <a:extLst>
+              <a:ext uri="{FF2B5EF4-FFF2-40B4-BE49-F238E27FC236}">
+                <a16:creationId xmlns:a16="http://schemas.microsoft.com/office/drawing/2014/main" id="{82874B99-B782-42BD-8501-58D33E317505}"/>
+              </a:ext>
+            </a:extLst>
+          </p:cNvPr>
+          <p:cNvGraphicFramePr>
+            <a:graphicFrameLocks noGrp="1"/>
+          </p:cNvGraphicFramePr>
+          <p:nvPr>
+            <p:extLst>
+              <p:ext uri="{D42A27DB-BD31-4B8C-83A1-F6EECF244321}">
+                <p14:modId xmlns:p14="http://schemas.microsoft.com/office/powerpoint/2010/main" val="2983809385"/>
+              </p:ext>
+            </p:extLst>
+          </p:nvPr>
+        </p:nvGraphicFramePr>
+        <p:xfrm>
+          <a:off x="653098" y="2603245"/>
+          <a:ext cx="10700702" cy="2205230"/>
+        </p:xfrm>
+        <a:graphic>
+          <a:graphicData uri="http://schemas.openxmlformats.org/drawingml/2006/table">
+            <a:tbl>
+              <a:tblPr firstRow="1" bandRow="1">
+                <a:effectLst>
+                  <a:outerShdw blurRad="50800" dist="38100" dir="8100000" algn="tr" rotWithShape="0">
+                    <a:prstClr val="black">
+                      <a:alpha val="40000"/>
+                    </a:prstClr>
+                  </a:outerShdw>
+                </a:effectLst>
+                <a:tableStyleId>{5202B0CA-FC54-4496-8BCA-5EF66A818D29}</a:tableStyleId>
+              </a:tblPr>
+              <a:tblGrid>
+                <a:gridCol w="4305764">
+                  <a:extLst>
+                    <a:ext uri="{9D8B030D-6E8A-4147-A177-3AD203B41FA5}">
+                      <a16:colId xmlns:a16="http://schemas.microsoft.com/office/drawing/2014/main" val="51031025"/>
+                    </a:ext>
+                  </a:extLst>
+                </a:gridCol>
+                <a:gridCol w="6394938">
+                  <a:extLst>
+                    <a:ext uri="{9D8B030D-6E8A-4147-A177-3AD203B41FA5}">
+                      <a16:colId xmlns:a16="http://schemas.microsoft.com/office/drawing/2014/main" val="1107216242"/>
+                    </a:ext>
+                  </a:extLst>
+                </a:gridCol>
+              </a:tblGrid>
+              <a:tr h="551878">
+                <a:tc>
+                  <a:txBody>
+                    <a:bodyPr/>
+                    <a:lstStyle/>
+                    <a:p>
+                      <a:pPr algn="ctr"/>
+                      <a:r>
+                        <a:rPr lang="fr-FR" sz="2000" dirty="0"/>
+                        <a:t>Vulnérabilités</a:t>
+                      </a:r>
+                    </a:p>
+                  </a:txBody>
+                  <a:tcPr anchor="ctr"/>
+                </a:tc>
+                <a:tc>
+                  <a:txBody>
+                    <a:bodyPr/>
+                    <a:lstStyle/>
+                    <a:p>
+                      <a:pPr algn="ctr"/>
+                      <a:r>
+                        <a:rPr lang="fr-FR" sz="2000" dirty="0"/>
+                        <a:t>Solutions</a:t>
+                      </a:r>
+                    </a:p>
+                  </a:txBody>
+                  <a:tcPr anchor="ctr"/>
+                </a:tc>
+                <a:extLst>
+                  <a:ext uri="{0D108BD9-81ED-4DB2-BD59-A6C34878D82A}">
+                    <a16:rowId xmlns:a16="http://schemas.microsoft.com/office/drawing/2014/main" val="3186800991"/>
+                  </a:ext>
+                </a:extLst>
+              </a:tr>
+              <a:tr h="551878">
+                <a:tc>
+                  <a:txBody>
+                    <a:bodyPr/>
+                    <a:lstStyle/>
+                    <a:p>
+                      <a:r>
+                        <a:rPr lang="fr-FR" dirty="0"/>
+                        <a:t>Brute force : Mot de passe faible</a:t>
+                      </a:r>
+                    </a:p>
+                  </a:txBody>
+                  <a:tcPr anchor="ctr"/>
+                </a:tc>
+                <a:tc>
+                  <a:txBody>
+                    <a:bodyPr/>
+                    <a:lstStyle/>
+                    <a:p>
+                      <a:r>
+                        <a:rPr lang="fr-FR" dirty="0"/>
+                        <a:t>Avoir une politique de mot de passe fort</a:t>
+                      </a:r>
+                    </a:p>
+                  </a:txBody>
+                  <a:tcPr anchor="ctr"/>
+                </a:tc>
+                <a:extLst>
+                  <a:ext uri="{0D108BD9-81ED-4DB2-BD59-A6C34878D82A}">
+                    <a16:rowId xmlns:a16="http://schemas.microsoft.com/office/drawing/2014/main" val="1552978034"/>
+                  </a:ext>
+                </a:extLst>
+              </a:tr>
+              <a:tr h="471998">
+                <a:tc>
+                  <a:txBody>
+                    <a:bodyPr/>
+                    <a:lstStyle/>
+                    <a:p>
+                      <a:pPr marL="0" marR="0" lvl="0" indent="0" algn="l" defTabSz="914400" rtl="0" eaLnBrk="1" fontAlgn="auto" latinLnBrk="0" hangingPunct="1">
+                        <a:lnSpc>
+                          <a:spcPct val="100000"/>
+                        </a:lnSpc>
+                        <a:spcBef>
+                          <a:spcPts val="0"/>
+                        </a:spcBef>
+                        <a:spcAft>
+                          <a:spcPts val="0"/>
+                        </a:spcAft>
+                        <a:buClrTx/>
+                        <a:buSzTx/>
+                        <a:buFontTx/>
+                        <a:buNone/>
+                        <a:tabLst/>
+                        <a:defRPr/>
+                      </a:pPr>
+                      <a:r>
+                        <a:rPr lang="fr-FR" sz="1800" kern="1200" dirty="0">
+                          <a:solidFill>
+                            <a:schemeClr val="dk1"/>
+                          </a:solidFill>
+                          <a:latin typeface="+mn-lt"/>
+                          <a:ea typeface="+mn-ea"/>
+                          <a:cs typeface="+mn-cs"/>
+                        </a:rPr>
+                        <a:t>Social engineering</a:t>
+                      </a:r>
+                    </a:p>
+                  </a:txBody>
+                  <a:tcPr anchor="ctr"/>
+                </a:tc>
+                <a:tc>
+                  <a:txBody>
+                    <a:bodyPr/>
+                    <a:lstStyle/>
+                    <a:p>
+                      <a:r>
+                        <a:rPr lang="fr-FR" dirty="0"/>
+                        <a:t>Formation sur les concepts de la cybersécurité</a:t>
+                      </a:r>
+                    </a:p>
+                  </a:txBody>
+                  <a:tcPr anchor="ctr"/>
+                </a:tc>
+                <a:extLst>
+                  <a:ext uri="{0D108BD9-81ED-4DB2-BD59-A6C34878D82A}">
+                    <a16:rowId xmlns:a16="http://schemas.microsoft.com/office/drawing/2014/main" val="2562687705"/>
+                  </a:ext>
+                </a:extLst>
+              </a:tr>
+              <a:tr h="629476">
+                <a:tc>
+                  <a:txBody>
+                    <a:bodyPr/>
+                    <a:lstStyle/>
+                    <a:p>
+                      <a:pPr marL="0" marR="0" lvl="0" indent="0" algn="l" defTabSz="914400" rtl="0" eaLnBrk="1" fontAlgn="auto" latinLnBrk="0" hangingPunct="1">
+                        <a:lnSpc>
+                          <a:spcPct val="100000"/>
+                        </a:lnSpc>
+                        <a:spcBef>
+                          <a:spcPts val="0"/>
+                        </a:spcBef>
+                        <a:spcAft>
+                          <a:spcPts val="0"/>
+                        </a:spcAft>
+                        <a:buClrTx/>
+                        <a:buSzTx/>
+                        <a:buFontTx/>
+                        <a:buNone/>
+                        <a:tabLst/>
+                        <a:defRPr/>
+                      </a:pPr>
+                      <a:r>
+                        <a:rPr lang="fr-FR" dirty="0"/>
+                        <a:t>Téléversement exécutable malveillant</a:t>
+                      </a:r>
+                    </a:p>
+                  </a:txBody>
+                  <a:tcPr anchor="ctr"/>
+                </a:tc>
+                <a:tc>
+                  <a:txBody>
+                    <a:bodyPr/>
+                    <a:lstStyle/>
+                    <a:p>
+                      <a:r>
+                        <a:rPr lang="fr-FR" dirty="0"/>
+                        <a:t>Filtrer les types de fichier qui peuvent être téléverser</a:t>
+                      </a:r>
+                    </a:p>
+                  </a:txBody>
+                  <a:tcPr anchor="ctr"/>
+                </a:tc>
+                <a:extLst>
+                  <a:ext uri="{0D108BD9-81ED-4DB2-BD59-A6C34878D82A}">
+                    <a16:rowId xmlns:a16="http://schemas.microsoft.com/office/drawing/2014/main" val="2658080140"/>
+                  </a:ext>
+                </a:extLst>
+              </a:tr>
+            </a:tbl>
+          </a:graphicData>
+        </a:graphic>
+      </p:graphicFrame>
+    </p:spTree>
+    <p:extLst>
+      <p:ext uri="{BB962C8B-B14F-4D97-AF65-F5344CB8AC3E}">
+        <p14:creationId xmlns:p14="http://schemas.microsoft.com/office/powerpoint/2010/main" val="374667423"/>
       </p:ext>
     </p:extLst>
   </p:cSld>
